--- a/中期展示草稿.pptx
+++ b/中期展示草稿.pptx
@@ -19076,8 +19076,8 @@
         </p:nvSpPr>
         <p:spPr>
           <a:xfrm>
-            <a:off x="795486" y="1828800"/>
-            <a:ext cx="10601027" cy="4385269"/>
+            <a:off x="795486" y="1687896"/>
+            <a:ext cx="10601027" cy="4747627"/>
           </a:xfrm>
           <a:prstGeom prst="rect">
             <a:avLst/>
@@ -19445,7 +19445,7 @@
             <p:cNvSpPr/>
             <p:nvPr>
               <p:custDataLst>
-                <p:tags r:id="rId26"/>
+                <p:tags r:id="rId16"/>
               </p:custDataLst>
             </p:nvPr>
           </p:nvSpPr>
@@ -19501,7 +19501,7 @@
             <p:cNvSpPr/>
             <p:nvPr>
               <p:custDataLst>
-                <p:tags r:id="rId27"/>
+                <p:tags r:id="rId17"/>
               </p:custDataLst>
             </p:nvPr>
           </p:nvSpPr>
@@ -19557,7 +19557,7 @@
             <p:cNvSpPr/>
             <p:nvPr>
               <p:custDataLst>
-                <p:tags r:id="rId28"/>
+                <p:tags r:id="rId18"/>
               </p:custDataLst>
             </p:nvPr>
           </p:nvSpPr>
@@ -19613,7 +19613,7 @@
             <p:cNvSpPr/>
             <p:nvPr>
               <p:custDataLst>
-                <p:tags r:id="rId29"/>
+                <p:tags r:id="rId19"/>
               </p:custDataLst>
             </p:nvPr>
           </p:nvSpPr>
@@ -19667,410 +19667,13 @@
           </p:txBody>
         </p:sp>
       </p:grpSp>
-      <p:grpSp>
-        <p:nvGrpSpPr>
-          <p:cNvPr id="19" name="组合 18"/>
-          <p:cNvGrpSpPr/>
-          <p:nvPr>
-            <p:custDataLst>
-              <p:tags r:id="rId6"/>
-            </p:custDataLst>
-          </p:nvPr>
-        </p:nvGrpSpPr>
-        <p:grpSpPr>
-          <a:xfrm>
-            <a:off x="1888332" y="6130929"/>
-            <a:ext cx="8415337" cy="74613"/>
-            <a:chOff x="1872871" y="6130929"/>
-            <a:chExt cx="8415337" cy="74613"/>
-          </a:xfrm>
-        </p:grpSpPr>
-        <p:cxnSp>
-          <p:nvCxnSpPr>
-            <p:cNvPr id="20" name="直接连接符 19"/>
-            <p:cNvCxnSpPr/>
-            <p:nvPr>
-              <p:custDataLst>
-                <p:tags r:id="rId17"/>
-              </p:custDataLst>
-            </p:nvPr>
-          </p:nvCxnSpPr>
-          <p:spPr>
-            <a:xfrm>
-              <a:off x="1872871" y="6130929"/>
-              <a:ext cx="0" cy="74613"/>
-            </a:xfrm>
-            <a:prstGeom prst="line">
-              <a:avLst/>
-            </a:prstGeom>
-            <a:ln w="12700">
-              <a:solidFill>
-                <a:schemeClr val="dk1">
-                  <a:lumMod val="50000"/>
-                  <a:lumOff val="50000"/>
-                </a:schemeClr>
-              </a:solidFill>
-            </a:ln>
-          </p:spPr>
-          <p:style>
-            <a:lnRef idx="1">
-              <a:schemeClr val="accent1"/>
-            </a:lnRef>
-            <a:fillRef idx="0">
-              <a:schemeClr val="accent1"/>
-            </a:fillRef>
-            <a:effectRef idx="0">
-              <a:schemeClr val="accent1"/>
-            </a:effectRef>
-            <a:fontRef idx="minor">
-              <a:schemeClr val="tx1"/>
-            </a:fontRef>
-          </p:style>
-        </p:cxnSp>
-        <p:cxnSp>
-          <p:nvCxnSpPr>
-            <p:cNvPr id="21" name="直接连接符 20"/>
-            <p:cNvCxnSpPr/>
-            <p:nvPr>
-              <p:custDataLst>
-                <p:tags r:id="rId18"/>
-              </p:custDataLst>
-            </p:nvPr>
-          </p:nvCxnSpPr>
-          <p:spPr>
-            <a:xfrm>
-              <a:off x="3976705" y="6130929"/>
-              <a:ext cx="0" cy="74613"/>
-            </a:xfrm>
-            <a:prstGeom prst="line">
-              <a:avLst/>
-            </a:prstGeom>
-            <a:ln w="12700">
-              <a:solidFill>
-                <a:schemeClr val="dk1">
-                  <a:lumMod val="50000"/>
-                  <a:lumOff val="50000"/>
-                </a:schemeClr>
-              </a:solidFill>
-            </a:ln>
-          </p:spPr>
-          <p:style>
-            <a:lnRef idx="1">
-              <a:schemeClr val="accent1"/>
-            </a:lnRef>
-            <a:fillRef idx="0">
-              <a:schemeClr val="accent1"/>
-            </a:fillRef>
-            <a:effectRef idx="0">
-              <a:schemeClr val="accent1"/>
-            </a:effectRef>
-            <a:fontRef idx="minor">
-              <a:schemeClr val="tx1"/>
-            </a:fontRef>
-          </p:style>
-        </p:cxnSp>
-        <p:cxnSp>
-          <p:nvCxnSpPr>
-            <p:cNvPr id="26" name="直接连接符 25"/>
-            <p:cNvCxnSpPr/>
-            <p:nvPr>
-              <p:custDataLst>
-                <p:tags r:id="rId19"/>
-              </p:custDataLst>
-            </p:nvPr>
-          </p:nvCxnSpPr>
-          <p:spPr>
-            <a:xfrm>
-              <a:off x="6080539" y="6130929"/>
-              <a:ext cx="0" cy="74613"/>
-            </a:xfrm>
-            <a:prstGeom prst="line">
-              <a:avLst/>
-            </a:prstGeom>
-            <a:ln w="12700">
-              <a:solidFill>
-                <a:schemeClr val="dk1">
-                  <a:lumMod val="50000"/>
-                  <a:lumOff val="50000"/>
-                </a:schemeClr>
-              </a:solidFill>
-            </a:ln>
-          </p:spPr>
-          <p:style>
-            <a:lnRef idx="1">
-              <a:schemeClr val="accent1"/>
-            </a:lnRef>
-            <a:fillRef idx="0">
-              <a:schemeClr val="accent1"/>
-            </a:fillRef>
-            <a:effectRef idx="0">
-              <a:schemeClr val="accent1"/>
-            </a:effectRef>
-            <a:fontRef idx="minor">
-              <a:schemeClr val="tx1"/>
-            </a:fontRef>
-          </p:style>
-        </p:cxnSp>
-        <p:cxnSp>
-          <p:nvCxnSpPr>
-            <p:cNvPr id="27" name="直接连接符 26"/>
-            <p:cNvCxnSpPr/>
-            <p:nvPr>
-              <p:custDataLst>
-                <p:tags r:id="rId20"/>
-              </p:custDataLst>
-            </p:nvPr>
-          </p:nvCxnSpPr>
-          <p:spPr>
-            <a:xfrm>
-              <a:off x="8184373" y="6130929"/>
-              <a:ext cx="0" cy="74613"/>
-            </a:xfrm>
-            <a:prstGeom prst="line">
-              <a:avLst/>
-            </a:prstGeom>
-            <a:ln w="12700">
-              <a:solidFill>
-                <a:schemeClr val="dk1">
-                  <a:lumMod val="50000"/>
-                  <a:lumOff val="50000"/>
-                </a:schemeClr>
-              </a:solidFill>
-            </a:ln>
-          </p:spPr>
-          <p:style>
-            <a:lnRef idx="1">
-              <a:schemeClr val="accent1"/>
-            </a:lnRef>
-            <a:fillRef idx="0">
-              <a:schemeClr val="accent1"/>
-            </a:fillRef>
-            <a:effectRef idx="0">
-              <a:schemeClr val="accent1"/>
-            </a:effectRef>
-            <a:fontRef idx="minor">
-              <a:schemeClr val="tx1"/>
-            </a:fontRef>
-          </p:style>
-        </p:cxnSp>
-        <p:cxnSp>
-          <p:nvCxnSpPr>
-            <p:cNvPr id="28" name="直接连接符 27"/>
-            <p:cNvCxnSpPr/>
-            <p:nvPr>
-              <p:custDataLst>
-                <p:tags r:id="rId21"/>
-              </p:custDataLst>
-            </p:nvPr>
-          </p:nvCxnSpPr>
-          <p:spPr>
-            <a:xfrm>
-              <a:off x="10288208" y="6130929"/>
-              <a:ext cx="0" cy="74613"/>
-            </a:xfrm>
-            <a:prstGeom prst="line">
-              <a:avLst/>
-            </a:prstGeom>
-            <a:ln w="12700">
-              <a:solidFill>
-                <a:schemeClr val="dk1">
-                  <a:lumMod val="50000"/>
-                  <a:lumOff val="50000"/>
-                </a:schemeClr>
-              </a:solidFill>
-            </a:ln>
-          </p:spPr>
-          <p:style>
-            <a:lnRef idx="1">
-              <a:schemeClr val="accent1"/>
-            </a:lnRef>
-            <a:fillRef idx="0">
-              <a:schemeClr val="accent1"/>
-            </a:fillRef>
-            <a:effectRef idx="0">
-              <a:schemeClr val="accent1"/>
-            </a:effectRef>
-            <a:fontRef idx="minor">
-              <a:schemeClr val="tx1"/>
-            </a:fontRef>
-          </p:style>
-        </p:cxnSp>
-        <p:cxnSp>
-          <p:nvCxnSpPr>
-            <p:cNvPr id="29" name="直接连接符 28"/>
-            <p:cNvCxnSpPr/>
-            <p:nvPr>
-              <p:custDataLst>
-                <p:tags r:id="rId22"/>
-              </p:custDataLst>
-            </p:nvPr>
-          </p:nvCxnSpPr>
-          <p:spPr>
-            <a:xfrm>
-              <a:off x="9236290" y="6168235"/>
-              <a:ext cx="0" cy="36000"/>
-            </a:xfrm>
-            <a:prstGeom prst="line">
-              <a:avLst/>
-            </a:prstGeom>
-            <a:ln>
-              <a:solidFill>
-                <a:schemeClr val="dk1">
-                  <a:lumMod val="50000"/>
-                  <a:lumOff val="50000"/>
-                </a:schemeClr>
-              </a:solidFill>
-            </a:ln>
-          </p:spPr>
-          <p:style>
-            <a:lnRef idx="1">
-              <a:schemeClr val="accent1"/>
-            </a:lnRef>
-            <a:fillRef idx="0">
-              <a:schemeClr val="accent1"/>
-            </a:fillRef>
-            <a:effectRef idx="0">
-              <a:schemeClr val="accent1"/>
-            </a:effectRef>
-            <a:fontRef idx="minor">
-              <a:schemeClr val="tx1"/>
-            </a:fontRef>
-          </p:style>
-        </p:cxnSp>
-        <p:cxnSp>
-          <p:nvCxnSpPr>
-            <p:cNvPr id="30" name="直接连接符 29"/>
-            <p:cNvCxnSpPr/>
-            <p:nvPr>
-              <p:custDataLst>
-                <p:tags r:id="rId23"/>
-              </p:custDataLst>
-            </p:nvPr>
-          </p:nvCxnSpPr>
-          <p:spPr>
-            <a:xfrm>
-              <a:off x="7132456" y="6168235"/>
-              <a:ext cx="0" cy="36000"/>
-            </a:xfrm>
-            <a:prstGeom prst="line">
-              <a:avLst/>
-            </a:prstGeom>
-            <a:ln>
-              <a:solidFill>
-                <a:schemeClr val="dk1">
-                  <a:lumMod val="50000"/>
-                  <a:lumOff val="50000"/>
-                </a:schemeClr>
-              </a:solidFill>
-            </a:ln>
-          </p:spPr>
-          <p:style>
-            <a:lnRef idx="1">
-              <a:schemeClr val="accent1"/>
-            </a:lnRef>
-            <a:fillRef idx="0">
-              <a:schemeClr val="accent1"/>
-            </a:fillRef>
-            <a:effectRef idx="0">
-              <a:schemeClr val="accent1"/>
-            </a:effectRef>
-            <a:fontRef idx="minor">
-              <a:schemeClr val="tx1"/>
-            </a:fontRef>
-          </p:style>
-        </p:cxnSp>
-        <p:cxnSp>
-          <p:nvCxnSpPr>
-            <p:cNvPr id="31" name="直接连接符 30"/>
-            <p:cNvCxnSpPr/>
-            <p:nvPr>
-              <p:custDataLst>
-                <p:tags r:id="rId24"/>
-              </p:custDataLst>
-            </p:nvPr>
-          </p:nvCxnSpPr>
-          <p:spPr>
-            <a:xfrm>
-              <a:off x="5028622" y="6168235"/>
-              <a:ext cx="0" cy="36000"/>
-            </a:xfrm>
-            <a:prstGeom prst="line">
-              <a:avLst/>
-            </a:prstGeom>
-            <a:ln>
-              <a:solidFill>
-                <a:schemeClr val="dk1">
-                  <a:lumMod val="50000"/>
-                  <a:lumOff val="50000"/>
-                </a:schemeClr>
-              </a:solidFill>
-            </a:ln>
-          </p:spPr>
-          <p:style>
-            <a:lnRef idx="1">
-              <a:schemeClr val="accent1"/>
-            </a:lnRef>
-            <a:fillRef idx="0">
-              <a:schemeClr val="accent1"/>
-            </a:fillRef>
-            <a:effectRef idx="0">
-              <a:schemeClr val="accent1"/>
-            </a:effectRef>
-            <a:fontRef idx="minor">
-              <a:schemeClr val="tx1"/>
-            </a:fontRef>
-          </p:style>
-        </p:cxnSp>
-        <p:cxnSp>
-          <p:nvCxnSpPr>
-            <p:cNvPr id="32" name="直接连接符 31"/>
-            <p:cNvCxnSpPr/>
-            <p:nvPr>
-              <p:custDataLst>
-                <p:tags r:id="rId25"/>
-              </p:custDataLst>
-            </p:nvPr>
-          </p:nvCxnSpPr>
-          <p:spPr>
-            <a:xfrm>
-              <a:off x="2924788" y="6168235"/>
-              <a:ext cx="0" cy="36000"/>
-            </a:xfrm>
-            <a:prstGeom prst="line">
-              <a:avLst/>
-            </a:prstGeom>
-            <a:ln>
-              <a:solidFill>
-                <a:schemeClr val="dk1">
-                  <a:lumMod val="50000"/>
-                  <a:lumOff val="50000"/>
-                </a:schemeClr>
-              </a:solidFill>
-            </a:ln>
-          </p:spPr>
-          <p:style>
-            <a:lnRef idx="1">
-              <a:schemeClr val="accent1"/>
-            </a:lnRef>
-            <a:fillRef idx="0">
-              <a:schemeClr val="accent1"/>
-            </a:fillRef>
-            <a:effectRef idx="0">
-              <a:schemeClr val="accent1"/>
-            </a:effectRef>
-            <a:fontRef idx="minor">
-              <a:schemeClr val="tx1"/>
-            </a:fontRef>
-          </p:style>
-        </p:cxnSp>
-      </p:grpSp>
       <p:sp>
         <p:nvSpPr>
           <p:cNvPr id="22" name="椭圆 21"/>
           <p:cNvSpPr/>
           <p:nvPr>
             <p:custDataLst>
-              <p:tags r:id="rId7"/>
+              <p:tags r:id="rId6"/>
             </p:custDataLst>
           </p:nvPr>
         </p:nvSpPr>
@@ -20128,7 +19731,7 @@
           <p:cNvSpPr/>
           <p:nvPr>
             <p:custDataLst>
-              <p:tags r:id="rId8"/>
+              <p:tags r:id="rId7"/>
             </p:custDataLst>
           </p:nvPr>
         </p:nvSpPr>
@@ -20186,7 +19789,7 @@
           <p:cNvSpPr/>
           <p:nvPr>
             <p:custDataLst>
-              <p:tags r:id="rId9"/>
+              <p:tags r:id="rId8"/>
             </p:custDataLst>
           </p:nvPr>
         </p:nvSpPr>
@@ -20244,7 +19847,7 @@
           <p:cNvSpPr/>
           <p:nvPr>
             <p:custDataLst>
-              <p:tags r:id="rId10"/>
+              <p:tags r:id="rId9"/>
             </p:custDataLst>
           </p:nvPr>
         </p:nvSpPr>
@@ -20302,7 +19905,7 @@
           <p:cNvGrpSpPr/>
           <p:nvPr>
             <p:custDataLst>
-              <p:tags r:id="rId11"/>
+              <p:tags r:id="rId10"/>
             </p:custDataLst>
           </p:nvPr>
         </p:nvGrpSpPr>
@@ -20320,7 +19923,7 @@
             <p:cNvSpPr/>
             <p:nvPr>
               <p:custDataLst>
-                <p:tags r:id="rId14"/>
+                <p:tags r:id="rId13"/>
               </p:custDataLst>
             </p:nvPr>
           </p:nvSpPr>
@@ -20376,7 +19979,7 @@
             <p:cNvSpPr/>
             <p:nvPr>
               <p:custDataLst>
-                <p:tags r:id="rId15"/>
+                <p:tags r:id="rId14"/>
               </p:custDataLst>
             </p:nvPr>
           </p:nvSpPr>
@@ -20432,7 +20035,7 @@
             <p:cNvSpPr/>
             <p:nvPr>
               <p:custDataLst>
-                <p:tags r:id="rId16"/>
+                <p:tags r:id="rId15"/>
               </p:custDataLst>
             </p:nvPr>
           </p:nvSpPr>
@@ -20489,7 +20092,7 @@
           <p:cNvCxnSpPr/>
           <p:nvPr>
             <p:custDataLst>
-              <p:tags r:id="rId12"/>
+              <p:tags r:id="rId11"/>
             </p:custDataLst>
           </p:nvPr>
         </p:nvCxnSpPr>
@@ -20531,7 +20134,7 @@
           <p:cNvSpPr txBox="1"/>
           <p:nvPr>
             <p:custDataLst>
-              <p:tags r:id="rId13"/>
+              <p:tags r:id="rId12"/>
             </p:custDataLst>
           </p:nvPr>
         </p:nvSpPr>
@@ -20587,7 +20190,7 @@
         </p:nvSpPr>
         <p:spPr>
           <a:xfrm>
-            <a:off x="1210190" y="1969590"/>
+            <a:off x="1210190" y="2007076"/>
             <a:ext cx="9771616" cy="4103688"/>
           </a:xfrm>
           <a:prstGeom prst="rect">
@@ -41055,27 +40658,6 @@
   <p:tag name="KSO_WM_UNIT_DIAGRAM_ISNUMVISUAL" val="0"/>
   <p:tag name="KSO_WM_UNIT_DIAGRAM_ISREFERUNIT" val="0"/>
   <p:tag name="KSO_WM_UNIT_TYPE" val="i"/>
-  <p:tag name="KSO_WM_UNIT_INDEX" val="6"/>
-  <p:tag name="KSO_WM_UNIT_ID" val="diagram20217394_1*i*6"/>
-  <p:tag name="KSO_WM_TEMPLATE_CATEGORY" val="diagram"/>
-  <p:tag name="KSO_WM_TEMPLATE_INDEX" val="20217394"/>
-  <p:tag name="KSO_WM_UNIT_LAYERLEVEL" val="1"/>
-  <p:tag name="KSO_WM_TAG_VERSION" val="1.0"/>
-  <p:tag name="KSO_WM_BEAUTIFY_FLAG" val="#wm#"/>
-  <p:tag name="KSO_WM_CHIP_GROUPID" val="5fd07e214d383dce34166718"/>
-  <p:tag name="KSO_WM_CHIP_XID" val="5fd07e214d383dce34166719"/>
-  <p:tag name="KSO_WM_TEMPLATE_ASSEMBLE_XID" val="606570824054ed1e2fb816ac"/>
-  <p:tag name="KSO_WM_TEMPLATE_ASSEMBLE_GROUPID" val="606570824054ed1e2fb816ac"/>
-</p:tagLst>
-</file>
-
-<file path=ppt/tags/tag374.xml><?xml version="1.0" encoding="utf-8"?>
-<p:tagLst xmlns:a="http://schemas.openxmlformats.org/drawingml/2006/main" xmlns:r="http://schemas.openxmlformats.org/officeDocument/2006/relationships" xmlns:p="http://schemas.openxmlformats.org/presentationml/2006/main">
-  <p:tag name="KSO_WM_UNIT_HIGHLIGHT" val="0"/>
-  <p:tag name="KSO_WM_UNIT_COMPATIBLE" val="0"/>
-  <p:tag name="KSO_WM_UNIT_DIAGRAM_ISNUMVISUAL" val="0"/>
-  <p:tag name="KSO_WM_UNIT_DIAGRAM_ISREFERUNIT" val="0"/>
-  <p:tag name="KSO_WM_UNIT_TYPE" val="i"/>
   <p:tag name="KSO_WM_UNIT_INDEX" val="16"/>
   <p:tag name="KSO_WM_UNIT_ID" val="diagram20217394_1*i*16"/>
   <p:tag name="KSO_WM_TEMPLATE_CATEGORY" val="diagram"/>
@@ -41094,7 +40676,7 @@
 </p:tagLst>
 </file>
 
-<file path=ppt/tags/tag375.xml><?xml version="1.0" encoding="utf-8"?>
+<file path=ppt/tags/tag374.xml><?xml version="1.0" encoding="utf-8"?>
 <p:tagLst xmlns:a="http://schemas.openxmlformats.org/drawingml/2006/main" xmlns:r="http://schemas.openxmlformats.org/officeDocument/2006/relationships" xmlns:p="http://schemas.openxmlformats.org/presentationml/2006/main">
   <p:tag name="KSO_WM_UNIT_HIGHLIGHT" val="0"/>
   <p:tag name="KSO_WM_UNIT_COMPATIBLE" val="0"/>
@@ -41119,7 +40701,7 @@
 </p:tagLst>
 </file>
 
-<file path=ppt/tags/tag376.xml><?xml version="1.0" encoding="utf-8"?>
+<file path=ppt/tags/tag375.xml><?xml version="1.0" encoding="utf-8"?>
 <p:tagLst xmlns:a="http://schemas.openxmlformats.org/drawingml/2006/main" xmlns:r="http://schemas.openxmlformats.org/officeDocument/2006/relationships" xmlns:p="http://schemas.openxmlformats.org/presentationml/2006/main">
   <p:tag name="KSO_WM_UNIT_HIGHLIGHT" val="0"/>
   <p:tag name="KSO_WM_UNIT_COMPATIBLE" val="0"/>
@@ -41144,7 +40726,7 @@
 </p:tagLst>
 </file>
 
-<file path=ppt/tags/tag377.xml><?xml version="1.0" encoding="utf-8"?>
+<file path=ppt/tags/tag376.xml><?xml version="1.0" encoding="utf-8"?>
 <p:tagLst xmlns:a="http://schemas.openxmlformats.org/drawingml/2006/main" xmlns:r="http://schemas.openxmlformats.org/officeDocument/2006/relationships" xmlns:p="http://schemas.openxmlformats.org/presentationml/2006/main">
   <p:tag name="KSO_WM_UNIT_HIGHLIGHT" val="0"/>
   <p:tag name="KSO_WM_UNIT_COMPATIBLE" val="0"/>
@@ -41169,7 +40751,7 @@
 </p:tagLst>
 </file>
 
-<file path=ppt/tags/tag378.xml><?xml version="1.0" encoding="utf-8"?>
+<file path=ppt/tags/tag377.xml><?xml version="1.0" encoding="utf-8"?>
 <p:tagLst xmlns:a="http://schemas.openxmlformats.org/drawingml/2006/main" xmlns:r="http://schemas.openxmlformats.org/officeDocument/2006/relationships" xmlns:p="http://schemas.openxmlformats.org/presentationml/2006/main">
   <p:tag name="KSO_WM_UNIT_HIGHLIGHT" val="0"/>
   <p:tag name="KSO_WM_UNIT_COMPATIBLE" val="0"/>
@@ -41190,7 +40772,7 @@
 </p:tagLst>
 </file>
 
-<file path=ppt/tags/tag379.xml><?xml version="1.0" encoding="utf-8"?>
+<file path=ppt/tags/tag378.xml><?xml version="1.0" encoding="utf-8"?>
 <p:tagLst xmlns:a="http://schemas.openxmlformats.org/drawingml/2006/main" xmlns:r="http://schemas.openxmlformats.org/officeDocument/2006/relationships" xmlns:p="http://schemas.openxmlformats.org/presentationml/2006/main">
   <p:tag name="KSO_WM_UNIT_HIGHLIGHT" val="0"/>
   <p:tag name="KSO_WM_UNIT_COMPATIBLE" val="0"/>
@@ -41214,20 +40796,7 @@
 </p:tagLst>
 </file>
 
-<file path=ppt/tags/tag38.xml><?xml version="1.0" encoding="utf-8"?>
-<p:tagLst xmlns:a="http://schemas.openxmlformats.org/drawingml/2006/main" xmlns:r="http://schemas.openxmlformats.org/officeDocument/2006/relationships" xmlns:p="http://schemas.openxmlformats.org/presentationml/2006/main">
-  <p:tag name="KSO_WM_UNIT_HIGHLIGHT" val="0"/>
-  <p:tag name="KSO_WM_UNIT_COMPATIBLE" val="0"/>
-  <p:tag name="KSO_WM_UNIT_DIAGRAM_ISNUMVISUAL" val="0"/>
-  <p:tag name="KSO_WM_UNIT_DIAGRAM_ISREFERUNIT" val="0"/>
-  <p:tag name="KSO_WM_UNIT_ID" val="_6**"/>
-  <p:tag name="KSO_WM_UNIT_LAYERLEVEL" val="1"/>
-  <p:tag name="KSO_WM_TAG_VERSION" val="1.0"/>
-  <p:tag name="KSO_WM_BEAUTIFY_FLAG" val="#wm#"/>
-</p:tagLst>
-</file>
-
-<file path=ppt/tags/tag380.xml><?xml version="1.0" encoding="utf-8"?>
+<file path=ppt/tags/tag379.xml><?xml version="1.0" encoding="utf-8"?>
 <p:tagLst xmlns:a="http://schemas.openxmlformats.org/drawingml/2006/main" xmlns:r="http://schemas.openxmlformats.org/officeDocument/2006/relationships" xmlns:p="http://schemas.openxmlformats.org/presentationml/2006/main">
   <p:tag name="KSO_WM_UNIT_ISCONTENTSTITLE" val="0"/>
   <p:tag name="KSO_WM_UNIT_ISNUMDGMTITLE" val="0"/>
@@ -41264,7 +40833,20 @@
 </p:tagLst>
 </file>
 
-<file path=ppt/tags/tag381.xml><?xml version="1.0" encoding="utf-8"?>
+<file path=ppt/tags/tag38.xml><?xml version="1.0" encoding="utf-8"?>
+<p:tagLst xmlns:a="http://schemas.openxmlformats.org/drawingml/2006/main" xmlns:r="http://schemas.openxmlformats.org/officeDocument/2006/relationships" xmlns:p="http://schemas.openxmlformats.org/presentationml/2006/main">
+  <p:tag name="KSO_WM_UNIT_HIGHLIGHT" val="0"/>
+  <p:tag name="KSO_WM_UNIT_COMPATIBLE" val="0"/>
+  <p:tag name="KSO_WM_UNIT_DIAGRAM_ISNUMVISUAL" val="0"/>
+  <p:tag name="KSO_WM_UNIT_DIAGRAM_ISREFERUNIT" val="0"/>
+  <p:tag name="KSO_WM_UNIT_ID" val="_6**"/>
+  <p:tag name="KSO_WM_UNIT_LAYERLEVEL" val="1"/>
+  <p:tag name="KSO_WM_TAG_VERSION" val="1.0"/>
+  <p:tag name="KSO_WM_BEAUTIFY_FLAG" val="#wm#"/>
+</p:tagLst>
+</file>
+
+<file path=ppt/tags/tag380.xml><?xml version="1.0" encoding="utf-8"?>
 <p:tagLst xmlns:a="http://schemas.openxmlformats.org/drawingml/2006/main" xmlns:r="http://schemas.openxmlformats.org/officeDocument/2006/relationships" xmlns:p="http://schemas.openxmlformats.org/presentationml/2006/main">
   <p:tag name="KSO_WM_UNIT_HIGHLIGHT" val="0"/>
   <p:tag name="KSO_WM_UNIT_COMPATIBLE" val="0"/>
@@ -41292,7 +40874,7 @@
 </p:tagLst>
 </file>
 
-<file path=ppt/tags/tag382.xml><?xml version="1.0" encoding="utf-8"?>
+<file path=ppt/tags/tag381.xml><?xml version="1.0" encoding="utf-8"?>
 <p:tagLst xmlns:a="http://schemas.openxmlformats.org/drawingml/2006/main" xmlns:r="http://schemas.openxmlformats.org/officeDocument/2006/relationships" xmlns:p="http://schemas.openxmlformats.org/presentationml/2006/main">
   <p:tag name="KSO_WM_UNIT_HIGHLIGHT" val="0"/>
   <p:tag name="KSO_WM_UNIT_COMPATIBLE" val="0"/>
@@ -41320,7 +40902,7 @@
 </p:tagLst>
 </file>
 
-<file path=ppt/tags/tag383.xml><?xml version="1.0" encoding="utf-8"?>
+<file path=ppt/tags/tag382.xml><?xml version="1.0" encoding="utf-8"?>
 <p:tagLst xmlns:a="http://schemas.openxmlformats.org/drawingml/2006/main" xmlns:r="http://schemas.openxmlformats.org/officeDocument/2006/relationships" xmlns:p="http://schemas.openxmlformats.org/presentationml/2006/main">
   <p:tag name="KSO_WM_UNIT_HIGHLIGHT" val="0"/>
   <p:tag name="KSO_WM_UNIT_COMPATIBLE" val="0"/>
@@ -41348,236 +40930,7 @@
 </p:tagLst>
 </file>
 
-<file path=ppt/tags/tag384.xml><?xml version="1.0" encoding="utf-8"?>
-<p:tagLst xmlns:a="http://schemas.openxmlformats.org/drawingml/2006/main" xmlns:r="http://schemas.openxmlformats.org/officeDocument/2006/relationships" xmlns:p="http://schemas.openxmlformats.org/presentationml/2006/main">
-  <p:tag name="KSO_WM_UNIT_HIGHLIGHT" val="0"/>
-  <p:tag name="KSO_WM_UNIT_COMPATIBLE" val="0"/>
-  <p:tag name="KSO_WM_UNIT_DIAGRAM_ISNUMVISUAL" val="0"/>
-  <p:tag name="KSO_WM_UNIT_DIAGRAM_ISREFERUNIT" val="0"/>
-  <p:tag name="KSO_WM_UNIT_TYPE" val="i"/>
-  <p:tag name="KSO_WM_UNIT_INDEX" val="7"/>
-  <p:tag name="KSO_WM_UNIT_ID" val="diagram20217394_1*i*7"/>
-  <p:tag name="KSO_WM_TEMPLATE_CATEGORY" val="diagram"/>
-  <p:tag name="KSO_WM_TEMPLATE_INDEX" val="20217394"/>
-  <p:tag name="KSO_WM_UNIT_LAYERLEVEL" val="1"/>
-  <p:tag name="KSO_WM_TAG_VERSION" val="1.0"/>
-  <p:tag name="KSO_WM_BEAUTIFY_FLAG" val="#wm#"/>
-  <p:tag name="KSO_WM_CHIP_GROUPID" val="5fd07e214d383dce34166718"/>
-  <p:tag name="KSO_WM_CHIP_XID" val="5fd07e214d383dce34166719"/>
-  <p:tag name="KSO_WM_UNIT_LINE_FORE_SCHEMECOLOR_INDEX_BRIGHTNESS" val="0.5"/>
-  <p:tag name="KSO_WM_UNIT_LINE_FORE_SCHEMECOLOR_INDEX" val="13"/>
-  <p:tag name="KSO_WM_UNIT_LINE_FILL_TYPE" val="2"/>
-  <p:tag name="KSO_WM_TEMPLATE_ASSEMBLE_XID" val="606570824054ed1e2fb816ac"/>
-  <p:tag name="KSO_WM_TEMPLATE_ASSEMBLE_GROUPID" val="606570824054ed1e2fb816ac"/>
-</p:tagLst>
-</file>
-
-<file path=ppt/tags/tag385.xml><?xml version="1.0" encoding="utf-8"?>
-<p:tagLst xmlns:a="http://schemas.openxmlformats.org/drawingml/2006/main" xmlns:r="http://schemas.openxmlformats.org/officeDocument/2006/relationships" xmlns:p="http://schemas.openxmlformats.org/presentationml/2006/main">
-  <p:tag name="KSO_WM_UNIT_HIGHLIGHT" val="0"/>
-  <p:tag name="KSO_WM_UNIT_COMPATIBLE" val="0"/>
-  <p:tag name="KSO_WM_UNIT_DIAGRAM_ISNUMVISUAL" val="0"/>
-  <p:tag name="KSO_WM_UNIT_DIAGRAM_ISREFERUNIT" val="0"/>
-  <p:tag name="KSO_WM_UNIT_TYPE" val="i"/>
-  <p:tag name="KSO_WM_UNIT_INDEX" val="8"/>
-  <p:tag name="KSO_WM_UNIT_ID" val="diagram20217394_1*i*8"/>
-  <p:tag name="KSO_WM_TEMPLATE_CATEGORY" val="diagram"/>
-  <p:tag name="KSO_WM_TEMPLATE_INDEX" val="20217394"/>
-  <p:tag name="KSO_WM_UNIT_LAYERLEVEL" val="1"/>
-  <p:tag name="KSO_WM_TAG_VERSION" val="1.0"/>
-  <p:tag name="KSO_WM_BEAUTIFY_FLAG" val="#wm#"/>
-  <p:tag name="KSO_WM_CHIP_GROUPID" val="5fd07e214d383dce34166718"/>
-  <p:tag name="KSO_WM_CHIP_XID" val="5fd07e214d383dce34166719"/>
-  <p:tag name="KSO_WM_UNIT_LINE_FORE_SCHEMECOLOR_INDEX_BRIGHTNESS" val="0.5"/>
-  <p:tag name="KSO_WM_UNIT_LINE_FORE_SCHEMECOLOR_INDEX" val="13"/>
-  <p:tag name="KSO_WM_UNIT_LINE_FILL_TYPE" val="2"/>
-  <p:tag name="KSO_WM_TEMPLATE_ASSEMBLE_XID" val="606570824054ed1e2fb816ac"/>
-  <p:tag name="KSO_WM_TEMPLATE_ASSEMBLE_GROUPID" val="606570824054ed1e2fb816ac"/>
-</p:tagLst>
-</file>
-
-<file path=ppt/tags/tag386.xml><?xml version="1.0" encoding="utf-8"?>
-<p:tagLst xmlns:a="http://schemas.openxmlformats.org/drawingml/2006/main" xmlns:r="http://schemas.openxmlformats.org/officeDocument/2006/relationships" xmlns:p="http://schemas.openxmlformats.org/presentationml/2006/main">
-  <p:tag name="KSO_WM_UNIT_HIGHLIGHT" val="0"/>
-  <p:tag name="KSO_WM_UNIT_COMPATIBLE" val="0"/>
-  <p:tag name="KSO_WM_UNIT_DIAGRAM_ISNUMVISUAL" val="0"/>
-  <p:tag name="KSO_WM_UNIT_DIAGRAM_ISREFERUNIT" val="0"/>
-  <p:tag name="KSO_WM_UNIT_TYPE" val="i"/>
-  <p:tag name="KSO_WM_UNIT_INDEX" val="9"/>
-  <p:tag name="KSO_WM_UNIT_ID" val="diagram20217394_1*i*9"/>
-  <p:tag name="KSO_WM_TEMPLATE_CATEGORY" val="diagram"/>
-  <p:tag name="KSO_WM_TEMPLATE_INDEX" val="20217394"/>
-  <p:tag name="KSO_WM_UNIT_LAYERLEVEL" val="1"/>
-  <p:tag name="KSO_WM_TAG_VERSION" val="1.0"/>
-  <p:tag name="KSO_WM_BEAUTIFY_FLAG" val="#wm#"/>
-  <p:tag name="KSO_WM_CHIP_GROUPID" val="5fd07e214d383dce34166718"/>
-  <p:tag name="KSO_WM_CHIP_XID" val="5fd07e214d383dce34166719"/>
-  <p:tag name="KSO_WM_UNIT_LINE_FORE_SCHEMECOLOR_INDEX_BRIGHTNESS" val="0.5"/>
-  <p:tag name="KSO_WM_UNIT_LINE_FORE_SCHEMECOLOR_INDEX" val="13"/>
-  <p:tag name="KSO_WM_UNIT_LINE_FILL_TYPE" val="2"/>
-  <p:tag name="KSO_WM_TEMPLATE_ASSEMBLE_XID" val="606570824054ed1e2fb816ac"/>
-  <p:tag name="KSO_WM_TEMPLATE_ASSEMBLE_GROUPID" val="606570824054ed1e2fb816ac"/>
-</p:tagLst>
-</file>
-
-<file path=ppt/tags/tag387.xml><?xml version="1.0" encoding="utf-8"?>
-<p:tagLst xmlns:a="http://schemas.openxmlformats.org/drawingml/2006/main" xmlns:r="http://schemas.openxmlformats.org/officeDocument/2006/relationships" xmlns:p="http://schemas.openxmlformats.org/presentationml/2006/main">
-  <p:tag name="KSO_WM_UNIT_HIGHLIGHT" val="0"/>
-  <p:tag name="KSO_WM_UNIT_COMPATIBLE" val="0"/>
-  <p:tag name="KSO_WM_UNIT_DIAGRAM_ISNUMVISUAL" val="0"/>
-  <p:tag name="KSO_WM_UNIT_DIAGRAM_ISREFERUNIT" val="0"/>
-  <p:tag name="KSO_WM_UNIT_TYPE" val="i"/>
-  <p:tag name="KSO_WM_UNIT_INDEX" val="10"/>
-  <p:tag name="KSO_WM_UNIT_ID" val="diagram20217394_1*i*10"/>
-  <p:tag name="KSO_WM_TEMPLATE_CATEGORY" val="diagram"/>
-  <p:tag name="KSO_WM_TEMPLATE_INDEX" val="20217394"/>
-  <p:tag name="KSO_WM_UNIT_LAYERLEVEL" val="1"/>
-  <p:tag name="KSO_WM_TAG_VERSION" val="1.0"/>
-  <p:tag name="KSO_WM_BEAUTIFY_FLAG" val="#wm#"/>
-  <p:tag name="KSO_WM_CHIP_GROUPID" val="5fd07e214d383dce34166718"/>
-  <p:tag name="KSO_WM_CHIP_XID" val="5fd07e214d383dce34166719"/>
-  <p:tag name="KSO_WM_UNIT_LINE_FORE_SCHEMECOLOR_INDEX_BRIGHTNESS" val="0.5"/>
-  <p:tag name="KSO_WM_UNIT_LINE_FORE_SCHEMECOLOR_INDEX" val="13"/>
-  <p:tag name="KSO_WM_UNIT_LINE_FILL_TYPE" val="2"/>
-  <p:tag name="KSO_WM_TEMPLATE_ASSEMBLE_XID" val="606570824054ed1e2fb816ac"/>
-  <p:tag name="KSO_WM_TEMPLATE_ASSEMBLE_GROUPID" val="606570824054ed1e2fb816ac"/>
-</p:tagLst>
-</file>
-
-<file path=ppt/tags/tag388.xml><?xml version="1.0" encoding="utf-8"?>
-<p:tagLst xmlns:a="http://schemas.openxmlformats.org/drawingml/2006/main" xmlns:r="http://schemas.openxmlformats.org/officeDocument/2006/relationships" xmlns:p="http://schemas.openxmlformats.org/presentationml/2006/main">
-  <p:tag name="KSO_WM_UNIT_HIGHLIGHT" val="0"/>
-  <p:tag name="KSO_WM_UNIT_COMPATIBLE" val="0"/>
-  <p:tag name="KSO_WM_UNIT_DIAGRAM_ISNUMVISUAL" val="0"/>
-  <p:tag name="KSO_WM_UNIT_DIAGRAM_ISREFERUNIT" val="0"/>
-  <p:tag name="KSO_WM_UNIT_TYPE" val="i"/>
-  <p:tag name="KSO_WM_UNIT_INDEX" val="11"/>
-  <p:tag name="KSO_WM_UNIT_ID" val="diagram20217394_1*i*11"/>
-  <p:tag name="KSO_WM_TEMPLATE_CATEGORY" val="diagram"/>
-  <p:tag name="KSO_WM_TEMPLATE_INDEX" val="20217394"/>
-  <p:tag name="KSO_WM_UNIT_LAYERLEVEL" val="1"/>
-  <p:tag name="KSO_WM_TAG_VERSION" val="1.0"/>
-  <p:tag name="KSO_WM_BEAUTIFY_FLAG" val="#wm#"/>
-  <p:tag name="KSO_WM_CHIP_GROUPID" val="5fd07e214d383dce34166718"/>
-  <p:tag name="KSO_WM_CHIP_XID" val="5fd07e214d383dce34166719"/>
-  <p:tag name="KSO_WM_UNIT_LINE_FORE_SCHEMECOLOR_INDEX_BRIGHTNESS" val="0.5"/>
-  <p:tag name="KSO_WM_UNIT_LINE_FORE_SCHEMECOLOR_INDEX" val="13"/>
-  <p:tag name="KSO_WM_UNIT_LINE_FILL_TYPE" val="2"/>
-  <p:tag name="KSO_WM_TEMPLATE_ASSEMBLE_XID" val="606570824054ed1e2fb816ac"/>
-  <p:tag name="KSO_WM_TEMPLATE_ASSEMBLE_GROUPID" val="606570824054ed1e2fb816ac"/>
-</p:tagLst>
-</file>
-
-<file path=ppt/tags/tag389.xml><?xml version="1.0" encoding="utf-8"?>
-<p:tagLst xmlns:a="http://schemas.openxmlformats.org/drawingml/2006/main" xmlns:r="http://schemas.openxmlformats.org/officeDocument/2006/relationships" xmlns:p="http://schemas.openxmlformats.org/presentationml/2006/main">
-  <p:tag name="KSO_WM_UNIT_HIGHLIGHT" val="0"/>
-  <p:tag name="KSO_WM_UNIT_COMPATIBLE" val="0"/>
-  <p:tag name="KSO_WM_UNIT_DIAGRAM_ISNUMVISUAL" val="0"/>
-  <p:tag name="KSO_WM_UNIT_DIAGRAM_ISREFERUNIT" val="0"/>
-  <p:tag name="KSO_WM_UNIT_TYPE" val="i"/>
-  <p:tag name="KSO_WM_UNIT_INDEX" val="12"/>
-  <p:tag name="KSO_WM_UNIT_ID" val="diagram20217394_1*i*12"/>
-  <p:tag name="KSO_WM_TEMPLATE_CATEGORY" val="diagram"/>
-  <p:tag name="KSO_WM_TEMPLATE_INDEX" val="20217394"/>
-  <p:tag name="KSO_WM_UNIT_LAYERLEVEL" val="1"/>
-  <p:tag name="KSO_WM_TAG_VERSION" val="1.0"/>
-  <p:tag name="KSO_WM_BEAUTIFY_FLAG" val="#wm#"/>
-  <p:tag name="KSO_WM_CHIP_GROUPID" val="5fd07e214d383dce34166718"/>
-  <p:tag name="KSO_WM_CHIP_XID" val="5fd07e214d383dce34166719"/>
-  <p:tag name="KSO_WM_UNIT_LINE_FORE_SCHEMECOLOR_INDEX_BRIGHTNESS" val="0.5"/>
-  <p:tag name="KSO_WM_UNIT_LINE_FORE_SCHEMECOLOR_INDEX" val="13"/>
-  <p:tag name="KSO_WM_UNIT_LINE_FILL_TYPE" val="2"/>
-  <p:tag name="KSO_WM_TEMPLATE_ASSEMBLE_XID" val="606570824054ed1e2fb816ac"/>
-  <p:tag name="KSO_WM_TEMPLATE_ASSEMBLE_GROUPID" val="606570824054ed1e2fb816ac"/>
-</p:tagLst>
-</file>
-
-<file path=ppt/tags/tag39.xml><?xml version="1.0" encoding="utf-8"?>
-<p:tagLst xmlns:a="http://schemas.openxmlformats.org/drawingml/2006/main" xmlns:r="http://schemas.openxmlformats.org/officeDocument/2006/relationships" xmlns:p="http://schemas.openxmlformats.org/presentationml/2006/main">
-  <p:tag name="KSO_WM_UNIT_HIGHLIGHT" val="0"/>
-  <p:tag name="KSO_WM_UNIT_COMPATIBLE" val="0"/>
-  <p:tag name="KSO_WM_UNIT_DIAGRAM_ISNUMVISUAL" val="0"/>
-  <p:tag name="KSO_WM_UNIT_DIAGRAM_ISREFERUNIT" val="0"/>
-  <p:tag name="KSO_WM_UNIT_ID" val="_6**"/>
-  <p:tag name="KSO_WM_UNIT_LAYERLEVEL" val="1"/>
-  <p:tag name="KSO_WM_TAG_VERSION" val="1.0"/>
-  <p:tag name="KSO_WM_BEAUTIFY_FLAG" val="#wm#"/>
-</p:tagLst>
-</file>
-
-<file path=ppt/tags/tag390.xml><?xml version="1.0" encoding="utf-8"?>
-<p:tagLst xmlns:a="http://schemas.openxmlformats.org/drawingml/2006/main" xmlns:r="http://schemas.openxmlformats.org/officeDocument/2006/relationships" xmlns:p="http://schemas.openxmlformats.org/presentationml/2006/main">
-  <p:tag name="KSO_WM_UNIT_HIGHLIGHT" val="0"/>
-  <p:tag name="KSO_WM_UNIT_COMPATIBLE" val="0"/>
-  <p:tag name="KSO_WM_UNIT_DIAGRAM_ISNUMVISUAL" val="0"/>
-  <p:tag name="KSO_WM_UNIT_DIAGRAM_ISREFERUNIT" val="0"/>
-  <p:tag name="KSO_WM_UNIT_TYPE" val="i"/>
-  <p:tag name="KSO_WM_UNIT_INDEX" val="13"/>
-  <p:tag name="KSO_WM_UNIT_ID" val="diagram20217394_1*i*13"/>
-  <p:tag name="KSO_WM_TEMPLATE_CATEGORY" val="diagram"/>
-  <p:tag name="KSO_WM_TEMPLATE_INDEX" val="20217394"/>
-  <p:tag name="KSO_WM_UNIT_LAYERLEVEL" val="1"/>
-  <p:tag name="KSO_WM_TAG_VERSION" val="1.0"/>
-  <p:tag name="KSO_WM_BEAUTIFY_FLAG" val="#wm#"/>
-  <p:tag name="KSO_WM_CHIP_GROUPID" val="5fd07e214d383dce34166718"/>
-  <p:tag name="KSO_WM_CHIP_XID" val="5fd07e214d383dce34166719"/>
-  <p:tag name="KSO_WM_UNIT_LINE_FORE_SCHEMECOLOR_INDEX_BRIGHTNESS" val="0.5"/>
-  <p:tag name="KSO_WM_UNIT_LINE_FORE_SCHEMECOLOR_INDEX" val="13"/>
-  <p:tag name="KSO_WM_UNIT_LINE_FILL_TYPE" val="2"/>
-  <p:tag name="KSO_WM_TEMPLATE_ASSEMBLE_XID" val="606570824054ed1e2fb816ac"/>
-  <p:tag name="KSO_WM_TEMPLATE_ASSEMBLE_GROUPID" val="606570824054ed1e2fb816ac"/>
-</p:tagLst>
-</file>
-
-<file path=ppt/tags/tag391.xml><?xml version="1.0" encoding="utf-8"?>
-<p:tagLst xmlns:a="http://schemas.openxmlformats.org/drawingml/2006/main" xmlns:r="http://schemas.openxmlformats.org/officeDocument/2006/relationships" xmlns:p="http://schemas.openxmlformats.org/presentationml/2006/main">
-  <p:tag name="KSO_WM_UNIT_HIGHLIGHT" val="0"/>
-  <p:tag name="KSO_WM_UNIT_COMPATIBLE" val="0"/>
-  <p:tag name="KSO_WM_UNIT_DIAGRAM_ISNUMVISUAL" val="0"/>
-  <p:tag name="KSO_WM_UNIT_DIAGRAM_ISREFERUNIT" val="0"/>
-  <p:tag name="KSO_WM_UNIT_TYPE" val="i"/>
-  <p:tag name="KSO_WM_UNIT_INDEX" val="14"/>
-  <p:tag name="KSO_WM_UNIT_ID" val="diagram20217394_1*i*14"/>
-  <p:tag name="KSO_WM_TEMPLATE_CATEGORY" val="diagram"/>
-  <p:tag name="KSO_WM_TEMPLATE_INDEX" val="20217394"/>
-  <p:tag name="KSO_WM_UNIT_LAYERLEVEL" val="1"/>
-  <p:tag name="KSO_WM_TAG_VERSION" val="1.0"/>
-  <p:tag name="KSO_WM_BEAUTIFY_FLAG" val="#wm#"/>
-  <p:tag name="KSO_WM_CHIP_GROUPID" val="5fd07e214d383dce34166718"/>
-  <p:tag name="KSO_WM_CHIP_XID" val="5fd07e214d383dce34166719"/>
-  <p:tag name="KSO_WM_UNIT_LINE_FORE_SCHEMECOLOR_INDEX_BRIGHTNESS" val="0.5"/>
-  <p:tag name="KSO_WM_UNIT_LINE_FORE_SCHEMECOLOR_INDEX" val="13"/>
-  <p:tag name="KSO_WM_UNIT_LINE_FILL_TYPE" val="2"/>
-  <p:tag name="KSO_WM_TEMPLATE_ASSEMBLE_XID" val="606570824054ed1e2fb816ac"/>
-  <p:tag name="KSO_WM_TEMPLATE_ASSEMBLE_GROUPID" val="606570824054ed1e2fb816ac"/>
-</p:tagLst>
-</file>
-
-<file path=ppt/tags/tag392.xml><?xml version="1.0" encoding="utf-8"?>
-<p:tagLst xmlns:a="http://schemas.openxmlformats.org/drawingml/2006/main" xmlns:r="http://schemas.openxmlformats.org/officeDocument/2006/relationships" xmlns:p="http://schemas.openxmlformats.org/presentationml/2006/main">
-  <p:tag name="KSO_WM_UNIT_HIGHLIGHT" val="0"/>
-  <p:tag name="KSO_WM_UNIT_COMPATIBLE" val="0"/>
-  <p:tag name="KSO_WM_UNIT_DIAGRAM_ISNUMVISUAL" val="0"/>
-  <p:tag name="KSO_WM_UNIT_DIAGRAM_ISREFERUNIT" val="0"/>
-  <p:tag name="KSO_WM_UNIT_TYPE" val="i"/>
-  <p:tag name="KSO_WM_UNIT_INDEX" val="15"/>
-  <p:tag name="KSO_WM_UNIT_ID" val="diagram20217394_1*i*15"/>
-  <p:tag name="KSO_WM_TEMPLATE_CATEGORY" val="diagram"/>
-  <p:tag name="KSO_WM_TEMPLATE_INDEX" val="20217394"/>
-  <p:tag name="KSO_WM_UNIT_LAYERLEVEL" val="1"/>
-  <p:tag name="KSO_WM_TAG_VERSION" val="1.0"/>
-  <p:tag name="KSO_WM_BEAUTIFY_FLAG" val="#wm#"/>
-  <p:tag name="KSO_WM_CHIP_GROUPID" val="5fd07e214d383dce34166718"/>
-  <p:tag name="KSO_WM_CHIP_XID" val="5fd07e214d383dce34166719"/>
-  <p:tag name="KSO_WM_UNIT_LINE_FORE_SCHEMECOLOR_INDEX_BRIGHTNESS" val="0.5"/>
-  <p:tag name="KSO_WM_UNIT_LINE_FORE_SCHEMECOLOR_INDEX" val="13"/>
-  <p:tag name="KSO_WM_UNIT_LINE_FILL_TYPE" val="2"/>
-  <p:tag name="KSO_WM_TEMPLATE_ASSEMBLE_XID" val="606570824054ed1e2fb816ac"/>
-  <p:tag name="KSO_WM_TEMPLATE_ASSEMBLE_GROUPID" val="606570824054ed1e2fb816ac"/>
-</p:tagLst>
-</file>
-
-<file path=ppt/tags/tag393.xml><?xml version="1.0" encoding="utf-8"?>
+<file path=ppt/tags/tag383.xml><?xml version="1.0" encoding="utf-8"?>
 <p:tagLst xmlns:a="http://schemas.openxmlformats.org/drawingml/2006/main" xmlns:r="http://schemas.openxmlformats.org/officeDocument/2006/relationships" xmlns:p="http://schemas.openxmlformats.org/presentationml/2006/main">
   <p:tag name="KSO_WM_UNIT_HIGHLIGHT" val="0"/>
   <p:tag name="KSO_WM_UNIT_COMPATIBLE" val="0"/>
@@ -41602,7 +40955,7 @@
 </p:tagLst>
 </file>
 
-<file path=ppt/tags/tag394.xml><?xml version="1.0" encoding="utf-8"?>
+<file path=ppt/tags/tag384.xml><?xml version="1.0" encoding="utf-8"?>
 <p:tagLst xmlns:a="http://schemas.openxmlformats.org/drawingml/2006/main" xmlns:r="http://schemas.openxmlformats.org/officeDocument/2006/relationships" xmlns:p="http://schemas.openxmlformats.org/presentationml/2006/main">
   <p:tag name="KSO_WM_UNIT_HIGHLIGHT" val="0"/>
   <p:tag name="KSO_WM_UNIT_COMPATIBLE" val="0"/>
@@ -41627,7 +40980,7 @@
 </p:tagLst>
 </file>
 
-<file path=ppt/tags/tag395.xml><?xml version="1.0" encoding="utf-8"?>
+<file path=ppt/tags/tag385.xml><?xml version="1.0" encoding="utf-8"?>
 <p:tagLst xmlns:a="http://schemas.openxmlformats.org/drawingml/2006/main" xmlns:r="http://schemas.openxmlformats.org/officeDocument/2006/relationships" xmlns:p="http://schemas.openxmlformats.org/presentationml/2006/main">
   <p:tag name="KSO_WM_UNIT_HIGHLIGHT" val="0"/>
   <p:tag name="KSO_WM_UNIT_COMPATIBLE" val="0"/>
@@ -41652,7 +41005,7 @@
 </p:tagLst>
 </file>
 
-<file path=ppt/tags/tag396.xml><?xml version="1.0" encoding="utf-8"?>
+<file path=ppt/tags/tag386.xml><?xml version="1.0" encoding="utf-8"?>
 <p:tagLst xmlns:a="http://schemas.openxmlformats.org/drawingml/2006/main" xmlns:r="http://schemas.openxmlformats.org/officeDocument/2006/relationships" xmlns:p="http://schemas.openxmlformats.org/presentationml/2006/main">
   <p:tag name="KSO_WM_UNIT_HIGHLIGHT" val="0"/>
   <p:tag name="KSO_WM_UNIT_COMPATIBLE" val="0"/>
@@ -41680,7 +41033,7 @@
 </p:tagLst>
 </file>
 
-<file path=ppt/tags/tag397.xml><?xml version="1.0" encoding="utf-8"?>
+<file path=ppt/tags/tag387.xml><?xml version="1.0" encoding="utf-8"?>
 <p:tagLst xmlns:a="http://schemas.openxmlformats.org/drawingml/2006/main" xmlns:r="http://schemas.openxmlformats.org/officeDocument/2006/relationships" xmlns:p="http://schemas.openxmlformats.org/presentationml/2006/main">
   <p:tag name="KSO_WM_BEAUTIFY_FLAG" val="#wm#"/>
   <p:tag name="KSO_WM_TEMPLATE_CATEGORY" val="diagram"/>
@@ -41715,7 +41068,7 @@
 </p:tagLst>
 </file>
 
-<file path=ppt/tags/tag398.xml><?xml version="1.0" encoding="utf-8"?>
+<file path=ppt/tags/tag388.xml><?xml version="1.0" encoding="utf-8"?>
 <p:tagLst xmlns:a="http://schemas.openxmlformats.org/drawingml/2006/main" xmlns:r="http://schemas.openxmlformats.org/officeDocument/2006/relationships" xmlns:p="http://schemas.openxmlformats.org/presentationml/2006/main">
   <p:tag name="KSO_WM_UNIT_HIGHLIGHT" val="0"/>
   <p:tag name="KSO_WM_UNIT_COMPATIBLE" val="0"/>
@@ -41740,7 +41093,7 @@
 </p:tagLst>
 </file>
 
-<file path=ppt/tags/tag399.xml><?xml version="1.0" encoding="utf-8"?>
+<file path=ppt/tags/tag389.xml><?xml version="1.0" encoding="utf-8"?>
 <p:tagLst xmlns:a="http://schemas.openxmlformats.org/drawingml/2006/main" xmlns:r="http://schemas.openxmlformats.org/officeDocument/2006/relationships" xmlns:p="http://schemas.openxmlformats.org/presentationml/2006/main">
   <p:tag name="KSO_WM_UNIT_ISCONTENTSTITLE" val="0"/>
   <p:tag name="KSO_WM_UNIT_ISNUMDGMTITLE" val="0"/>
@@ -41777,33 +41130,20 @@
 </p:tagLst>
 </file>
 
-<file path=ppt/tags/tag4.xml><?xml version="1.0" encoding="utf-8"?>
+<file path=ppt/tags/tag39.xml><?xml version="1.0" encoding="utf-8"?>
 <p:tagLst xmlns:a="http://schemas.openxmlformats.org/drawingml/2006/main" xmlns:r="http://schemas.openxmlformats.org/officeDocument/2006/relationships" xmlns:p="http://schemas.openxmlformats.org/presentationml/2006/main">
   <p:tag name="KSO_WM_UNIT_HIGHLIGHT" val="0"/>
   <p:tag name="KSO_WM_UNIT_COMPATIBLE" val="0"/>
   <p:tag name="KSO_WM_UNIT_DIAGRAM_ISNUMVISUAL" val="0"/>
   <p:tag name="KSO_WM_UNIT_DIAGRAM_ISREFERUNIT" val="0"/>
-  <p:tag name="KSO_WM_UNIT_ID" val="_0**"/>
+  <p:tag name="KSO_WM_UNIT_ID" val="_6**"/>
   <p:tag name="KSO_WM_UNIT_LAYERLEVEL" val="1"/>
   <p:tag name="KSO_WM_TAG_VERSION" val="1.0"/>
   <p:tag name="KSO_WM_BEAUTIFY_FLAG" val="#wm#"/>
 </p:tagLst>
 </file>
 
-<file path=ppt/tags/tag40.xml><?xml version="1.0" encoding="utf-8"?>
-<p:tagLst xmlns:a="http://schemas.openxmlformats.org/drawingml/2006/main" xmlns:r="http://schemas.openxmlformats.org/officeDocument/2006/relationships" xmlns:p="http://schemas.openxmlformats.org/presentationml/2006/main">
-  <p:tag name="KSO_WM_UNIT_HIGHLIGHT" val="0"/>
-  <p:tag name="KSO_WM_UNIT_COMPATIBLE" val="0"/>
-  <p:tag name="KSO_WM_UNIT_DIAGRAM_ISNUMVISUAL" val="0"/>
-  <p:tag name="KSO_WM_UNIT_DIAGRAM_ISREFERUNIT" val="0"/>
-  <p:tag name="KSO_WM_UNIT_ID" val="_7**"/>
-  <p:tag name="KSO_WM_UNIT_LAYERLEVEL" val="1"/>
-  <p:tag name="KSO_WM_TAG_VERSION" val="1.0"/>
-  <p:tag name="KSO_WM_BEAUTIFY_FLAG" val="#wm#"/>
-</p:tagLst>
-</file>
-
-<file path=ppt/tags/tag400.xml><?xml version="1.0" encoding="utf-8"?>
+<file path=ppt/tags/tag390.xml><?xml version="1.0" encoding="utf-8"?>
 <p:tagLst xmlns:a="http://schemas.openxmlformats.org/drawingml/2006/main" xmlns:r="http://schemas.openxmlformats.org/officeDocument/2006/relationships" xmlns:p="http://schemas.openxmlformats.org/presentationml/2006/main">
   <p:tag name="KSO_WM_UNIT_HIGHLIGHT" val="0"/>
   <p:tag name="KSO_WM_UNIT_COMPATIBLE" val="0"/>
@@ -41830,6 +41170,373 @@
   <p:tag name="KSO_WM_UNIT_TEXT_FILL_FORE_SCHEMECOLOR_INDEX" val="2"/>
   <p:tag name="KSO_WM_UNIT_TEXT_FILL_TYPE" val="1"/>
   <p:tag name="KSO_WM_UNIT_VALUE" val="816"/>
+  <p:tag name="KSO_WM_TEMPLATE_ASSEMBLE_XID" val="60656f644054ed1e2fb80930"/>
+  <p:tag name="KSO_WM_TEMPLATE_ASSEMBLE_GROUPID" val="60656f644054ed1e2fb80930"/>
+</p:tagLst>
+</file>
+
+<file path=ppt/tags/tag391.xml><?xml version="1.0" encoding="utf-8"?>
+<p:tagLst xmlns:a="http://schemas.openxmlformats.org/drawingml/2006/main" xmlns:r="http://schemas.openxmlformats.org/officeDocument/2006/relationships" xmlns:p="http://schemas.openxmlformats.org/presentationml/2006/main">
+  <p:tag name="KSO_WM_UNIT_TEXT_SUBTYPE" val="a"/>
+  <p:tag name="KSO_WM_UNIT_SUBTYPE" val="a"/>
+  <p:tag name="KSO_WM_UNIT_PRESET_TEXT" val="单击此处添加正文，文字是您思想的提炼，为了演示发布的良好效果，请言简意赅的阐述您的观点。您的内容已经简明扼要，字字珠玑，但信息却千丝万缕、错综复杂，需要用更多的文字来表述；但请您尽可能提炼思想的精髓，否则容易造成观者的阅读压力，适得其反。正如我们都希望改变世界，希望给别人带去光明，但更多时候我们只需要播下一颗种子，自然有微风吹拂，雨露滋养。恰如其分的表达观点，往往事半功倍。当您的内容到达这个限度时，或许已经不纯粹作用于演示，极大可能运用于阅读领域；无论是传播观点、知识分享还是汇报工作，内容的详尽固然重要，但请一定注意信息框架的清晰，这样才能使内容层次分明，页面简洁易读。如果您的内容确实非常重要又难以精简，也请使用分段处理，对内容进行简单的梳理和提炼，这样会使逻辑框架相对清晰。为了能让您有更直观的字数感受，并进一步方便使用，我们设置了文本的最大限度，当您输入的文字到这里时，已濒临页面容纳内容的上限，若还有更多内容。"/>
+  <p:tag name="KSO_WM_UNIT_NOCLEAR" val="0"/>
+  <p:tag name="KSO_WM_UNIT_HIGHLIGHT" val="0"/>
+  <p:tag name="KSO_WM_UNIT_COMPATIBLE" val="0"/>
+  <p:tag name="KSO_WM_UNIT_DIAGRAM_ISNUMVISUAL" val="0"/>
+  <p:tag name="KSO_WM_UNIT_DIAGRAM_ISREFERUNIT" val="0"/>
+  <p:tag name="KSO_WM_UNIT_TYPE" val="f"/>
+  <p:tag name="KSO_WM_UNIT_INDEX" val="1"/>
+  <p:tag name="KSO_WM_UNIT_ID" val="diagram20212713_1*f*1"/>
+  <p:tag name="KSO_WM_TEMPLATE_CATEGORY" val="diagram"/>
+  <p:tag name="KSO_WM_TEMPLATE_INDEX" val="20212713"/>
+  <p:tag name="KSO_WM_UNIT_LAYERLEVEL" val="1"/>
+  <p:tag name="KSO_WM_TAG_VERSION" val="1.0"/>
+  <p:tag name="KSO_WM_BEAUTIFY_FLAG" val="#wm#"/>
+  <p:tag name="KSO_WM_UNIT_DEFAULT_FONT" val="14;20;2"/>
+  <p:tag name="KSO_WM_UNIT_BLOCK" val="0"/>
+  <p:tag name="KSO_WM_UNIT_VALUE" val="440"/>
+  <p:tag name="KSO_WM_UNIT_SHOW_EDIT_AREA_INDICATION" val="1"/>
+  <p:tag name="KSO_WM_CHIP_GROUPID" val="5e6b05596848fb12bee65ac8"/>
+  <p:tag name="KSO_WM_CHIP_XID" val="5e6b05596848fb12bee65aca"/>
+  <p:tag name="KSO_WM_UNIT_DEC_AREA_ID" val="84a6c56b6ff04b3385062ce2c276b31c"/>
+  <p:tag name="KSO_WM_UNIT_DECORATE_INFO" val="{&quot;ReferentInfo&quot;:{&quot;Id&quot;:&quot;slide&quot;,&quot;X&quot;:{&quot;Pos&quot;:0},&quot;Y&quot;:{&quot;Pos&quot;:0}},&quot;DecorateInfoX&quot;:{&quot;Pos&quot;:0,&quot;IsAbs&quot;:false},&quot;DecorateInfoY&quot;:{&quot;Pos&quot;:0,&quot;IsAbs&quot;:false},&quot;DecorateInfoW&quot;:{&quot;IsAbs&quot;:false},&quot;DecorateInfoH&quot;:{&quot;IsAbs&quot;:false},&quot;whChangeMode&quot;:0}"/>
+  <p:tag name="KSO_WM_UNIT_SM_LIMIT_TYPE" val="2"/>
+  <p:tag name="KSO_WM_CHIP_FILLAREA_FILL_RULE" val="{&quot;fill_align&quot;:&quot;cm&quot;,&quot;fill_mode&quot;:&quot;full&quot;,&quot;sacle_strategy&quot;:&quot;smart&quot;}"/>
+  <p:tag name="KSO_WM_ASSEMBLE_CHIP_INDEX" val="a95d889fcf624743b8b9a892c7ba4fc1"/>
+  <p:tag name="KSO_WM_UNIT_SUPPORT_UNIT_TYPE" val="[&quot;l&quot;,&quot;m&quot;,&quot;n&quot;,&quot;o&quot;,&quot;p&quot;,&quot;q&quot;,&quot;r&quot;,&quot;δ&quot;,&quot;ε&quot;,&quot;ζ&quot;,&quot;η&quot;,&quot;d&quot;,&quot;α&quot;,&quot;β&quot;,&quot;θ&quot;]"/>
+  <p:tag name="KSO_WM_UNIT_TEXT_FILL_FORE_SCHEMECOLOR_INDEX_BRIGHTNESS" val="0.25"/>
+  <p:tag name="KSO_WM_UNIT_TEXT_FILL_FORE_SCHEMECOLOR_INDEX" val="13"/>
+  <p:tag name="KSO_WM_UNIT_TEXT_FILL_TYPE" val="1"/>
+  <p:tag name="KSO_WM_TEMPLATE_ASSEMBLE_XID" val="60656f644054ed1e2fb80930"/>
+  <p:tag name="KSO_WM_TEMPLATE_ASSEMBLE_GROUPID" val="60656f644054ed1e2fb80930"/>
+</p:tagLst>
+</file>
+
+<file path=ppt/tags/tag392.xml><?xml version="1.0" encoding="utf-8"?>
+<p:tagLst xmlns:a="http://schemas.openxmlformats.org/drawingml/2006/main" xmlns:r="http://schemas.openxmlformats.org/officeDocument/2006/relationships" xmlns:p="http://schemas.openxmlformats.org/presentationml/2006/main">
+  <p:tag name="KSO_WM_UNIT_HIGHLIGHT" val="0"/>
+  <p:tag name="KSO_WM_UNIT_COMPATIBLE" val="0"/>
+  <p:tag name="KSO_WM_UNIT_DIAGRAM_ISNUMVISUAL" val="0"/>
+  <p:tag name="KSO_WM_UNIT_DIAGRAM_ISREFERUNIT" val="0"/>
+  <p:tag name="KSO_WM_UNIT_TYPE" val="i"/>
+  <p:tag name="KSO_WM_UNIT_INDEX" val="1"/>
+  <p:tag name="KSO_WM_UNIT_ID" val="diagram20212713_1*i*1"/>
+  <p:tag name="KSO_WM_TEMPLATE_CATEGORY" val="diagram"/>
+  <p:tag name="KSO_WM_TEMPLATE_INDEX" val="20212713"/>
+  <p:tag name="KSO_WM_UNIT_LAYERLEVEL" val="1"/>
+  <p:tag name="KSO_WM_TAG_VERSION" val="1.0"/>
+  <p:tag name="KSO_WM_BEAUTIFY_FLAG" val="#wm#"/>
+  <p:tag name="KSO_WM_UNIT_BLOCK" val="0"/>
+  <p:tag name="KSO_WM_UNIT_SM_LIMIT_TYPE" val="2"/>
+  <p:tag name="KSO_WM_UNIT_DEC_AREA_ID" val="6c938ff465544c81b53780745e718009"/>
+  <p:tag name="KSO_WM_UNIT_DECORATE_INFO" val="{&quot;DecorateInfoH&quot;:{&quot;IsAbs&quot;:false},&quot;DecorateInfoW&quot;:{&quot;IsAbs&quot;:false},&quot;DecorateInfoX&quot;:{&quot;IsAbs&quot;:false,&quot;Pos&quot;:1},&quot;DecorateInfoY&quot;:{&quot;IsAbs&quot;:false,&quot;Pos&quot;:1},&quot;ReferentInfo&quot;:{&quot;Id&quot;:&quot;84a6c56b6ff04b3385062ce2c276b31c&quot;,&quot;X&quot;:{&quot;Pos&quot;:1},&quot;Y&quot;:{&quot;Pos&quot;:1}},&quot;whChangeMode&quot;:1}"/>
+  <p:tag name="KSO_WM_CHIP_GROUPID" val="5f708c7a747e3ea6e292a7fb"/>
+  <p:tag name="KSO_WM_CHIP_XID" val="5f708c7a747e3ea6e292a7fc"/>
+  <p:tag name="KSO_WM_UNIT_FILL_FORE_SCHEMECOLOR_INDEX_BRIGHTNESS" val="0"/>
+  <p:tag name="KSO_WM_UNIT_FILL_FORE_SCHEMECOLOR_INDEX" val="14"/>
+  <p:tag name="KSO_WM_UNIT_FILL_TYPE" val="1"/>
+  <p:tag name="KSO_WM_UNIT_TEXT_FILL_FORE_SCHEMECOLOR_INDEX_BRIGHTNESS" val="0"/>
+  <p:tag name="KSO_WM_UNIT_TEXT_FILL_FORE_SCHEMECOLOR_INDEX" val="2"/>
+  <p:tag name="KSO_WM_UNIT_TEXT_FILL_TYPE" val="1"/>
+  <p:tag name="KSO_WM_UNIT_VALUE" val="816"/>
+  <p:tag name="KSO_WM_TEMPLATE_ASSEMBLE_XID" val="60656f644054ed1e2fb80930"/>
+  <p:tag name="KSO_WM_TEMPLATE_ASSEMBLE_GROUPID" val="60656f644054ed1e2fb80930"/>
+</p:tagLst>
+</file>
+
+<file path=ppt/tags/tag393.xml><?xml version="1.0" encoding="utf-8"?>
+<p:tagLst xmlns:a="http://schemas.openxmlformats.org/drawingml/2006/main" xmlns:r="http://schemas.openxmlformats.org/officeDocument/2006/relationships" xmlns:p="http://schemas.openxmlformats.org/presentationml/2006/main">
+  <p:tag name="KSO_WM_UNIT_TEXT_SUBTYPE" val="a"/>
+  <p:tag name="KSO_WM_UNIT_SUBTYPE" val="a"/>
+  <p:tag name="KSO_WM_UNIT_PRESET_TEXT" val="单击此处添加正文，文字是您思想的提炼，为了演示发布的良好效果，请言简意赅的阐述您的观点。您的内容已经简明扼要，字字珠玑，但信息却千丝万缕、错综复杂，需要用更多的文字来表述；但请您尽可能提炼思想的精髓，否则容易造成观者的阅读压力，适得其反。正如我们都希望改变世界，希望给别人带去光明，但更多时候我们只需要播下一颗种子，自然有微风吹拂，雨露滋养。恰如其分的表达观点，往往事半功倍。当您的内容到达这个限度时，或许已经不纯粹作用于演示，极大可能运用于阅读领域；无论是传播观点、知识分享还是汇报工作，内容的详尽固然重要，但请一定注意信息框架的清晰，这样才能使内容层次分明，页面简洁易读。如果您的内容确实非常重要又难以精简，也请使用分段处理，对内容进行简单的梳理和提炼，这样会使逻辑框架相对清晰。为了能让您有更直观的字数感受，并进一步方便使用，我们设置了文本的最大限度，当您输入的文字到这里时，已濒临页面容纳内容的上限，若还有更多内容。"/>
+  <p:tag name="KSO_WM_UNIT_NOCLEAR" val="0"/>
+  <p:tag name="KSO_WM_UNIT_HIGHLIGHT" val="0"/>
+  <p:tag name="KSO_WM_UNIT_COMPATIBLE" val="0"/>
+  <p:tag name="KSO_WM_UNIT_DIAGRAM_ISNUMVISUAL" val="0"/>
+  <p:tag name="KSO_WM_UNIT_DIAGRAM_ISREFERUNIT" val="0"/>
+  <p:tag name="KSO_WM_UNIT_TYPE" val="f"/>
+  <p:tag name="KSO_WM_UNIT_INDEX" val="1"/>
+  <p:tag name="KSO_WM_UNIT_ID" val="diagram20212713_1*f*1"/>
+  <p:tag name="KSO_WM_TEMPLATE_CATEGORY" val="diagram"/>
+  <p:tag name="KSO_WM_TEMPLATE_INDEX" val="20212713"/>
+  <p:tag name="KSO_WM_UNIT_LAYERLEVEL" val="1"/>
+  <p:tag name="KSO_WM_TAG_VERSION" val="1.0"/>
+  <p:tag name="KSO_WM_BEAUTIFY_FLAG" val="#wm#"/>
+  <p:tag name="KSO_WM_UNIT_DEFAULT_FONT" val="14;20;2"/>
+  <p:tag name="KSO_WM_UNIT_BLOCK" val="0"/>
+  <p:tag name="KSO_WM_UNIT_VALUE" val="440"/>
+  <p:tag name="KSO_WM_UNIT_SHOW_EDIT_AREA_INDICATION" val="1"/>
+  <p:tag name="KSO_WM_CHIP_GROUPID" val="5e6b05596848fb12bee65ac8"/>
+  <p:tag name="KSO_WM_CHIP_XID" val="5e6b05596848fb12bee65aca"/>
+  <p:tag name="KSO_WM_UNIT_DEC_AREA_ID" val="84a6c56b6ff04b3385062ce2c276b31c"/>
+  <p:tag name="KSO_WM_UNIT_DECORATE_INFO" val="{&quot;ReferentInfo&quot;:{&quot;Id&quot;:&quot;slide&quot;,&quot;X&quot;:{&quot;Pos&quot;:0},&quot;Y&quot;:{&quot;Pos&quot;:0}},&quot;DecorateInfoX&quot;:{&quot;Pos&quot;:0,&quot;IsAbs&quot;:false},&quot;DecorateInfoY&quot;:{&quot;Pos&quot;:0,&quot;IsAbs&quot;:false},&quot;DecorateInfoW&quot;:{&quot;IsAbs&quot;:false},&quot;DecorateInfoH&quot;:{&quot;IsAbs&quot;:false},&quot;whChangeMode&quot;:0}"/>
+  <p:tag name="KSO_WM_UNIT_SM_LIMIT_TYPE" val="2"/>
+  <p:tag name="KSO_WM_CHIP_FILLAREA_FILL_RULE" val="{&quot;fill_align&quot;:&quot;cm&quot;,&quot;fill_mode&quot;:&quot;full&quot;,&quot;sacle_strategy&quot;:&quot;smart&quot;}"/>
+  <p:tag name="KSO_WM_ASSEMBLE_CHIP_INDEX" val="a95d889fcf624743b8b9a892c7ba4fc1"/>
+  <p:tag name="KSO_WM_UNIT_SUPPORT_UNIT_TYPE" val="[&quot;l&quot;,&quot;m&quot;,&quot;n&quot;,&quot;o&quot;,&quot;p&quot;,&quot;q&quot;,&quot;r&quot;,&quot;δ&quot;,&quot;ε&quot;,&quot;ζ&quot;,&quot;η&quot;,&quot;d&quot;,&quot;α&quot;,&quot;β&quot;,&quot;θ&quot;]"/>
+  <p:tag name="KSO_WM_UNIT_TEXT_FILL_FORE_SCHEMECOLOR_INDEX_BRIGHTNESS" val="0.25"/>
+  <p:tag name="KSO_WM_UNIT_TEXT_FILL_FORE_SCHEMECOLOR_INDEX" val="13"/>
+  <p:tag name="KSO_WM_UNIT_TEXT_FILL_TYPE" val="1"/>
+  <p:tag name="KSO_WM_TEMPLATE_ASSEMBLE_XID" val="60656f644054ed1e2fb80930"/>
+  <p:tag name="KSO_WM_TEMPLATE_ASSEMBLE_GROUPID" val="60656f644054ed1e2fb80930"/>
+</p:tagLst>
+</file>
+
+<file path=ppt/tags/tag394.xml><?xml version="1.0" encoding="utf-8"?>
+<p:tagLst xmlns:a="http://schemas.openxmlformats.org/drawingml/2006/main" xmlns:r="http://schemas.openxmlformats.org/officeDocument/2006/relationships" xmlns:p="http://schemas.openxmlformats.org/presentationml/2006/main">
+  <p:tag name="KSO_WM_UNIT_HIGHLIGHT" val="0"/>
+  <p:tag name="KSO_WM_UNIT_COMPATIBLE" val="0"/>
+  <p:tag name="KSO_WM_UNIT_DIAGRAM_ISNUMVISUAL" val="0"/>
+  <p:tag name="KSO_WM_UNIT_DIAGRAM_ISREFERUNIT" val="0"/>
+  <p:tag name="KSO_WM_UNIT_TYPE" val="i"/>
+  <p:tag name="KSO_WM_UNIT_INDEX" val="1"/>
+  <p:tag name="KSO_WM_UNIT_ID" val="diagram20212713_1*i*1"/>
+  <p:tag name="KSO_WM_TEMPLATE_CATEGORY" val="diagram"/>
+  <p:tag name="KSO_WM_TEMPLATE_INDEX" val="20212713"/>
+  <p:tag name="KSO_WM_UNIT_LAYERLEVEL" val="1"/>
+  <p:tag name="KSO_WM_TAG_VERSION" val="1.0"/>
+  <p:tag name="KSO_WM_BEAUTIFY_FLAG" val="#wm#"/>
+  <p:tag name="KSO_WM_UNIT_BLOCK" val="0"/>
+  <p:tag name="KSO_WM_UNIT_SM_LIMIT_TYPE" val="2"/>
+  <p:tag name="KSO_WM_UNIT_DEC_AREA_ID" val="6c938ff465544c81b53780745e718009"/>
+  <p:tag name="KSO_WM_UNIT_DECORATE_INFO" val="{&quot;DecorateInfoH&quot;:{&quot;IsAbs&quot;:false},&quot;DecorateInfoW&quot;:{&quot;IsAbs&quot;:false},&quot;DecorateInfoX&quot;:{&quot;IsAbs&quot;:false,&quot;Pos&quot;:1},&quot;DecorateInfoY&quot;:{&quot;IsAbs&quot;:false,&quot;Pos&quot;:1},&quot;ReferentInfo&quot;:{&quot;Id&quot;:&quot;84a6c56b6ff04b3385062ce2c276b31c&quot;,&quot;X&quot;:{&quot;Pos&quot;:1},&quot;Y&quot;:{&quot;Pos&quot;:1}},&quot;whChangeMode&quot;:1}"/>
+  <p:tag name="KSO_WM_CHIP_GROUPID" val="5f708c7a747e3ea6e292a7fb"/>
+  <p:tag name="KSO_WM_CHIP_XID" val="5f708c7a747e3ea6e292a7fc"/>
+  <p:tag name="KSO_WM_UNIT_FILL_FORE_SCHEMECOLOR_INDEX_BRIGHTNESS" val="0"/>
+  <p:tag name="KSO_WM_UNIT_FILL_FORE_SCHEMECOLOR_INDEX" val="14"/>
+  <p:tag name="KSO_WM_UNIT_FILL_TYPE" val="1"/>
+  <p:tag name="KSO_WM_UNIT_TEXT_FILL_FORE_SCHEMECOLOR_INDEX_BRIGHTNESS" val="0"/>
+  <p:tag name="KSO_WM_UNIT_TEXT_FILL_FORE_SCHEMECOLOR_INDEX" val="2"/>
+  <p:tag name="KSO_WM_UNIT_TEXT_FILL_TYPE" val="1"/>
+  <p:tag name="KSO_WM_UNIT_VALUE" val="816"/>
+  <p:tag name="KSO_WM_TEMPLATE_ASSEMBLE_XID" val="60656f644054ed1e2fb80930"/>
+  <p:tag name="KSO_WM_TEMPLATE_ASSEMBLE_GROUPID" val="60656f644054ed1e2fb80930"/>
+</p:tagLst>
+</file>
+
+<file path=ppt/tags/tag395.xml><?xml version="1.0" encoding="utf-8"?>
+<p:tagLst xmlns:a="http://schemas.openxmlformats.org/drawingml/2006/main" xmlns:r="http://schemas.openxmlformats.org/officeDocument/2006/relationships" xmlns:p="http://schemas.openxmlformats.org/presentationml/2006/main">
+  <p:tag name="KSO_WM_UNIT_TEXT_SUBTYPE" val="a"/>
+  <p:tag name="KSO_WM_UNIT_SUBTYPE" val="a"/>
+  <p:tag name="KSO_WM_UNIT_PRESET_TEXT" val="单击此处添加正文，文字是您思想的提炼，为了演示发布的良好效果，请言简意赅的阐述您的观点。您的内容已经简明扼要，字字珠玑，但信息却千丝万缕、错综复杂，需要用更多的文字来表述；但请您尽可能提炼思想的精髓，否则容易造成观者的阅读压力，适得其反。正如我们都希望改变世界，希望给别人带去光明，但更多时候我们只需要播下一颗种子，自然有微风吹拂，雨露滋养。恰如其分的表达观点，往往事半功倍。当您的内容到达这个限度时，或许已经不纯粹作用于演示，极大可能运用于阅读领域；无论是传播观点、知识分享还是汇报工作，内容的详尽固然重要，但请一定注意信息框架的清晰，这样才能使内容层次分明，页面简洁易读。如果您的内容确实非常重要又难以精简，也请使用分段处理，对内容进行简单的梳理和提炼，这样会使逻辑框架相对清晰。为了能让您有更直观的字数感受，并进一步方便使用，我们设置了文本的最大限度，当您输入的文字到这里时，已濒临页面容纳内容的上限，若还有更多内容。"/>
+  <p:tag name="KSO_WM_UNIT_NOCLEAR" val="0"/>
+  <p:tag name="KSO_WM_UNIT_HIGHLIGHT" val="0"/>
+  <p:tag name="KSO_WM_UNIT_COMPATIBLE" val="0"/>
+  <p:tag name="KSO_WM_UNIT_DIAGRAM_ISNUMVISUAL" val="0"/>
+  <p:tag name="KSO_WM_UNIT_DIAGRAM_ISREFERUNIT" val="0"/>
+  <p:tag name="KSO_WM_UNIT_TYPE" val="f"/>
+  <p:tag name="KSO_WM_UNIT_INDEX" val="1"/>
+  <p:tag name="KSO_WM_UNIT_ID" val="diagram20212713_1*f*1"/>
+  <p:tag name="KSO_WM_TEMPLATE_CATEGORY" val="diagram"/>
+  <p:tag name="KSO_WM_TEMPLATE_INDEX" val="20212713"/>
+  <p:tag name="KSO_WM_UNIT_LAYERLEVEL" val="1"/>
+  <p:tag name="KSO_WM_TAG_VERSION" val="1.0"/>
+  <p:tag name="KSO_WM_BEAUTIFY_FLAG" val="#wm#"/>
+  <p:tag name="KSO_WM_UNIT_DEFAULT_FONT" val="14;20;2"/>
+  <p:tag name="KSO_WM_UNIT_BLOCK" val="0"/>
+  <p:tag name="KSO_WM_UNIT_VALUE" val="440"/>
+  <p:tag name="KSO_WM_UNIT_SHOW_EDIT_AREA_INDICATION" val="1"/>
+  <p:tag name="KSO_WM_CHIP_GROUPID" val="5e6b05596848fb12bee65ac8"/>
+  <p:tag name="KSO_WM_CHIP_XID" val="5e6b05596848fb12bee65aca"/>
+  <p:tag name="KSO_WM_UNIT_DEC_AREA_ID" val="84a6c56b6ff04b3385062ce2c276b31c"/>
+  <p:tag name="KSO_WM_UNIT_DECORATE_INFO" val="{&quot;ReferentInfo&quot;:{&quot;Id&quot;:&quot;slide&quot;,&quot;X&quot;:{&quot;Pos&quot;:0},&quot;Y&quot;:{&quot;Pos&quot;:0}},&quot;DecorateInfoX&quot;:{&quot;Pos&quot;:0,&quot;IsAbs&quot;:false},&quot;DecorateInfoY&quot;:{&quot;Pos&quot;:0,&quot;IsAbs&quot;:false},&quot;DecorateInfoW&quot;:{&quot;IsAbs&quot;:false},&quot;DecorateInfoH&quot;:{&quot;IsAbs&quot;:false},&quot;whChangeMode&quot;:0}"/>
+  <p:tag name="KSO_WM_UNIT_SM_LIMIT_TYPE" val="2"/>
+  <p:tag name="KSO_WM_CHIP_FILLAREA_FILL_RULE" val="{&quot;fill_align&quot;:&quot;cm&quot;,&quot;fill_mode&quot;:&quot;full&quot;,&quot;sacle_strategy&quot;:&quot;smart&quot;}"/>
+  <p:tag name="KSO_WM_ASSEMBLE_CHIP_INDEX" val="a95d889fcf624743b8b9a892c7ba4fc1"/>
+  <p:tag name="KSO_WM_UNIT_SUPPORT_UNIT_TYPE" val="[&quot;l&quot;,&quot;m&quot;,&quot;n&quot;,&quot;o&quot;,&quot;p&quot;,&quot;q&quot;,&quot;r&quot;,&quot;δ&quot;,&quot;ε&quot;,&quot;ζ&quot;,&quot;η&quot;,&quot;d&quot;,&quot;α&quot;,&quot;β&quot;,&quot;θ&quot;]"/>
+  <p:tag name="KSO_WM_UNIT_TEXT_FILL_FORE_SCHEMECOLOR_INDEX_BRIGHTNESS" val="0.25"/>
+  <p:tag name="KSO_WM_UNIT_TEXT_FILL_FORE_SCHEMECOLOR_INDEX" val="13"/>
+  <p:tag name="KSO_WM_UNIT_TEXT_FILL_TYPE" val="1"/>
+  <p:tag name="KSO_WM_TEMPLATE_ASSEMBLE_XID" val="60656f644054ed1e2fb80930"/>
+  <p:tag name="KSO_WM_TEMPLATE_ASSEMBLE_GROUPID" val="60656f644054ed1e2fb80930"/>
+</p:tagLst>
+</file>
+
+<file path=ppt/tags/tag396.xml><?xml version="1.0" encoding="utf-8"?>
+<p:tagLst xmlns:a="http://schemas.openxmlformats.org/drawingml/2006/main" xmlns:r="http://schemas.openxmlformats.org/officeDocument/2006/relationships" xmlns:p="http://schemas.openxmlformats.org/presentationml/2006/main">
+  <p:tag name="KSO_WM_BEAUTIFY_FLAG" val="#wm#"/>
+  <p:tag name="KSO_WM_TEMPLATE_CATEGORY" val="diagram"/>
+  <p:tag name="KSO_WM_TEMPLATE_INDEX" val="20212713"/>
+  <p:tag name="KSO_WM_SLIDE_ID" val="diagram20212713_1"/>
+  <p:tag name="KSO_WM_TEMPLATE_SUBCATEGORY" val="21"/>
+  <p:tag name="KSO_WM_TEMPLATE_MASTER_TYPE" val="0"/>
+  <p:tag name="KSO_WM_TEMPLATE_COLOR_TYPE" val="1"/>
+  <p:tag name="KSO_WM_SLIDE_TYPE" val="text"/>
+  <p:tag name="KSO_WM_SLIDE_SUBTYPE" val="pureTxt"/>
+  <p:tag name="KSO_WM_SLIDE_ITEM_CNT" val="0"/>
+  <p:tag name="KSO_WM_SLIDE_INDEX" val="1"/>
+  <p:tag name="KSO_WM_SLIDE_SIZE" val="864*444"/>
+  <p:tag name="KSO_WM_SLIDE_POSITION" val="47*48"/>
+  <p:tag name="KSO_WM_TAG_VERSION" val="1.0"/>
+  <p:tag name="KSO_WM_SLIDE_LAYOUT" val="a_f"/>
+  <p:tag name="KSO_WM_SLIDE_LAYOUT_CNT" val="1_1"/>
+  <p:tag name="KSO_WM_SLIDE_LAYOUT_INFO" val="{&quot;backgroundInfo&quot;:[{&quot;bottom&quot;:0,&quot;bottomAbs&quot;:false,&quot;left&quot;:0,&quot;leftAbs&quot;:false,&quot;right&quot;:0,&quot;rightAbs&quot;:false,&quot;top&quot;:0,&quot;topAbs&quot;:false,&quot;type&quot;:&quot;general&quot;}],&quot;id&quot;:&quot;2021-04-01T15:43:53&quot;,&quot;maxSize&quot;:{&quot;size1&quot;:26.7},&quot;minSize&quot;:{&quot;size1&quot;:17.9},&quot;normalSize&quot;:{&quot;size1&quot;:17.9},&quot;subLayout&quot;:[{&quot;id&quot;:&quot;2021-04-01T15:43:53&quot;,&quot;margin&quot;:{&quot;bottom&quot;:0.0260000042617321,&quot;left&quot;:2.9629998207092285,&quot;right&quot;:2.5399999618530273,&quot;top&quot;:1.6929999589920044},&quot;type&quot;:0},{&quot;id&quot;:&quot;2021-04-01T15:43:53&quot;,&quot;margin&quot;:{&quot;bottom&quot;:2.5399999618530273,&quot;left&quot;:2.5399999618530273,&quot;right&quot;:2.5399999618530273,&quot;top&quot;:1.6670000553131104},&quot;type&quot;:0}],&quot;type&quot;:0}"/>
+  <p:tag name="KSO_WM_SLIDE_BACKGROUND" val="[&quot;general&quot;]"/>
+  <p:tag name="KSO_WM_SLIDE_RATIO" val="1.777778"/>
+  <p:tag name="KSO_WM_CHIP_INFOS" val="{&quot;type&quot;:0,&quot;layout_type&quot;:&quot;topbottom&quot;,&quot;layout_feature&quot;:1,&quot;aspect_ratio&quot;:&quot;16:9&quot;,&quot;same_font_size&quot;:false,&quot;diagram&quot;:{&quot;type&quot;:[],&quot;direction&quot;:0,&quot;isSupportDecBetweenItems&quot;:false},&quot;tags&quot;:{&quot;style&quot;:[&quot;商务&quot;,&quot;简约&quot;,&quot;文艺清新&quot;,&quot;中国风&quot;,&quot;卡通&quot;,&quot;欧美风&quot;,&quot;黑板风&quot;,&quot;渐变风&quot;,&quot;党政风&quot;]},&quot;slide_type&quot;:[&quot;text&quot;]}"/>
+  <p:tag name="KSO_WM_CHIP_XID" val="5f708c7a747e3ea6e292a7fc"/>
+  <p:tag name="KSO_WM_CHIP_FILLPROP" val="[[{&quot;text_align&quot;:&quot;lt&quot;,&quot;text_direction&quot;:&quot;horizontal&quot;,&quot;support_big_font&quot;:false,&quot;picture_toward&quot;:0,&quot;picture_dockside&quot;:[],&quot;fill_id&quot;:&quot;577fb6fb92184a2fb8c769fd05bb9d24&quot;,&quot;fill_align&quot;:&quot;lt&quot;,&quot;chip_types&quot;:[&quot;header&quot;]},{&quot;text_align&quot;:&quot;lm&quot;,&quot;text_direction&quot;:&quot;horizontal&quot;,&quot;support_features&quot;:[&quot;collage&quot;,&quot;carousel&quot;],&quot;support_big_font&quot;:false,&quot;picture_toward&quot;:0,&quot;picture_dockside&quot;:[],&quot;fill_id&quot;:&quot;ca3f0f9c0eb4416e9bcff006547ecf8f&quot;,&quot;fill_align&quot;:&quot;cm&quot;,&quot;chip_types&quot;:[&quot;diagram&quot;,&quot;text&quot;,&quot;picture&quot;,&quot;chart&quot;,&quot;table&quot;,&quot;video&quot;]}]]"/>
+  <p:tag name="KSO_WM_CHIP_DECFILLPROP" val="[]"/>
+  <p:tag name="KSO_WM_SLIDE_CAN_ADD_NAVIGATION" val="1"/>
+  <p:tag name="KSO_WM_CHIP_GROUPID" val="5f708c7a747e3ea6e292a7fb"/>
+  <p:tag name="KSO_WM_SLIDE_BACKGROUND_TYPE" val="general"/>
+  <p:tag name="KSO_WM_SLIDE_SUPPORT_FEATURE_TYPE" val="0"/>
+  <p:tag name="KSO_WM_TEMPLATE_ASSEMBLE_XID" val="60656f644054ed1e2fb80930"/>
+  <p:tag name="KSO_WM_TEMPLATE_ASSEMBLE_GROUPID" val="60656f644054ed1e2fb80930"/>
+</p:tagLst>
+</file>
+
+<file path=ppt/tags/tag397.xml><?xml version="1.0" encoding="utf-8"?>
+<p:tagLst xmlns:a="http://schemas.openxmlformats.org/drawingml/2006/main" xmlns:r="http://schemas.openxmlformats.org/officeDocument/2006/relationships" xmlns:p="http://schemas.openxmlformats.org/presentationml/2006/main">
+  <p:tag name="KSO_WM_UNIT_HIGHLIGHT" val="0"/>
+  <p:tag name="KSO_WM_UNIT_COMPATIBLE" val="0"/>
+  <p:tag name="KSO_WM_UNIT_DIAGRAM_ISNUMVISUAL" val="0"/>
+  <p:tag name="KSO_WM_UNIT_DIAGRAM_ISREFERUNIT" val="0"/>
+  <p:tag name="KSO_WM_UNIT_ID" val="_12**"/>
+  <p:tag name="KSO_WM_UNIT_LAYERLEVEL" val="1"/>
+  <p:tag name="KSO_WM_TAG_VERSION" val="1.0"/>
+  <p:tag name="KSO_WM_BEAUTIFY_FLAG" val="#wm#"/>
+  <p:tag name="KSO_WM_SLIDE_BACKGROUND_TYPE" val="general"/>
+  <p:tag name="KSO_WM_UNIT_TYPE" val="i"/>
+  <p:tag name="KSO_WM_UNIT_FILL_FORE_SCHEMECOLOR_INDEX_1_BRIGHTNESS" val="0"/>
+  <p:tag name="KSO_WM_UNIT_FILL_FORE_SCHEMECOLOR_INDEX_1" val="16"/>
+  <p:tag name="KSO_WM_UNIT_FILL_FORE_SCHEMECOLOR_INDEX_1_POS" val="0"/>
+  <p:tag name="KSO_WM_UNIT_FILL_FORE_SCHEMECOLOR_INDEX_1_TRANS" val="0.9"/>
+  <p:tag name="KSO_WM_UNIT_FILL_FORE_SCHEMECOLOR_INDEX_2_BRIGHTNESS" val="-0.1"/>
+  <p:tag name="KSO_WM_UNIT_FILL_FORE_SCHEMECOLOR_INDEX_2" val="15"/>
+  <p:tag name="KSO_WM_UNIT_FILL_FORE_SCHEMECOLOR_INDEX_2_POS" val="1"/>
+  <p:tag name="KSO_WM_UNIT_FILL_FORE_SCHEMECOLOR_INDEX_2_TRANS" val="0.76"/>
+  <p:tag name="KSO_WM_UNIT_FILL_GRADIENT_TYPE" val="0"/>
+  <p:tag name="KSO_WM_UNIT_FILL_GRADIENT_ANGLE" val="90"/>
+  <p:tag name="KSO_WM_UNIT_FILL_GRADIENT_DIRECTION" val="1"/>
+  <p:tag name="KSO_WM_UNIT_FILL_TYPE" val="3"/>
+  <p:tag name="KSO_WM_UNIT_TEXT_FILL_FORE_SCHEMECOLOR_INDEX_BRIGHTNESS" val="0"/>
+  <p:tag name="KSO_WM_UNIT_TEXT_FILL_FORE_SCHEMECOLOR_INDEX" val="2"/>
+  <p:tag name="KSO_WM_UNIT_TEXT_FILL_TYPE" val="1"/>
+</p:tagLst>
+</file>
+
+<file path=ppt/tags/tag398.xml><?xml version="1.0" encoding="utf-8"?>
+<p:tagLst xmlns:a="http://schemas.openxmlformats.org/drawingml/2006/main" xmlns:r="http://schemas.openxmlformats.org/officeDocument/2006/relationships" xmlns:p="http://schemas.openxmlformats.org/presentationml/2006/main">
+  <p:tag name="KSO_WM_UNIT_HIGHLIGHT" val="0"/>
+  <p:tag name="KSO_WM_UNIT_COMPATIBLE" val="0"/>
+  <p:tag name="KSO_WM_UNIT_DIAGRAM_ISNUMVISUAL" val="0"/>
+  <p:tag name="KSO_WM_UNIT_DIAGRAM_ISREFERUNIT" val="0"/>
+  <p:tag name="KSO_WM_UNIT_ID" val="_12**"/>
+  <p:tag name="KSO_WM_UNIT_LAYERLEVEL" val="1"/>
+  <p:tag name="KSO_WM_TAG_VERSION" val="1.0"/>
+  <p:tag name="KSO_WM_BEAUTIFY_FLAG" val="#wm#"/>
+  <p:tag name="KSO_WM_SLIDE_BACKGROUND_TYPE" val="general"/>
+  <p:tag name="KSO_WM_UNIT_TYPE" val="i"/>
+  <p:tag name="KSO_WM_UNIT_FILL_FORE_SCHEMECOLOR_INDEX_1_BRIGHTNESS" val="0"/>
+  <p:tag name="KSO_WM_UNIT_FILL_FORE_SCHEMECOLOR_INDEX_1" val="16"/>
+  <p:tag name="KSO_WM_UNIT_FILL_FORE_SCHEMECOLOR_INDEX_1_POS" val="0"/>
+  <p:tag name="KSO_WM_UNIT_FILL_FORE_SCHEMECOLOR_INDEX_1_TRANS" val="0.9"/>
+  <p:tag name="KSO_WM_UNIT_FILL_FORE_SCHEMECOLOR_INDEX_2_BRIGHTNESS" val="-0.1"/>
+  <p:tag name="KSO_WM_UNIT_FILL_FORE_SCHEMECOLOR_INDEX_2" val="15"/>
+  <p:tag name="KSO_WM_UNIT_FILL_FORE_SCHEMECOLOR_INDEX_2_POS" val="1"/>
+  <p:tag name="KSO_WM_UNIT_FILL_FORE_SCHEMECOLOR_INDEX_2_TRANS" val="0.76"/>
+  <p:tag name="KSO_WM_UNIT_FILL_GRADIENT_TYPE" val="0"/>
+  <p:tag name="KSO_WM_UNIT_FILL_GRADIENT_ANGLE" val="90"/>
+  <p:tag name="KSO_WM_UNIT_FILL_GRADIENT_DIRECTION" val="1"/>
+  <p:tag name="KSO_WM_UNIT_FILL_TYPE" val="3"/>
+  <p:tag name="KSO_WM_UNIT_TEXT_FILL_FORE_SCHEMECOLOR_INDEX_BRIGHTNESS" val="0"/>
+  <p:tag name="KSO_WM_UNIT_TEXT_FILL_FORE_SCHEMECOLOR_INDEX" val="2"/>
+  <p:tag name="KSO_WM_UNIT_TEXT_FILL_TYPE" val="1"/>
+</p:tagLst>
+</file>
+
+<file path=ppt/tags/tag399.xml><?xml version="1.0" encoding="utf-8"?>
+<p:tagLst xmlns:a="http://schemas.openxmlformats.org/drawingml/2006/main" xmlns:r="http://schemas.openxmlformats.org/officeDocument/2006/relationships" xmlns:p="http://schemas.openxmlformats.org/presentationml/2006/main">
+  <p:tag name="KSO_WM_UNIT_HIGHLIGHT" val="0"/>
+  <p:tag name="KSO_WM_UNIT_COMPATIBLE" val="0"/>
+  <p:tag name="KSO_WM_UNIT_DIAGRAM_ISNUMVISUAL" val="0"/>
+  <p:tag name="KSO_WM_UNIT_DIAGRAM_ISREFERUNIT" val="0"/>
+  <p:tag name="KSO_WM_UNIT_TYPE" val="i"/>
+  <p:tag name="KSO_WM_UNIT_INDEX" val="1"/>
+  <p:tag name="KSO_WM_UNIT_ID" val="diagram20212713_1*i*1"/>
+  <p:tag name="KSO_WM_TEMPLATE_CATEGORY" val="diagram"/>
+  <p:tag name="KSO_WM_TEMPLATE_INDEX" val="20212713"/>
+  <p:tag name="KSO_WM_UNIT_LAYERLEVEL" val="1"/>
+  <p:tag name="KSO_WM_TAG_VERSION" val="1.0"/>
+  <p:tag name="KSO_WM_BEAUTIFY_FLAG" val="#wm#"/>
+  <p:tag name="KSO_WM_UNIT_BLOCK" val="0"/>
+  <p:tag name="KSO_WM_UNIT_SM_LIMIT_TYPE" val="2"/>
+  <p:tag name="KSO_WM_UNIT_DEC_AREA_ID" val="6c938ff465544c81b53780745e718009"/>
+  <p:tag name="KSO_WM_UNIT_DECORATE_INFO" val="{&quot;DecorateInfoH&quot;:{&quot;IsAbs&quot;:false},&quot;DecorateInfoW&quot;:{&quot;IsAbs&quot;:false},&quot;DecorateInfoX&quot;:{&quot;IsAbs&quot;:false,&quot;Pos&quot;:1},&quot;DecorateInfoY&quot;:{&quot;IsAbs&quot;:false,&quot;Pos&quot;:1},&quot;ReferentInfo&quot;:{&quot;Id&quot;:&quot;84a6c56b6ff04b3385062ce2c276b31c&quot;,&quot;X&quot;:{&quot;Pos&quot;:1},&quot;Y&quot;:{&quot;Pos&quot;:1}},&quot;whChangeMode&quot;:1}"/>
+  <p:tag name="KSO_WM_CHIP_GROUPID" val="5f708c7a747e3ea6e292a7fb"/>
+  <p:tag name="KSO_WM_CHIP_XID" val="5f708c7a747e3ea6e292a7fc"/>
+  <p:tag name="KSO_WM_UNIT_FILL_FORE_SCHEMECOLOR_INDEX_BRIGHTNESS" val="0"/>
+  <p:tag name="KSO_WM_UNIT_FILL_FORE_SCHEMECOLOR_INDEX" val="14"/>
+  <p:tag name="KSO_WM_UNIT_FILL_TYPE" val="1"/>
+  <p:tag name="KSO_WM_UNIT_TEXT_FILL_FORE_SCHEMECOLOR_INDEX_BRIGHTNESS" val="0"/>
+  <p:tag name="KSO_WM_UNIT_TEXT_FILL_FORE_SCHEMECOLOR_INDEX" val="2"/>
+  <p:tag name="KSO_WM_UNIT_TEXT_FILL_TYPE" val="1"/>
+  <p:tag name="KSO_WM_UNIT_VALUE" val="816"/>
+  <p:tag name="KSO_WM_TEMPLATE_ASSEMBLE_XID" val="60656f644054ed1e2fb80930"/>
+  <p:tag name="KSO_WM_TEMPLATE_ASSEMBLE_GROUPID" val="60656f644054ed1e2fb80930"/>
+</p:tagLst>
+</file>
+
+<file path=ppt/tags/tag4.xml><?xml version="1.0" encoding="utf-8"?>
+<p:tagLst xmlns:a="http://schemas.openxmlformats.org/drawingml/2006/main" xmlns:r="http://schemas.openxmlformats.org/officeDocument/2006/relationships" xmlns:p="http://schemas.openxmlformats.org/presentationml/2006/main">
+  <p:tag name="KSO_WM_UNIT_HIGHLIGHT" val="0"/>
+  <p:tag name="KSO_WM_UNIT_COMPATIBLE" val="0"/>
+  <p:tag name="KSO_WM_UNIT_DIAGRAM_ISNUMVISUAL" val="0"/>
+  <p:tag name="KSO_WM_UNIT_DIAGRAM_ISREFERUNIT" val="0"/>
+  <p:tag name="KSO_WM_UNIT_ID" val="_0**"/>
+  <p:tag name="KSO_WM_UNIT_LAYERLEVEL" val="1"/>
+  <p:tag name="KSO_WM_TAG_VERSION" val="1.0"/>
+  <p:tag name="KSO_WM_BEAUTIFY_FLAG" val="#wm#"/>
+</p:tagLst>
+</file>
+
+<file path=ppt/tags/tag40.xml><?xml version="1.0" encoding="utf-8"?>
+<p:tagLst xmlns:a="http://schemas.openxmlformats.org/drawingml/2006/main" xmlns:r="http://schemas.openxmlformats.org/officeDocument/2006/relationships" xmlns:p="http://schemas.openxmlformats.org/presentationml/2006/main">
+  <p:tag name="KSO_WM_UNIT_HIGHLIGHT" val="0"/>
+  <p:tag name="KSO_WM_UNIT_COMPATIBLE" val="0"/>
+  <p:tag name="KSO_WM_UNIT_DIAGRAM_ISNUMVISUAL" val="0"/>
+  <p:tag name="KSO_WM_UNIT_DIAGRAM_ISREFERUNIT" val="0"/>
+  <p:tag name="KSO_WM_UNIT_ID" val="_7**"/>
+  <p:tag name="KSO_WM_UNIT_LAYERLEVEL" val="1"/>
+  <p:tag name="KSO_WM_TAG_VERSION" val="1.0"/>
+  <p:tag name="KSO_WM_BEAUTIFY_FLAG" val="#wm#"/>
+</p:tagLst>
+</file>
+
+<file path=ppt/tags/tag400.xml><?xml version="1.0" encoding="utf-8"?>
+<p:tagLst xmlns:a="http://schemas.openxmlformats.org/drawingml/2006/main" xmlns:r="http://schemas.openxmlformats.org/officeDocument/2006/relationships" xmlns:p="http://schemas.openxmlformats.org/presentationml/2006/main">
+  <p:tag name="KSO_WM_UNIT_ISCONTENTSTITLE" val="0"/>
+  <p:tag name="KSO_WM_UNIT_ISNUMDGMTITLE" val="0"/>
+  <p:tag name="KSO_WM_UNIT_NOCLEAR" val="0"/>
+  <p:tag name="KSO_WM_UNIT_VALUE" val="28"/>
+  <p:tag name="KSO_WM_UNIT_HIGHLIGHT" val="0"/>
+  <p:tag name="KSO_WM_UNIT_COMPATIBLE" val="0"/>
+  <p:tag name="KSO_WM_UNIT_DIAGRAM_ISNUMVISUAL" val="0"/>
+  <p:tag name="KSO_WM_UNIT_DIAGRAM_ISREFERUNIT" val="0"/>
+  <p:tag name="KSO_WM_UNIT_TYPE" val="a"/>
+  <p:tag name="KSO_WM_UNIT_INDEX" val="1"/>
+  <p:tag name="KSO_WM_UNIT_ID" val="diagram20212713_1*a*1"/>
+  <p:tag name="KSO_WM_TEMPLATE_CATEGORY" val="diagram"/>
+  <p:tag name="KSO_WM_TEMPLATE_INDEX" val="20212713"/>
+  <p:tag name="KSO_WM_UNIT_LAYERLEVEL" val="1"/>
+  <p:tag name="KSO_WM_TAG_VERSION" val="1.0"/>
+  <p:tag name="KSO_WM_BEAUTIFY_FLAG" val="#wm#"/>
+  <p:tag name="KSO_WM_UNIT_PRESET_TEXT" val="单击此处添加大标题内容"/>
+  <p:tag name="KSO_WM_UNIT_DEFAULT_FONT" val="24;44;4"/>
+  <p:tag name="KSO_WM_UNIT_BLOCK" val="0"/>
+  <p:tag name="KSO_WM_UNIT_SHOW_EDIT_AREA_INDICATION" val="1"/>
+  <p:tag name="KSO_WM_CHIP_GROUPID" val="5e7881253197e252a37019b5"/>
+  <p:tag name="KSO_WM_CHIP_XID" val="5e7881253197e252a37019b6"/>
+  <p:tag name="KSO_WM_UNIT_DEC_AREA_ID" val="8813dededcd94f83be1334e61bb4760c"/>
+  <p:tag name="KSO_WM_UNIT_DECORATE_INFO" val="{&quot;ReferentInfo&quot;:{&quot;Id&quot;:&quot;slide&quot;,&quot;X&quot;:{&quot;Pos&quot;:0},&quot;Y&quot;:{&quot;Pos&quot;:0}},&quot;DecorateInfoX&quot;:{&quot;Pos&quot;:0,&quot;IsAbs&quot;:false},&quot;DecorateInfoY&quot;:{&quot;Pos&quot;:0,&quot;IsAbs&quot;:false},&quot;DecorateInfoW&quot;:{&quot;IsAbs&quot;:false},&quot;DecorateInfoH&quot;:{&quot;IsAbs&quot;:false},&quot;whChangeMode&quot;:0}"/>
+  <p:tag name="KSO_WM_UNIT_SM_LIMIT_TYPE" val="2"/>
+  <p:tag name="KSO_WM_CHIP_FILLAREA_FILL_RULE" val="{&quot;fill_align&quot;:&quot;lt&quot;,&quot;fill_mode&quot;:&quot;full&quot;,&quot;sacle_strategy&quot;:&quot;smart&quot;}"/>
+  <p:tag name="KSO_WM_ASSEMBLE_CHIP_INDEX" val="fba21aa6e7b04473ad95be895e1428b6"/>
+  <p:tag name="KSO_WM_UNIT_TEXT_FILL_FORE_SCHEMECOLOR_INDEX_BRIGHTNESS" val="0"/>
+  <p:tag name="KSO_WM_UNIT_TEXT_FILL_FORE_SCHEMECOLOR_INDEX" val="13"/>
+  <p:tag name="KSO_WM_UNIT_TEXT_FILL_TYPE" val="1"/>
   <p:tag name="KSO_WM_TEMPLATE_ASSEMBLE_XID" val="60656f644054ed1e2fb80930"/>
   <p:tag name="KSO_WM_TEMPLATE_ASSEMBLE_GROUPID" val="60656f644054ed1e2fb80930"/>
 </p:tagLst>
@@ -41880,6 +41587,551 @@
   <p:tag name="KSO_WM_UNIT_DIAGRAM_ISNUMVISUAL" val="0"/>
   <p:tag name="KSO_WM_UNIT_DIAGRAM_ISREFERUNIT" val="0"/>
   <p:tag name="KSO_WM_UNIT_TYPE" val="i"/>
+  <p:tag name="KSO_WM_UNIT_INDEX" val="2"/>
+  <p:tag name="KSO_WM_UNIT_ID" val="diagram20212713_1*i*2"/>
+  <p:tag name="KSO_WM_TEMPLATE_CATEGORY" val="diagram"/>
+  <p:tag name="KSO_WM_TEMPLATE_INDEX" val="20212713"/>
+  <p:tag name="KSO_WM_UNIT_LAYERLEVEL" val="1"/>
+  <p:tag name="KSO_WM_TAG_VERSION" val="1.0"/>
+  <p:tag name="KSO_WM_BEAUTIFY_FLAG" val="#wm#"/>
+  <p:tag name="KSO_WM_UNIT_BLOCK" val="0"/>
+  <p:tag name="KSO_WM_UNIT_SM_LIMIT_TYPE" val="2"/>
+  <p:tag name="KSO_WM_UNIT_DEC_AREA_ID" val="ab9e3ede4f02433781ee8c4bc865c252"/>
+  <p:tag name="KSO_WM_UNIT_DECORATE_INFO" val="{&quot;ReferentInfo&quot;:{&quot;Id&quot;:&quot;slide&quot;,&quot;X&quot;:{&quot;Pos&quot;:0},&quot;Y&quot;:{&quot;Pos&quot;:0}},&quot;DecorateInfoX&quot;:{&quot;Pos&quot;:0,&quot;IsAbs&quot;:false},&quot;DecorateInfoY&quot;:{&quot;Pos&quot;:0,&quot;IsAbs&quot;:false},&quot;DecorateInfoW&quot;:{&quot;IsAbs&quot;:false},&quot;DecorateInfoH&quot;:{&quot;IsAbs&quot;:false},&quot;whChangeMode&quot;:1}"/>
+  <p:tag name="KSO_WM_CHIP_GROUPID" val="5f708c7a747e3ea6e292a7fb"/>
+  <p:tag name="KSO_WM_CHIP_XID" val="5f708c7a747e3ea6e292a7fc"/>
+  <p:tag name="KSO_WM_UNIT_FILL_FORE_SCHEMECOLOR_INDEX_BRIGHTNESS" val="0"/>
+  <p:tag name="KSO_WM_UNIT_FILL_FORE_SCHEMECOLOR_INDEX" val="5"/>
+  <p:tag name="KSO_WM_UNIT_FILL_TYPE" val="1"/>
+  <p:tag name="KSO_WM_UNIT_TEXT_FILL_FORE_SCHEMECOLOR_INDEX_BRIGHTNESS" val="0"/>
+  <p:tag name="KSO_WM_UNIT_TEXT_FILL_FORE_SCHEMECOLOR_INDEX" val="2"/>
+  <p:tag name="KSO_WM_UNIT_TEXT_FILL_TYPE" val="1"/>
+  <p:tag name="KSO_WM_UNIT_VALUE" val="0"/>
+  <p:tag name="KSO_WM_TEMPLATE_ASSEMBLE_XID" val="60656f644054ed1e2fb80930"/>
+  <p:tag name="KSO_WM_TEMPLATE_ASSEMBLE_GROUPID" val="60656f644054ed1e2fb80930"/>
+</p:tagLst>
+</file>
+
+<file path=ppt/tags/tag403.xml><?xml version="1.0" encoding="utf-8"?>
+<p:tagLst xmlns:a="http://schemas.openxmlformats.org/drawingml/2006/main" xmlns:r="http://schemas.openxmlformats.org/officeDocument/2006/relationships" xmlns:p="http://schemas.openxmlformats.org/presentationml/2006/main">
+  <p:tag name="KSO_WM_BEAUTIFY_FLAG" val="#wm#"/>
+  <p:tag name="KSO_WM_TEMPLATE_CATEGORY" val="diagram"/>
+  <p:tag name="KSO_WM_TEMPLATE_INDEX" val="20211231"/>
+  <p:tag name="KSO_WM_SLIDE_ID" val="diagram20211231_1"/>
+  <p:tag name="KSO_WM_TEMPLATE_SUBCATEGORY" val="21"/>
+  <p:tag name="KSO_WM_TEMPLATE_MASTER_TYPE" val="0"/>
+  <p:tag name="KSO_WM_TEMPLATE_COLOR_TYPE" val="1"/>
+  <p:tag name="KSO_WM_SLIDE_TYPE" val="text"/>
+  <p:tag name="KSO_WM_SLIDE_SUBTYPE" val="picTxt"/>
+  <p:tag name="KSO_WM_SLIDE_ITEM_CNT" val="0"/>
+  <p:tag name="KSO_WM_SLIDE_INDEX" val="1"/>
+  <p:tag name="KSO_WM_SLIDE_SIZE" val="960*486"/>
+  <p:tag name="KSO_WM_SLIDE_POSITION" val="0*0"/>
+  <p:tag name="KSO_WM_TAG_VERSION" val="1.0"/>
+  <p:tag name="KSO_WM_SLIDE_LAYOUT" val="a_d"/>
+  <p:tag name="KSO_WM_SLIDE_LAYOUT_CNT" val="1_1"/>
+  <p:tag name="KSO_WM_SLIDE_LAYOUT_INFO" val="{&quot;id&quot;:&quot;2021-04-01T15:11:21&quot;,&quot;maxSize&quot;:{&quot;size1&quot;:13.3},&quot;minSize&quot;:{&quot;size1&quot;:13.3},&quot;normalSize&quot;:{&quot;size1&quot;:13.3},&quot;subLayout&quot;:[{&quot;backgroundInfo&quot;:[{&quot;bottom&quot;:0,&quot;bottomAbs&quot;:false,&quot;left&quot;:0,&quot;leftAbs&quot;:false,&quot;right&quot;:0,&quot;rightAbs&quot;:false,&quot;top&quot;:0,&quot;topAbs&quot;:false,&quot;type&quot;:&quot;navigation&quot;}],&quot;id&quot;:&quot;2021-04-01T15:11:21&quot;,&quot;margin&quot;:{&quot;bottom&quot;:0.4230000674724579,&quot;left&quot;:1.2699999809265137,&quot;right&quot;:1.2699999809265137,&quot;top&quot;:0.4230000674724579},&quot;type&quot;:0},{&quot;id&quot;:&quot;2021-04-01T15:11:21&quot;,&quot;margin&quot;:{&quot;bottom&quot;:4.2330002784729,&quot;left&quot;:6.349999904632568,&quot;right&quot;:5.927000999450684,&quot;top&quot;:4.2330002784729},&quot;type&quot;:0}],&quot;type&quot;:0}"/>
+  <p:tag name="KSO_WM_SLIDE_BACKGROUND" val="[&quot;navigation&quot;]"/>
+  <p:tag name="KSO_WM_SLIDE_RATIO" val="1.777778"/>
+  <p:tag name="KSO_WM_CHIP_INFOS" val="{&quot;type&quot;:0,&quot;layout_type&quot;:&quot;navigation&quot;,&quot;layout_feature&quot;:1,&quot;aspect_ratio&quot;:&quot;16:9&quot;,&quot;same_font_size&quot;:false,&quot;diagram&quot;:{&quot;type&quot;:[],&quot;direction&quot;:0,&quot;isSupportDecBetweenItems&quot;:false},&quot;tags&quot;:{&quot;style&quot;:[&quot;商务&quot;,&quot;简约&quot;,&quot;文艺清新&quot;,&quot;中国风&quot;,&quot;卡通&quot;,&quot;欧美风&quot;,&quot;黑板风&quot;,&quot;渐变风&quot;,&quot;党政风&quot;]},&quot;slide_type&quot;:[&quot;text&quot;]}"/>
+  <p:tag name="KSO_WM_CHIP_FILLPROP" val="[[{&quot;text_align&quot;:&quot;lm&quot;,&quot;text_direction&quot;:&quot;horizontal&quot;,&quot;support_big_font&quot;:false,&quot;picture_toward&quot;:0,&quot;picture_dockside&quot;:[],&quot;fill_id&quot;:&quot;c934b58042b44607bfcc30469ccc57d1&quot;,&quot;fill_align&quot;:&quot;lm&quot;,&quot;chip_types&quot;:[&quot;header&quot;]},{&quot;text_align&quot;:&quot;lm&quot;,&quot;text_direction&quot;:&quot;horizontal&quot;,&quot;support_big_font&quot;:false,&quot;picture_toward&quot;:0,&quot;picture_dockside&quot;:[],&quot;fill_id&quot;:&quot;1f78b58308e94978b285532b2378b13d&quot;,&quot;fill_align&quot;:&quot;cm&quot;,&quot;chip_types&quot;:[&quot;text&quot;,&quot;picture&quot;,&quot;chart&quot;,&quot;table&quot;]}]]"/>
+  <p:tag name="KSO_WM_CHIP_DECFILLPROP" val="[]"/>
+  <p:tag name="KSO_WM_CHIP_XID" val="5f5f3b668e478fb0c58a9408"/>
+  <p:tag name="KSO_WM_CHIP_GROUPID" val="5f5ee1ca4d6848d78f644aeb"/>
+  <p:tag name="KSO_WM_SLIDE_BK_DARK_LIGHT" val="2"/>
+  <p:tag name="KSO_WM_SLIDE_BACKGROUND_TYPE" val="navigation"/>
+  <p:tag name="KSO_WM_SLIDE_SUPPORT_FEATURE_TYPE" val="0"/>
+  <p:tag name="KSO_WM_TEMPLATE_ASSEMBLE_XID" val="60656ea84054ed1e2fb7fd42"/>
+  <p:tag name="KSO_WM_TEMPLATE_ASSEMBLE_GROUPID" val="60656ea84054ed1e2fb7fd42"/>
+</p:tagLst>
+</file>
+
+<file path=ppt/tags/tag404.xml><?xml version="1.0" encoding="utf-8"?>
+<p:tagLst xmlns:a="http://schemas.openxmlformats.org/drawingml/2006/main" xmlns:r="http://schemas.openxmlformats.org/officeDocument/2006/relationships" xmlns:p="http://schemas.openxmlformats.org/presentationml/2006/main">
+  <p:tag name="KSO_WM_UNIT_HIGHLIGHT" val="0"/>
+  <p:tag name="KSO_WM_UNIT_COMPATIBLE" val="0"/>
+  <p:tag name="KSO_WM_UNIT_DIAGRAM_ISNUMVISUAL" val="0"/>
+  <p:tag name="KSO_WM_UNIT_DIAGRAM_ISREFERUNIT" val="0"/>
+  <p:tag name="KSO_WM_UNIT_ID" val="_17*i*1"/>
+  <p:tag name="KSO_WM_UNIT_LAYERLEVEL" val="1"/>
+  <p:tag name="KSO_WM_TAG_VERSION" val="1.0"/>
+  <p:tag name="KSO_WM_BEAUTIFY_FLAG" val="#wm#"/>
+  <p:tag name="KSO_WM_UNIT_TYPE" val="i"/>
+  <p:tag name="KSO_WM_UNIT_INDEX" val="1"/>
+  <p:tag name="KSO_WM_UNIT_SUBTYPE" val="h"/>
+  <p:tag name="KSO_WM_SLIDE_BACKGROUND_TYPE" val="navigation"/>
+  <p:tag name="KSO_WM_SLIDE_BK_DARK_LIGHT" val="2"/>
+  <p:tag name="KSO_WM_UNIT_BK_DARK_LIGHT" val="2"/>
+  <p:tag name="KSO_WM_UNIT_FILL_FORE_SCHEMECOLOR_INDEX_BRIGHTNESS" val="0"/>
+  <p:tag name="KSO_WM_UNIT_FILL_FORE_SCHEMECOLOR_INDEX" val="15"/>
+  <p:tag name="KSO_WM_UNIT_FILL_TYPE" val="1"/>
+  <p:tag name="KSO_WM_UNIT_TEXT_FILL_FORE_SCHEMECOLOR_INDEX_BRIGHTNESS" val="0"/>
+  <p:tag name="KSO_WM_UNIT_TEXT_FILL_FORE_SCHEMECOLOR_INDEX" val="2"/>
+  <p:tag name="KSO_WM_UNIT_TEXT_FILL_TYPE" val="1"/>
+</p:tagLst>
+</file>
+
+<file path=ppt/tags/tag405.xml><?xml version="1.0" encoding="utf-8"?>
+<p:tagLst xmlns:a="http://schemas.openxmlformats.org/drawingml/2006/main" xmlns:r="http://schemas.openxmlformats.org/officeDocument/2006/relationships" xmlns:p="http://schemas.openxmlformats.org/presentationml/2006/main">
+  <p:tag name="KSO_WM_UNIT_HIGHLIGHT" val="0"/>
+  <p:tag name="KSO_WM_UNIT_COMPATIBLE" val="0"/>
+  <p:tag name="KSO_WM_UNIT_DIAGRAM_ISNUMVISUAL" val="0"/>
+  <p:tag name="KSO_WM_UNIT_DIAGRAM_ISREFERUNIT" val="0"/>
+  <p:tag name="KSO_WM_UNIT_TYPE" val="i"/>
+  <p:tag name="KSO_WM_UNIT_INDEX" val="2"/>
+  <p:tag name="KSO_WM_UNIT_ID" val="diagram20211231_1*i*2"/>
+  <p:tag name="KSO_WM_TEMPLATE_CATEGORY" val="diagram"/>
+  <p:tag name="KSO_WM_TEMPLATE_INDEX" val="20211231"/>
+  <p:tag name="KSO_WM_UNIT_LAYERLEVEL" val="1"/>
+  <p:tag name="KSO_WM_TAG_VERSION" val="1.0"/>
+  <p:tag name="KSO_WM_BEAUTIFY_FLAG" val="#wm#"/>
+  <p:tag name="KSO_WM_UNIT_BLOCK" val="0"/>
+  <p:tag name="KSO_WM_UNIT_SM_LIMIT_TYPE" val="2"/>
+  <p:tag name="KSO_WM_UNIT_DEC_AREA_ID" val="36560fcab6a54bdc90b67b924a8f9cd7"/>
+  <p:tag name="KSO_WM_UNIT_DECORATE_INFO" val="{&quot;ReferentInfo&quot;:{&quot;Id&quot;:&quot;slide&quot;,&quot;X&quot;:{&quot;Pos&quot;:0},&quot;Y&quot;:{&quot;Pos&quot;:0}},&quot;DecorateInfoX&quot;:{&quot;Pos&quot;:0,&quot;IsAbs&quot;:false},&quot;DecorateInfoY&quot;:{&quot;Pos&quot;:0,&quot;IsAbs&quot;:false},&quot;DecorateInfoW&quot;:{&quot;IsAbs&quot;:false},&quot;DecorateInfoH&quot;:{&quot;IsAbs&quot;:false},&quot;whChangeMode&quot;:1}"/>
+  <p:tag name="KSO_WM_CHIP_GROUPID" val="5f5ee1ca4d6848d78f644aeb"/>
+  <p:tag name="KSO_WM_CHIP_XID" val="5f5f3b668e478fb0c58a9408"/>
+  <p:tag name="KSO_WM_UNIT_LINE_FORE_SCHEMECOLOR_INDEX_BRIGHTNESS" val="0"/>
+  <p:tag name="KSO_WM_UNIT_LINE_FORE_SCHEMECOLOR_INDEX" val="5"/>
+  <p:tag name="KSO_WM_UNIT_LINE_FILL_TYPE" val="2"/>
+  <p:tag name="KSO_WM_UNIT_TEXT_FILL_FORE_SCHEMECOLOR_INDEX_BRIGHTNESS" val="0"/>
+  <p:tag name="KSO_WM_UNIT_TEXT_FILL_FORE_SCHEMECOLOR_INDEX" val="2"/>
+  <p:tag name="KSO_WM_UNIT_TEXT_FILL_TYPE" val="1"/>
+  <p:tag name="KSO_WM_UNIT_VALUE" val="480"/>
+  <p:tag name="KSO_WM_TEMPLATE_ASSEMBLE_XID" val="60656ea84054ed1e2fb7fd42"/>
+  <p:tag name="KSO_WM_TEMPLATE_ASSEMBLE_GROUPID" val="60656ea84054ed1e2fb7fd42"/>
+</p:tagLst>
+</file>
+
+<file path=ppt/tags/tag406.xml><?xml version="1.0" encoding="utf-8"?>
+<p:tagLst xmlns:a="http://schemas.openxmlformats.org/drawingml/2006/main" xmlns:r="http://schemas.openxmlformats.org/officeDocument/2006/relationships" xmlns:p="http://schemas.openxmlformats.org/presentationml/2006/main">
+  <p:tag name="KSO_WM_UNIT_HIGHLIGHT" val="0"/>
+  <p:tag name="KSO_WM_UNIT_COMPATIBLE" val="0"/>
+  <p:tag name="KSO_WM_UNIT_DIAGRAM_ISNUMVISUAL" val="0"/>
+  <p:tag name="KSO_WM_UNIT_DIAGRAM_ISREFERUNIT" val="0"/>
+  <p:tag name="KSO_WM_UNIT_TYPE" val="i"/>
+  <p:tag name="KSO_WM_UNIT_INDEX" val="3"/>
+  <p:tag name="KSO_WM_UNIT_ID" val="diagram20211231_1*i*3"/>
+  <p:tag name="KSO_WM_TEMPLATE_CATEGORY" val="diagram"/>
+  <p:tag name="KSO_WM_TEMPLATE_INDEX" val="20211231"/>
+  <p:tag name="KSO_WM_UNIT_LAYERLEVEL" val="1"/>
+  <p:tag name="KSO_WM_TAG_VERSION" val="1.0"/>
+  <p:tag name="KSO_WM_BEAUTIFY_FLAG" val="#wm#"/>
+  <p:tag name="KSO_WM_UNIT_BLOCK" val="0"/>
+  <p:tag name="KSO_WM_UNIT_SM_LIMIT_TYPE" val="2"/>
+  <p:tag name="KSO_WM_UNIT_DEC_AREA_ID" val="608fd04aa72e4ec6a63c33189090d4c4"/>
+  <p:tag name="KSO_WM_UNIT_DECORATE_INFO" val="{&quot;ReferentInfo&quot;:{&quot;Id&quot;:&quot;slide&quot;,&quot;X&quot;:{&quot;Pos&quot;:0},&quot;Y&quot;:{&quot;Pos&quot;:0}},&quot;DecorateInfoX&quot;:{&quot;Pos&quot;:0,&quot;IsAbs&quot;:false},&quot;DecorateInfoY&quot;:{&quot;Pos&quot;:0,&quot;IsAbs&quot;:false},&quot;DecorateInfoW&quot;:{&quot;IsAbs&quot;:false},&quot;DecorateInfoH&quot;:{&quot;IsAbs&quot;:false},&quot;whChangeMode&quot;:1}"/>
+  <p:tag name="KSO_WM_CHIP_GROUPID" val="5f5ee1ca4d6848d78f644aeb"/>
+  <p:tag name="KSO_WM_CHIP_XID" val="5f5f3b668e478fb0c58a9408"/>
+  <p:tag name="KSO_WM_UNIT_FILL_FORE_SCHEMECOLOR_INDEX_BRIGHTNESS" val="0"/>
+  <p:tag name="KSO_WM_UNIT_FILL_FORE_SCHEMECOLOR_INDEX" val="16"/>
+  <p:tag name="KSO_WM_UNIT_FILL_TYPE" val="1"/>
+  <p:tag name="KSO_WM_UNIT_SHADOW_SCHEMECOLOR_INDEX_BRIGHTNESS" val="-0.5"/>
+  <p:tag name="KSO_WM_UNIT_SHADOW_SCHEMECOLOR_INDEX" val="14"/>
+  <p:tag name="KSO_WM_UNIT_TEXT_FILL_FORE_SCHEMECOLOR_INDEX_BRIGHTNESS" val="0"/>
+  <p:tag name="KSO_WM_UNIT_TEXT_FILL_FORE_SCHEMECOLOR_INDEX" val="2"/>
+  <p:tag name="KSO_WM_UNIT_TEXT_FILL_TYPE" val="1"/>
+  <p:tag name="KSO_WM_UNIT_VALUE" val="468"/>
+  <p:tag name="KSO_WM_TEMPLATE_ASSEMBLE_XID" val="60656ea84054ed1e2fb7fd42"/>
+  <p:tag name="KSO_WM_TEMPLATE_ASSEMBLE_GROUPID" val="60656ea84054ed1e2fb7fd42"/>
+</p:tagLst>
+</file>
+
+<file path=ppt/tags/tag407.xml><?xml version="1.0" encoding="utf-8"?>
+<p:tagLst xmlns:a="http://schemas.openxmlformats.org/drawingml/2006/main" xmlns:r="http://schemas.openxmlformats.org/officeDocument/2006/relationships" xmlns:p="http://schemas.openxmlformats.org/presentationml/2006/main">
+  <p:tag name="KSO_WM_UNIT_HIGHLIGHT" val="0"/>
+  <p:tag name="KSO_WM_UNIT_COMPATIBLE" val="0"/>
+  <p:tag name="KSO_WM_UNIT_DIAGRAM_ISNUMVISUAL" val="0"/>
+  <p:tag name="KSO_WM_UNIT_DIAGRAM_ISREFERUNIT" val="0"/>
+  <p:tag name="KSO_WM_UNIT_TYPE" val="i"/>
+  <p:tag name="KSO_WM_UNIT_INDEX" val="4"/>
+  <p:tag name="KSO_WM_UNIT_ID" val="diagram20211231_1*i*4"/>
+  <p:tag name="KSO_WM_TEMPLATE_CATEGORY" val="diagram"/>
+  <p:tag name="KSO_WM_TEMPLATE_INDEX" val="20211231"/>
+  <p:tag name="KSO_WM_UNIT_LAYERLEVEL" val="1"/>
+  <p:tag name="KSO_WM_TAG_VERSION" val="1.0"/>
+  <p:tag name="KSO_WM_BEAUTIFY_FLAG" val="#wm#"/>
+  <p:tag name="KSO_WM_UNIT_BLOCK" val="0"/>
+  <p:tag name="KSO_WM_UNIT_SM_LIMIT_TYPE" val="2"/>
+  <p:tag name="KSO_WM_UNIT_DEC_AREA_ID" val="6a9d9263704245bd9c227eb0fd080825"/>
+  <p:tag name="KSO_WM_UNIT_DECORATE_INFO" val="{&quot;ReferentInfo&quot;:{&quot;Id&quot;:&quot;slide&quot;,&quot;X&quot;:{&quot;Pos&quot;:2},&quot;Y&quot;:{&quot;Pos&quot;:0}},&quot;DecorateInfoX&quot;:{&quot;Pos&quot;:2,&quot;IsAbs&quot;:false},&quot;DecorateInfoY&quot;:{&quot;Pos&quot;:0,&quot;IsAbs&quot;:false},&quot;DecorateInfoW&quot;:{&quot;IsAbs&quot;:false},&quot;DecorateInfoH&quot;:{&quot;IsAbs&quot;:false},&quot;whChangeMode&quot;:1}"/>
+  <p:tag name="KSO_WM_CHIP_GROUPID" val="5f5ee1ca4d6848d78f644aeb"/>
+  <p:tag name="KSO_WM_CHIP_XID" val="5f5f3b668e478fb0c58a9408"/>
+  <p:tag name="KSO_WM_TEMPLATE_ASSEMBLE_XID" val="60656ea84054ed1e2fb7fd42"/>
+  <p:tag name="KSO_WM_TEMPLATE_ASSEMBLE_GROUPID" val="60656ea84054ed1e2fb7fd42"/>
+</p:tagLst>
+</file>
+
+<file path=ppt/tags/tag408.xml><?xml version="1.0" encoding="utf-8"?>
+<p:tagLst xmlns:a="http://schemas.openxmlformats.org/drawingml/2006/main" xmlns:r="http://schemas.openxmlformats.org/officeDocument/2006/relationships" xmlns:p="http://schemas.openxmlformats.org/presentationml/2006/main">
+  <p:tag name="KSO_WM_UNIT_HIGHLIGHT" val="0"/>
+  <p:tag name="KSO_WM_UNIT_COMPATIBLE" val="0"/>
+  <p:tag name="KSO_WM_UNIT_DIAGRAM_ISNUMVISUAL" val="0"/>
+  <p:tag name="KSO_WM_UNIT_DIAGRAM_ISREFERUNIT" val="0"/>
+  <p:tag name="KSO_WM_UNIT_TYPE" val="i"/>
+  <p:tag name="KSO_WM_UNIT_INDEX" val="8"/>
+  <p:tag name="KSO_WM_UNIT_ID" val="diagram20211231_1*i*8"/>
+  <p:tag name="KSO_WM_TEMPLATE_CATEGORY" val="diagram"/>
+  <p:tag name="KSO_WM_TEMPLATE_INDEX" val="20211231"/>
+  <p:tag name="KSO_WM_UNIT_LAYERLEVEL" val="1"/>
+  <p:tag name="KSO_WM_TAG_VERSION" val="1.0"/>
+  <p:tag name="KSO_WM_BEAUTIFY_FLAG" val="#wm#"/>
+  <p:tag name="KSO_WM_UNIT_BLOCK" val="0"/>
+  <p:tag name="KSO_WM_UNIT_SM_LIMIT_TYPE" val="2"/>
+  <p:tag name="KSO_WM_UNIT_DEC_AREA_ID" val="a6e0489f79bc4427aca11fb1f6a0fa7c"/>
+  <p:tag name="KSO_WM_UNIT_DECORATE_INFO" val="{&quot;ReferentInfo&quot;:{&quot;Id&quot;:&quot;slide&quot;,&quot;X&quot;:{&quot;Pos&quot;:0},&quot;Y&quot;:{&quot;Pos&quot;:2}},&quot;DecorateInfoX&quot;:{&quot;Pos&quot;:0,&quot;IsAbs&quot;:false},&quot;DecorateInfoY&quot;:{&quot;Pos&quot;:2,&quot;IsAbs&quot;:false},&quot;DecorateInfoW&quot;:{&quot;IsAbs&quot;:false},&quot;DecorateInfoH&quot;:{&quot;IsAbs&quot;:false},&quot;whChangeMode&quot;:1}"/>
+  <p:tag name="KSO_WM_CHIP_GROUPID" val="5f5ee1ca4d6848d78f644aeb"/>
+  <p:tag name="KSO_WM_CHIP_XID" val="5f5f3b668e478fb0c58a9408"/>
+  <p:tag name="KSO_WM_TEMPLATE_ASSEMBLE_XID" val="60656ea84054ed1e2fb7fd42"/>
+  <p:tag name="KSO_WM_TEMPLATE_ASSEMBLE_GROUPID" val="60656ea84054ed1e2fb7fd42"/>
+</p:tagLst>
+</file>
+
+<file path=ppt/tags/tag409.xml><?xml version="1.0" encoding="utf-8"?>
+<p:tagLst xmlns:a="http://schemas.openxmlformats.org/drawingml/2006/main" xmlns:r="http://schemas.openxmlformats.org/officeDocument/2006/relationships" xmlns:p="http://schemas.openxmlformats.org/presentationml/2006/main">
+  <p:tag name="KSO_WM_UNIT_ISCONTENTSTITLE" val="0"/>
+  <p:tag name="KSO_WM_UNIT_ISNUMDGMTITLE" val="0"/>
+  <p:tag name="KSO_WM_UNIT_NOCLEAR" val="0"/>
+  <p:tag name="KSO_WM_UNIT_VALUE" val="31"/>
+  <p:tag name="KSO_WM_UNIT_HIGHLIGHT" val="0"/>
+  <p:tag name="KSO_WM_UNIT_COMPATIBLE" val="0"/>
+  <p:tag name="KSO_WM_UNIT_DIAGRAM_ISNUMVISUAL" val="0"/>
+  <p:tag name="KSO_WM_UNIT_DIAGRAM_ISREFERUNIT" val="0"/>
+  <p:tag name="KSO_WM_UNIT_TYPE" val="a"/>
+  <p:tag name="KSO_WM_UNIT_INDEX" val="1"/>
+  <p:tag name="KSO_WM_UNIT_ID" val="diagram20211231_1*a*1"/>
+  <p:tag name="KSO_WM_TEMPLATE_CATEGORY" val="diagram"/>
+  <p:tag name="KSO_WM_TEMPLATE_INDEX" val="20211231"/>
+  <p:tag name="KSO_WM_UNIT_LAYERLEVEL" val="1"/>
+  <p:tag name="KSO_WM_TAG_VERSION" val="1.0"/>
+  <p:tag name="KSO_WM_BEAUTIFY_FLAG" val="#wm#"/>
+  <p:tag name="KSO_WM_UNIT_PRESET_TEXT" val="单击此处添加大标题内容"/>
+  <p:tag name="KSO_WM_UNIT_DEFAULT_FONT" val="24;44;4"/>
+  <p:tag name="KSO_WM_UNIT_BLOCK" val="0"/>
+  <p:tag name="KSO_WM_UNIT_SHOW_EDIT_AREA_INDICATION" val="1"/>
+  <p:tag name="KSO_WM_CHIP_GROUPID" val="5e7881253197e252a37019b5"/>
+  <p:tag name="KSO_WM_CHIP_XID" val="5e7881253197e252a37019b6"/>
+  <p:tag name="KSO_WM_UNIT_DEC_AREA_ID" val="62a523b3958648b4a1cc7177d0b8e417"/>
+  <p:tag name="KSO_WM_UNIT_DECORATE_INFO" val="{&quot;ReferentInfo&quot;:{&quot;Id&quot;:&quot;slide&quot;,&quot;X&quot;:{&quot;Pos&quot;:0},&quot;Y&quot;:{&quot;Pos&quot;:0}},&quot;DecorateInfoX&quot;:{&quot;Pos&quot;:0,&quot;IsAbs&quot;:false},&quot;DecorateInfoY&quot;:{&quot;Pos&quot;:0,&quot;IsAbs&quot;:false},&quot;DecorateInfoW&quot;:{&quot;IsAbs&quot;:false},&quot;DecorateInfoH&quot;:{&quot;IsAbs&quot;:false},&quot;whChangeMode&quot;:0}"/>
+  <p:tag name="KSO_WM_UNIT_SM_LIMIT_TYPE" val="2"/>
+  <p:tag name="KSO_WM_CHIP_FILLAREA_FILL_RULE" val="{&quot;fill_align&quot;:&quot;lm&quot;,&quot;fill_mode&quot;:&quot;full&quot;,&quot;sacle_strategy&quot;:&quot;smart&quot;}"/>
+  <p:tag name="KSO_WM_ASSEMBLE_CHIP_INDEX" val="4754dbc92c694e57a9b61d6e852ee504"/>
+  <p:tag name="KSO_WM_UNIT_TEXT_FILL_FORE_SCHEMECOLOR_INDEX_BRIGHTNESS" val="0"/>
+  <p:tag name="KSO_WM_UNIT_TEXT_FILL_FORE_SCHEMECOLOR_INDEX" val="13"/>
+  <p:tag name="KSO_WM_UNIT_TEXT_FILL_TYPE" val="1"/>
+  <p:tag name="KSO_WM_TEMPLATE_ASSEMBLE_XID" val="60656ea84054ed1e2fb7fd42"/>
+  <p:tag name="KSO_WM_TEMPLATE_ASSEMBLE_GROUPID" val="60656ea84054ed1e2fb7fd42"/>
+</p:tagLst>
+</file>
+
+<file path=ppt/tags/tag41.xml><?xml version="1.0" encoding="utf-8"?>
+<p:tagLst xmlns:a="http://schemas.openxmlformats.org/drawingml/2006/main" xmlns:r="http://schemas.openxmlformats.org/officeDocument/2006/relationships" xmlns:p="http://schemas.openxmlformats.org/presentationml/2006/main">
+  <p:tag name="KSO_WM_UNIT_HIGHLIGHT" val="0"/>
+  <p:tag name="KSO_WM_UNIT_COMPATIBLE" val="0"/>
+  <p:tag name="KSO_WM_UNIT_DIAGRAM_ISNUMVISUAL" val="0"/>
+  <p:tag name="KSO_WM_UNIT_DIAGRAM_ISREFERUNIT" val="0"/>
+  <p:tag name="KSO_WM_UNIT_ID" val="_7**"/>
+  <p:tag name="KSO_WM_UNIT_LAYERLEVEL" val="1"/>
+  <p:tag name="KSO_WM_TAG_VERSION" val="1.0"/>
+  <p:tag name="KSO_WM_BEAUTIFY_FLAG" val="#wm#"/>
+</p:tagLst>
+</file>
+
+<file path=ppt/tags/tag410.xml><?xml version="1.0" encoding="utf-8"?>
+<p:tagLst xmlns:a="http://schemas.openxmlformats.org/drawingml/2006/main" xmlns:r="http://schemas.openxmlformats.org/officeDocument/2006/relationships" xmlns:p="http://schemas.openxmlformats.org/presentationml/2006/main">
+  <p:tag name="KSO_WM_BEAUTIFY_FLAG" val="#wm#"/>
+  <p:tag name="KSO_WM_UNIT_TYPE" val="β"/>
+</p:tagLst>
+</file>
+
+<file path=ppt/tags/tag411.xml><?xml version="1.0" encoding="utf-8"?>
+<p:tagLst xmlns:a="http://schemas.openxmlformats.org/drawingml/2006/main" xmlns:r="http://schemas.openxmlformats.org/officeDocument/2006/relationships" xmlns:p="http://schemas.openxmlformats.org/presentationml/2006/main">
+  <p:tag name="KSO_WM_UNIT_HIGHLIGHT" val="0"/>
+  <p:tag name="KSO_WM_UNIT_COMPATIBLE" val="0"/>
+  <p:tag name="KSO_WM_UNIT_DIAGRAM_ISNUMVISUAL" val="0"/>
+  <p:tag name="KSO_WM_UNIT_DIAGRAM_ISREFERUNIT" val="0"/>
+  <p:tag name="KSO_WM_UNIT_TYPE" val="i"/>
+  <p:tag name="KSO_WM_UNIT_INDEX" val="9"/>
+  <p:tag name="KSO_WM_UNIT_ID" val="diagram20211231_1*i*9"/>
+  <p:tag name="KSO_WM_TEMPLATE_CATEGORY" val="diagram"/>
+  <p:tag name="KSO_WM_TEMPLATE_INDEX" val="20211231"/>
+  <p:tag name="KSO_WM_UNIT_LAYERLEVEL" val="1"/>
+  <p:tag name="KSO_WM_TAG_VERSION" val="1.0"/>
+  <p:tag name="KSO_WM_BEAUTIFY_FLAG" val="#wm#"/>
+  <p:tag name="KSO_WM_UNIT_SM_LIMIT_TYPE" val="2"/>
+  <p:tag name="KSO_WM_CHIP_GROUPID" val="5f5ee1ca4d6848d78f644aeb"/>
+  <p:tag name="KSO_WM_CHIP_XID" val="5f5f3b668e478fb0c58a9408"/>
+  <p:tag name="KSO_WM_UNIT_FILL_FORE_SCHEMECOLOR_INDEX_BRIGHTNESS" val="0"/>
+  <p:tag name="KSO_WM_UNIT_FILL_FORE_SCHEMECOLOR_INDEX" val="5"/>
+  <p:tag name="KSO_WM_UNIT_FILL_TYPE" val="1"/>
+  <p:tag name="KSO_WM_UNIT_TEXT_FILL_FORE_SCHEMECOLOR_INDEX_BRIGHTNESS" val="0"/>
+  <p:tag name="KSO_WM_UNIT_TEXT_FILL_FORE_SCHEMECOLOR_INDEX" val="2"/>
+  <p:tag name="KSO_WM_UNIT_TEXT_FILL_TYPE" val="1"/>
+  <p:tag name="KSO_WM_UNIT_VALUE" val="0"/>
+  <p:tag name="KSO_WM_TEMPLATE_ASSEMBLE_XID" val="60656ea84054ed1e2fb7fd42"/>
+  <p:tag name="KSO_WM_TEMPLATE_ASSEMBLE_GROUPID" val="60656ea84054ed1e2fb7fd42"/>
+</p:tagLst>
+</file>
+
+<file path=ppt/tags/tag412.xml><?xml version="1.0" encoding="utf-8"?>
+<p:tagLst xmlns:a="http://schemas.openxmlformats.org/drawingml/2006/main" xmlns:r="http://schemas.openxmlformats.org/officeDocument/2006/relationships" xmlns:p="http://schemas.openxmlformats.org/presentationml/2006/main">
+  <p:tag name="KSO_WM_UNIT_HIGHLIGHT" val="0"/>
+  <p:tag name="KSO_WM_UNIT_COMPATIBLE" val="0"/>
+  <p:tag name="KSO_WM_UNIT_DIAGRAM_ISNUMVISUAL" val="0"/>
+  <p:tag name="KSO_WM_UNIT_DIAGRAM_ISREFERUNIT" val="0"/>
+  <p:tag name="KSO_WM_UNIT_TYPE" val="i"/>
+  <p:tag name="KSO_WM_UNIT_INDEX" val="10"/>
+  <p:tag name="KSO_WM_UNIT_ID" val="diagram20211231_1*i*10"/>
+  <p:tag name="KSO_WM_TEMPLATE_CATEGORY" val="diagram"/>
+  <p:tag name="KSO_WM_TEMPLATE_INDEX" val="20211231"/>
+  <p:tag name="KSO_WM_UNIT_LAYERLEVEL" val="1"/>
+  <p:tag name="KSO_WM_TAG_VERSION" val="1.0"/>
+  <p:tag name="KSO_WM_BEAUTIFY_FLAG" val="#wm#"/>
+  <p:tag name="KSO_WM_UNIT_SM_LIMIT_TYPE" val="2"/>
+  <p:tag name="KSO_WM_CHIP_GROUPID" val="5f5ee1ca4d6848d78f644aeb"/>
+  <p:tag name="KSO_WM_CHIP_XID" val="5f5f3b668e478fb0c58a9408"/>
+  <p:tag name="KSO_WM_UNIT_FILL_FORE_SCHEMECOLOR_INDEX_BRIGHTNESS" val="0"/>
+  <p:tag name="KSO_WM_UNIT_FILL_FORE_SCHEMECOLOR_INDEX" val="5"/>
+  <p:tag name="KSO_WM_UNIT_FILL_TYPE" val="1"/>
+  <p:tag name="KSO_WM_UNIT_TEXT_FILL_FORE_SCHEMECOLOR_INDEX_BRIGHTNESS" val="0"/>
+  <p:tag name="KSO_WM_UNIT_TEXT_FILL_FORE_SCHEMECOLOR_INDEX" val="2"/>
+  <p:tag name="KSO_WM_UNIT_TEXT_FILL_TYPE" val="1"/>
+  <p:tag name="KSO_WM_UNIT_VALUE" val="0"/>
+  <p:tag name="KSO_WM_TEMPLATE_ASSEMBLE_XID" val="60656ea84054ed1e2fb7fd42"/>
+  <p:tag name="KSO_WM_TEMPLATE_ASSEMBLE_GROUPID" val="60656ea84054ed1e2fb7fd42"/>
+</p:tagLst>
+</file>
+
+<file path=ppt/tags/tag413.xml><?xml version="1.0" encoding="utf-8"?>
+<p:tagLst xmlns:a="http://schemas.openxmlformats.org/drawingml/2006/main" xmlns:r="http://schemas.openxmlformats.org/officeDocument/2006/relationships" xmlns:p="http://schemas.openxmlformats.org/presentationml/2006/main">
+  <p:tag name="KSO_WM_UNIT_HIGHLIGHT" val="0"/>
+  <p:tag name="KSO_WM_UNIT_COMPATIBLE" val="0"/>
+  <p:tag name="KSO_WM_UNIT_DIAGRAM_ISNUMVISUAL" val="0"/>
+  <p:tag name="KSO_WM_UNIT_DIAGRAM_ISREFERUNIT" val="0"/>
+  <p:tag name="KSO_WM_UNIT_TYPE" val="i"/>
+  <p:tag name="KSO_WM_UNIT_INDEX" val="11"/>
+  <p:tag name="KSO_WM_UNIT_ID" val="diagram20211231_1*i*11"/>
+  <p:tag name="KSO_WM_TEMPLATE_CATEGORY" val="diagram"/>
+  <p:tag name="KSO_WM_TEMPLATE_INDEX" val="20211231"/>
+  <p:tag name="KSO_WM_UNIT_LAYERLEVEL" val="1"/>
+  <p:tag name="KSO_WM_TAG_VERSION" val="1.0"/>
+  <p:tag name="KSO_WM_BEAUTIFY_FLAG" val="#wm#"/>
+  <p:tag name="KSO_WM_UNIT_SM_LIMIT_TYPE" val="2"/>
+  <p:tag name="KSO_WM_CHIP_GROUPID" val="5f5ee1ca4d6848d78f644aeb"/>
+  <p:tag name="KSO_WM_CHIP_XID" val="5f5f3b668e478fb0c58a9408"/>
+  <p:tag name="KSO_WM_UNIT_FILL_FORE_SCHEMECOLOR_INDEX_BRIGHTNESS" val="0"/>
+  <p:tag name="KSO_WM_UNIT_FILL_FORE_SCHEMECOLOR_INDEX" val="5"/>
+  <p:tag name="KSO_WM_UNIT_FILL_TYPE" val="1"/>
+  <p:tag name="KSO_WM_UNIT_TEXT_FILL_FORE_SCHEMECOLOR_INDEX_BRIGHTNESS" val="0"/>
+  <p:tag name="KSO_WM_UNIT_TEXT_FILL_FORE_SCHEMECOLOR_INDEX" val="2"/>
+  <p:tag name="KSO_WM_UNIT_TEXT_FILL_TYPE" val="1"/>
+  <p:tag name="KSO_WM_UNIT_VALUE" val="0"/>
+  <p:tag name="KSO_WM_TEMPLATE_ASSEMBLE_XID" val="60656ea84054ed1e2fb7fd42"/>
+  <p:tag name="KSO_WM_TEMPLATE_ASSEMBLE_GROUPID" val="60656ea84054ed1e2fb7fd42"/>
+</p:tagLst>
+</file>
+
+<file path=ppt/tags/tag414.xml><?xml version="1.0" encoding="utf-8"?>
+<p:tagLst xmlns:a="http://schemas.openxmlformats.org/drawingml/2006/main" xmlns:r="http://schemas.openxmlformats.org/officeDocument/2006/relationships" xmlns:p="http://schemas.openxmlformats.org/presentationml/2006/main">
+  <p:tag name="KSO_WM_UNIT_HIGHLIGHT" val="0"/>
+  <p:tag name="KSO_WM_UNIT_COMPATIBLE" val="0"/>
+  <p:tag name="KSO_WM_UNIT_DIAGRAM_ISNUMVISUAL" val="0"/>
+  <p:tag name="KSO_WM_UNIT_DIAGRAM_ISREFERUNIT" val="0"/>
+  <p:tag name="KSO_WM_UNIT_TYPE" val="i"/>
+  <p:tag name="KSO_WM_UNIT_INDEX" val="5"/>
+  <p:tag name="KSO_WM_UNIT_ID" val="diagram20211231_1*i*5"/>
+  <p:tag name="KSO_WM_TEMPLATE_CATEGORY" val="diagram"/>
+  <p:tag name="KSO_WM_TEMPLATE_INDEX" val="20211231"/>
+  <p:tag name="KSO_WM_UNIT_LAYERLEVEL" val="1"/>
+  <p:tag name="KSO_WM_TAG_VERSION" val="1.0"/>
+  <p:tag name="KSO_WM_BEAUTIFY_FLAG" val="#wm#"/>
+  <p:tag name="KSO_WM_UNIT_SM_LIMIT_TYPE" val="2"/>
+  <p:tag name="KSO_WM_CHIP_GROUPID" val="5f5ee1ca4d6848d78f644aeb"/>
+  <p:tag name="KSO_WM_CHIP_XID" val="5f5f3b668e478fb0c58a9408"/>
+  <p:tag name="KSO_WM_UNIT_FILL_FORE_SCHEMECOLOR_INDEX_BRIGHTNESS" val="0"/>
+  <p:tag name="KSO_WM_UNIT_FILL_FORE_SCHEMECOLOR_INDEX" val="5"/>
+  <p:tag name="KSO_WM_UNIT_FILL_TYPE" val="1"/>
+  <p:tag name="KSO_WM_UNIT_TEXT_FILL_FORE_SCHEMECOLOR_INDEX_BRIGHTNESS" val="0"/>
+  <p:tag name="KSO_WM_UNIT_TEXT_FILL_FORE_SCHEMECOLOR_INDEX" val="2"/>
+  <p:tag name="KSO_WM_UNIT_TEXT_FILL_TYPE" val="1"/>
+  <p:tag name="KSO_WM_UNIT_VALUE" val="0"/>
+  <p:tag name="KSO_WM_TEMPLATE_ASSEMBLE_XID" val="60656ea84054ed1e2fb7fd42"/>
+  <p:tag name="KSO_WM_TEMPLATE_ASSEMBLE_GROUPID" val="60656ea84054ed1e2fb7fd42"/>
+</p:tagLst>
+</file>
+
+<file path=ppt/tags/tag415.xml><?xml version="1.0" encoding="utf-8"?>
+<p:tagLst xmlns:a="http://schemas.openxmlformats.org/drawingml/2006/main" xmlns:r="http://schemas.openxmlformats.org/officeDocument/2006/relationships" xmlns:p="http://schemas.openxmlformats.org/presentationml/2006/main">
+  <p:tag name="KSO_WM_UNIT_HIGHLIGHT" val="0"/>
+  <p:tag name="KSO_WM_UNIT_COMPATIBLE" val="0"/>
+  <p:tag name="KSO_WM_UNIT_DIAGRAM_ISNUMVISUAL" val="0"/>
+  <p:tag name="KSO_WM_UNIT_DIAGRAM_ISREFERUNIT" val="0"/>
+  <p:tag name="KSO_WM_UNIT_TYPE" val="i"/>
+  <p:tag name="KSO_WM_UNIT_INDEX" val="6"/>
+  <p:tag name="KSO_WM_UNIT_ID" val="diagram20211231_1*i*6"/>
+  <p:tag name="KSO_WM_TEMPLATE_CATEGORY" val="diagram"/>
+  <p:tag name="KSO_WM_TEMPLATE_INDEX" val="20211231"/>
+  <p:tag name="KSO_WM_UNIT_LAYERLEVEL" val="1"/>
+  <p:tag name="KSO_WM_TAG_VERSION" val="1.0"/>
+  <p:tag name="KSO_WM_BEAUTIFY_FLAG" val="#wm#"/>
+  <p:tag name="KSO_WM_UNIT_SM_LIMIT_TYPE" val="2"/>
+  <p:tag name="KSO_WM_CHIP_GROUPID" val="5f5ee1ca4d6848d78f644aeb"/>
+  <p:tag name="KSO_WM_CHIP_XID" val="5f5f3b668e478fb0c58a9408"/>
+  <p:tag name="KSO_WM_UNIT_FILL_FORE_SCHEMECOLOR_INDEX_BRIGHTNESS" val="0"/>
+  <p:tag name="KSO_WM_UNIT_FILL_FORE_SCHEMECOLOR_INDEX" val="5"/>
+  <p:tag name="KSO_WM_UNIT_FILL_TYPE" val="1"/>
+  <p:tag name="KSO_WM_UNIT_TEXT_FILL_FORE_SCHEMECOLOR_INDEX_BRIGHTNESS" val="0"/>
+  <p:tag name="KSO_WM_UNIT_TEXT_FILL_FORE_SCHEMECOLOR_INDEX" val="2"/>
+  <p:tag name="KSO_WM_UNIT_TEXT_FILL_TYPE" val="1"/>
+  <p:tag name="KSO_WM_UNIT_VALUE" val="0"/>
+  <p:tag name="KSO_WM_TEMPLATE_ASSEMBLE_XID" val="60656ea84054ed1e2fb7fd42"/>
+  <p:tag name="KSO_WM_TEMPLATE_ASSEMBLE_GROUPID" val="60656ea84054ed1e2fb7fd42"/>
+</p:tagLst>
+</file>
+
+<file path=ppt/tags/tag416.xml><?xml version="1.0" encoding="utf-8"?>
+<p:tagLst xmlns:a="http://schemas.openxmlformats.org/drawingml/2006/main" xmlns:r="http://schemas.openxmlformats.org/officeDocument/2006/relationships" xmlns:p="http://schemas.openxmlformats.org/presentationml/2006/main">
+  <p:tag name="KSO_WM_UNIT_HIGHLIGHT" val="0"/>
+  <p:tag name="KSO_WM_UNIT_COMPATIBLE" val="0"/>
+  <p:tag name="KSO_WM_UNIT_DIAGRAM_ISNUMVISUAL" val="0"/>
+  <p:tag name="KSO_WM_UNIT_DIAGRAM_ISREFERUNIT" val="0"/>
+  <p:tag name="KSO_WM_UNIT_TYPE" val="i"/>
+  <p:tag name="KSO_WM_UNIT_INDEX" val="7"/>
+  <p:tag name="KSO_WM_UNIT_ID" val="diagram20211231_1*i*7"/>
+  <p:tag name="KSO_WM_TEMPLATE_CATEGORY" val="diagram"/>
+  <p:tag name="KSO_WM_TEMPLATE_INDEX" val="20211231"/>
+  <p:tag name="KSO_WM_UNIT_LAYERLEVEL" val="1"/>
+  <p:tag name="KSO_WM_TAG_VERSION" val="1.0"/>
+  <p:tag name="KSO_WM_BEAUTIFY_FLAG" val="#wm#"/>
+  <p:tag name="KSO_WM_UNIT_SM_LIMIT_TYPE" val="2"/>
+  <p:tag name="KSO_WM_CHIP_GROUPID" val="5f5ee1ca4d6848d78f644aeb"/>
+  <p:tag name="KSO_WM_CHIP_XID" val="5f5f3b668e478fb0c58a9408"/>
+  <p:tag name="KSO_WM_UNIT_FILL_FORE_SCHEMECOLOR_INDEX_BRIGHTNESS" val="0"/>
+  <p:tag name="KSO_WM_UNIT_FILL_FORE_SCHEMECOLOR_INDEX" val="5"/>
+  <p:tag name="KSO_WM_UNIT_FILL_TYPE" val="1"/>
+  <p:tag name="KSO_WM_UNIT_TEXT_FILL_FORE_SCHEMECOLOR_INDEX_BRIGHTNESS" val="0"/>
+  <p:tag name="KSO_WM_UNIT_TEXT_FILL_FORE_SCHEMECOLOR_INDEX" val="2"/>
+  <p:tag name="KSO_WM_UNIT_TEXT_FILL_TYPE" val="1"/>
+  <p:tag name="KSO_WM_UNIT_VALUE" val="0"/>
+  <p:tag name="KSO_WM_TEMPLATE_ASSEMBLE_XID" val="60656ea84054ed1e2fb7fd42"/>
+  <p:tag name="KSO_WM_TEMPLATE_ASSEMBLE_GROUPID" val="60656ea84054ed1e2fb7fd42"/>
+</p:tagLst>
+</file>
+
+<file path=ppt/tags/tag417.xml><?xml version="1.0" encoding="utf-8"?>
+<p:tagLst xmlns:a="http://schemas.openxmlformats.org/drawingml/2006/main" xmlns:r="http://schemas.openxmlformats.org/officeDocument/2006/relationships" xmlns:p="http://schemas.openxmlformats.org/presentationml/2006/main">
+  <p:tag name="KSO_WM_BEAUTIFY_FLAG" val="#wm#"/>
+  <p:tag name="KSO_WM_TEMPLATE_CATEGORY" val="diagram"/>
+  <p:tag name="KSO_WM_TEMPLATE_INDEX" val="20212713"/>
+  <p:tag name="KSO_WM_SLIDE_ID" val="diagram20212713_1"/>
+  <p:tag name="KSO_WM_TEMPLATE_SUBCATEGORY" val="21"/>
+  <p:tag name="KSO_WM_TEMPLATE_MASTER_TYPE" val="0"/>
+  <p:tag name="KSO_WM_TEMPLATE_COLOR_TYPE" val="1"/>
+  <p:tag name="KSO_WM_SLIDE_TYPE" val="text"/>
+  <p:tag name="KSO_WM_SLIDE_SUBTYPE" val="pureTxt"/>
+  <p:tag name="KSO_WM_SLIDE_ITEM_CNT" val="0"/>
+  <p:tag name="KSO_WM_SLIDE_INDEX" val="1"/>
+  <p:tag name="KSO_WM_SLIDE_SIZE" val="864*444"/>
+  <p:tag name="KSO_WM_SLIDE_POSITION" val="47*48"/>
+  <p:tag name="KSO_WM_TAG_VERSION" val="1.0"/>
+  <p:tag name="KSO_WM_SLIDE_LAYOUT" val="a_f"/>
+  <p:tag name="KSO_WM_SLIDE_LAYOUT_CNT" val="1_1"/>
+  <p:tag name="KSO_WM_SLIDE_LAYOUT_INFO" val="{&quot;backgroundInfo&quot;:[{&quot;bottom&quot;:0,&quot;bottomAbs&quot;:false,&quot;left&quot;:0,&quot;leftAbs&quot;:false,&quot;right&quot;:0,&quot;rightAbs&quot;:false,&quot;top&quot;:0,&quot;topAbs&quot;:false,&quot;type&quot;:&quot;general&quot;}],&quot;id&quot;:&quot;2021-04-01T15:43:53&quot;,&quot;maxSize&quot;:{&quot;size1&quot;:26.7},&quot;minSize&quot;:{&quot;size1&quot;:17.9},&quot;normalSize&quot;:{&quot;size1&quot;:17.9},&quot;subLayout&quot;:[{&quot;id&quot;:&quot;2021-04-01T15:43:53&quot;,&quot;margin&quot;:{&quot;bottom&quot;:0.0260000042617321,&quot;left&quot;:2.9629998207092285,&quot;right&quot;:2.5399999618530273,&quot;top&quot;:1.6929999589920044},&quot;type&quot;:0},{&quot;id&quot;:&quot;2021-04-01T15:43:53&quot;,&quot;margin&quot;:{&quot;bottom&quot;:2.5399999618530273,&quot;left&quot;:2.5399999618530273,&quot;right&quot;:2.5399999618530273,&quot;top&quot;:1.6670000553131104},&quot;type&quot;:0}],&quot;type&quot;:0}"/>
+  <p:tag name="KSO_WM_SLIDE_BACKGROUND" val="[&quot;general&quot;]"/>
+  <p:tag name="KSO_WM_SLIDE_RATIO" val="1.777778"/>
+  <p:tag name="KSO_WM_CHIP_INFOS" val="{&quot;type&quot;:0,&quot;layout_type&quot;:&quot;topbottom&quot;,&quot;layout_feature&quot;:1,&quot;aspect_ratio&quot;:&quot;16:9&quot;,&quot;same_font_size&quot;:false,&quot;diagram&quot;:{&quot;type&quot;:[],&quot;direction&quot;:0,&quot;isSupportDecBetweenItems&quot;:false},&quot;tags&quot;:{&quot;style&quot;:[&quot;商务&quot;,&quot;简约&quot;,&quot;文艺清新&quot;,&quot;中国风&quot;,&quot;卡通&quot;,&quot;欧美风&quot;,&quot;黑板风&quot;,&quot;渐变风&quot;,&quot;党政风&quot;]},&quot;slide_type&quot;:[&quot;text&quot;]}"/>
+  <p:tag name="KSO_WM_CHIP_XID" val="5f708c7a747e3ea6e292a7fc"/>
+  <p:tag name="KSO_WM_CHIP_FILLPROP" val="[[{&quot;text_align&quot;:&quot;lt&quot;,&quot;text_direction&quot;:&quot;horizontal&quot;,&quot;support_big_font&quot;:false,&quot;picture_toward&quot;:0,&quot;picture_dockside&quot;:[],&quot;fill_id&quot;:&quot;577fb6fb92184a2fb8c769fd05bb9d24&quot;,&quot;fill_align&quot;:&quot;lt&quot;,&quot;chip_types&quot;:[&quot;header&quot;]},{&quot;text_align&quot;:&quot;lm&quot;,&quot;text_direction&quot;:&quot;horizontal&quot;,&quot;support_features&quot;:[&quot;collage&quot;,&quot;carousel&quot;],&quot;support_big_font&quot;:false,&quot;picture_toward&quot;:0,&quot;picture_dockside&quot;:[],&quot;fill_id&quot;:&quot;ca3f0f9c0eb4416e9bcff006547ecf8f&quot;,&quot;fill_align&quot;:&quot;cm&quot;,&quot;chip_types&quot;:[&quot;diagram&quot;,&quot;text&quot;,&quot;picture&quot;,&quot;chart&quot;,&quot;table&quot;,&quot;video&quot;]}]]"/>
+  <p:tag name="KSO_WM_CHIP_DECFILLPROP" val="[]"/>
+  <p:tag name="KSO_WM_SLIDE_CAN_ADD_NAVIGATION" val="1"/>
+  <p:tag name="KSO_WM_CHIP_GROUPID" val="5f708c7a747e3ea6e292a7fb"/>
+  <p:tag name="KSO_WM_SLIDE_BACKGROUND_TYPE" val="general"/>
+  <p:tag name="KSO_WM_SLIDE_SUPPORT_FEATURE_TYPE" val="0"/>
+  <p:tag name="KSO_WM_TEMPLATE_ASSEMBLE_XID" val="60656f644054ed1e2fb80930"/>
+  <p:tag name="KSO_WM_TEMPLATE_ASSEMBLE_GROUPID" val="60656f644054ed1e2fb80930"/>
+</p:tagLst>
+</file>
+
+<file path=ppt/tags/tag418.xml><?xml version="1.0" encoding="utf-8"?>
+<p:tagLst xmlns:a="http://schemas.openxmlformats.org/drawingml/2006/main" xmlns:r="http://schemas.openxmlformats.org/officeDocument/2006/relationships" xmlns:p="http://schemas.openxmlformats.org/presentationml/2006/main">
+  <p:tag name="KSO_WM_UNIT_HIGHLIGHT" val="0"/>
+  <p:tag name="KSO_WM_UNIT_COMPATIBLE" val="0"/>
+  <p:tag name="KSO_WM_UNIT_DIAGRAM_ISNUMVISUAL" val="0"/>
+  <p:tag name="KSO_WM_UNIT_DIAGRAM_ISREFERUNIT" val="0"/>
+  <p:tag name="KSO_WM_UNIT_ID" val="_12**"/>
+  <p:tag name="KSO_WM_UNIT_LAYERLEVEL" val="1"/>
+  <p:tag name="KSO_WM_TAG_VERSION" val="1.0"/>
+  <p:tag name="KSO_WM_BEAUTIFY_FLAG" val="#wm#"/>
+  <p:tag name="KSO_WM_SLIDE_BACKGROUND_TYPE" val="general"/>
+  <p:tag name="KSO_WM_UNIT_TYPE" val="i"/>
+  <p:tag name="KSO_WM_UNIT_FILL_FORE_SCHEMECOLOR_INDEX_1_BRIGHTNESS" val="0"/>
+  <p:tag name="KSO_WM_UNIT_FILL_FORE_SCHEMECOLOR_INDEX_1" val="16"/>
+  <p:tag name="KSO_WM_UNIT_FILL_FORE_SCHEMECOLOR_INDEX_1_POS" val="0"/>
+  <p:tag name="KSO_WM_UNIT_FILL_FORE_SCHEMECOLOR_INDEX_1_TRANS" val="0.9"/>
+  <p:tag name="KSO_WM_UNIT_FILL_FORE_SCHEMECOLOR_INDEX_2_BRIGHTNESS" val="-0.1"/>
+  <p:tag name="KSO_WM_UNIT_FILL_FORE_SCHEMECOLOR_INDEX_2" val="15"/>
+  <p:tag name="KSO_WM_UNIT_FILL_FORE_SCHEMECOLOR_INDEX_2_POS" val="1"/>
+  <p:tag name="KSO_WM_UNIT_FILL_FORE_SCHEMECOLOR_INDEX_2_TRANS" val="0.76"/>
+  <p:tag name="KSO_WM_UNIT_FILL_GRADIENT_TYPE" val="0"/>
+  <p:tag name="KSO_WM_UNIT_FILL_GRADIENT_ANGLE" val="90"/>
+  <p:tag name="KSO_WM_UNIT_FILL_GRADIENT_DIRECTION" val="1"/>
+  <p:tag name="KSO_WM_UNIT_FILL_TYPE" val="3"/>
+  <p:tag name="KSO_WM_UNIT_TEXT_FILL_FORE_SCHEMECOLOR_INDEX_BRIGHTNESS" val="0"/>
+  <p:tag name="KSO_WM_UNIT_TEXT_FILL_FORE_SCHEMECOLOR_INDEX" val="2"/>
+  <p:tag name="KSO_WM_UNIT_TEXT_FILL_TYPE" val="1"/>
+</p:tagLst>
+</file>
+
+<file path=ppt/tags/tag419.xml><?xml version="1.0" encoding="utf-8"?>
+<p:tagLst xmlns:a="http://schemas.openxmlformats.org/drawingml/2006/main" xmlns:r="http://schemas.openxmlformats.org/officeDocument/2006/relationships" xmlns:p="http://schemas.openxmlformats.org/presentationml/2006/main">
+  <p:tag name="KSO_WM_UNIT_HIGHLIGHT" val="0"/>
+  <p:tag name="KSO_WM_UNIT_COMPATIBLE" val="0"/>
+  <p:tag name="KSO_WM_UNIT_DIAGRAM_ISNUMVISUAL" val="0"/>
+  <p:tag name="KSO_WM_UNIT_DIAGRAM_ISREFERUNIT" val="0"/>
+  <p:tag name="KSO_WM_UNIT_ID" val="_12**"/>
+  <p:tag name="KSO_WM_UNIT_LAYERLEVEL" val="1"/>
+  <p:tag name="KSO_WM_TAG_VERSION" val="1.0"/>
+  <p:tag name="KSO_WM_BEAUTIFY_FLAG" val="#wm#"/>
+  <p:tag name="KSO_WM_SLIDE_BACKGROUND_TYPE" val="general"/>
+  <p:tag name="KSO_WM_UNIT_TYPE" val="i"/>
+  <p:tag name="KSO_WM_UNIT_FILL_FORE_SCHEMECOLOR_INDEX_1_BRIGHTNESS" val="0"/>
+  <p:tag name="KSO_WM_UNIT_FILL_FORE_SCHEMECOLOR_INDEX_1" val="16"/>
+  <p:tag name="KSO_WM_UNIT_FILL_FORE_SCHEMECOLOR_INDEX_1_POS" val="0"/>
+  <p:tag name="KSO_WM_UNIT_FILL_FORE_SCHEMECOLOR_INDEX_1_TRANS" val="0.9"/>
+  <p:tag name="KSO_WM_UNIT_FILL_FORE_SCHEMECOLOR_INDEX_2_BRIGHTNESS" val="-0.1"/>
+  <p:tag name="KSO_WM_UNIT_FILL_FORE_SCHEMECOLOR_INDEX_2" val="15"/>
+  <p:tag name="KSO_WM_UNIT_FILL_FORE_SCHEMECOLOR_INDEX_2_POS" val="1"/>
+  <p:tag name="KSO_WM_UNIT_FILL_FORE_SCHEMECOLOR_INDEX_2_TRANS" val="0.76"/>
+  <p:tag name="KSO_WM_UNIT_FILL_GRADIENT_TYPE" val="0"/>
+  <p:tag name="KSO_WM_UNIT_FILL_GRADIENT_ANGLE" val="90"/>
+  <p:tag name="KSO_WM_UNIT_FILL_GRADIENT_DIRECTION" val="1"/>
+  <p:tag name="KSO_WM_UNIT_FILL_TYPE" val="3"/>
+  <p:tag name="KSO_WM_UNIT_TEXT_FILL_FORE_SCHEMECOLOR_INDEX_BRIGHTNESS" val="0"/>
+  <p:tag name="KSO_WM_UNIT_TEXT_FILL_FORE_SCHEMECOLOR_INDEX" val="2"/>
+  <p:tag name="KSO_WM_UNIT_TEXT_FILL_TYPE" val="1"/>
+</p:tagLst>
+</file>
+
+<file path=ppt/tags/tag42.xml><?xml version="1.0" encoding="utf-8"?>
+<p:tagLst xmlns:a="http://schemas.openxmlformats.org/drawingml/2006/main" xmlns:r="http://schemas.openxmlformats.org/officeDocument/2006/relationships" xmlns:p="http://schemas.openxmlformats.org/presentationml/2006/main">
+  <p:tag name="KSO_WM_UNIT_HIGHLIGHT" val="0"/>
+  <p:tag name="KSO_WM_UNIT_COMPATIBLE" val="0"/>
+  <p:tag name="KSO_WM_UNIT_DIAGRAM_ISNUMVISUAL" val="0"/>
+  <p:tag name="KSO_WM_UNIT_DIAGRAM_ISREFERUNIT" val="0"/>
+  <p:tag name="KSO_WM_UNIT_ID" val="_7**"/>
+  <p:tag name="KSO_WM_UNIT_LAYERLEVEL" val="1"/>
+  <p:tag name="KSO_WM_TAG_VERSION" val="1.0"/>
+  <p:tag name="KSO_WM_BEAUTIFY_FLAG" val="#wm#"/>
+</p:tagLst>
+</file>
+
+<file path=ppt/tags/tag420.xml><?xml version="1.0" encoding="utf-8"?>
+<p:tagLst xmlns:a="http://schemas.openxmlformats.org/drawingml/2006/main" xmlns:r="http://schemas.openxmlformats.org/officeDocument/2006/relationships" xmlns:p="http://schemas.openxmlformats.org/presentationml/2006/main">
+  <p:tag name="KSO_WM_UNIT_HIGHLIGHT" val="0"/>
+  <p:tag name="KSO_WM_UNIT_COMPATIBLE" val="0"/>
+  <p:tag name="KSO_WM_UNIT_DIAGRAM_ISNUMVISUAL" val="0"/>
+  <p:tag name="KSO_WM_UNIT_DIAGRAM_ISREFERUNIT" val="0"/>
+  <p:tag name="KSO_WM_UNIT_TYPE" val="i"/>
   <p:tag name="KSO_WM_UNIT_INDEX" val="1"/>
   <p:tag name="KSO_WM_UNIT_ID" val="diagram20212713_1*i*1"/>
   <p:tag name="KSO_WM_TEMPLATE_CATEGORY" val="diagram"/>
@@ -41905,7 +42157,44 @@
 </p:tagLst>
 </file>
 
-<file path=ppt/tags/tag403.xml><?xml version="1.0" encoding="utf-8"?>
+<file path=ppt/tags/tag421.xml><?xml version="1.0" encoding="utf-8"?>
+<p:tagLst xmlns:a="http://schemas.openxmlformats.org/drawingml/2006/main" xmlns:r="http://schemas.openxmlformats.org/officeDocument/2006/relationships" xmlns:p="http://schemas.openxmlformats.org/presentationml/2006/main">
+  <p:tag name="KSO_WM_UNIT_ISCONTENTSTITLE" val="0"/>
+  <p:tag name="KSO_WM_UNIT_ISNUMDGMTITLE" val="0"/>
+  <p:tag name="KSO_WM_UNIT_NOCLEAR" val="0"/>
+  <p:tag name="KSO_WM_UNIT_VALUE" val="28"/>
+  <p:tag name="KSO_WM_UNIT_HIGHLIGHT" val="0"/>
+  <p:tag name="KSO_WM_UNIT_COMPATIBLE" val="0"/>
+  <p:tag name="KSO_WM_UNIT_DIAGRAM_ISNUMVISUAL" val="0"/>
+  <p:tag name="KSO_WM_UNIT_DIAGRAM_ISREFERUNIT" val="0"/>
+  <p:tag name="KSO_WM_UNIT_TYPE" val="a"/>
+  <p:tag name="KSO_WM_UNIT_INDEX" val="1"/>
+  <p:tag name="KSO_WM_UNIT_ID" val="diagram20212713_1*a*1"/>
+  <p:tag name="KSO_WM_TEMPLATE_CATEGORY" val="diagram"/>
+  <p:tag name="KSO_WM_TEMPLATE_INDEX" val="20212713"/>
+  <p:tag name="KSO_WM_UNIT_LAYERLEVEL" val="1"/>
+  <p:tag name="KSO_WM_TAG_VERSION" val="1.0"/>
+  <p:tag name="KSO_WM_BEAUTIFY_FLAG" val="#wm#"/>
+  <p:tag name="KSO_WM_UNIT_PRESET_TEXT" val="单击此处添加大标题内容"/>
+  <p:tag name="KSO_WM_UNIT_DEFAULT_FONT" val="24;44;4"/>
+  <p:tag name="KSO_WM_UNIT_BLOCK" val="0"/>
+  <p:tag name="KSO_WM_UNIT_SHOW_EDIT_AREA_INDICATION" val="1"/>
+  <p:tag name="KSO_WM_CHIP_GROUPID" val="5e7881253197e252a37019b5"/>
+  <p:tag name="KSO_WM_CHIP_XID" val="5e7881253197e252a37019b6"/>
+  <p:tag name="KSO_WM_UNIT_DEC_AREA_ID" val="8813dededcd94f83be1334e61bb4760c"/>
+  <p:tag name="KSO_WM_UNIT_DECORATE_INFO" val="{&quot;ReferentInfo&quot;:{&quot;Id&quot;:&quot;slide&quot;,&quot;X&quot;:{&quot;Pos&quot;:0},&quot;Y&quot;:{&quot;Pos&quot;:0}},&quot;DecorateInfoX&quot;:{&quot;Pos&quot;:0,&quot;IsAbs&quot;:false},&quot;DecorateInfoY&quot;:{&quot;Pos&quot;:0,&quot;IsAbs&quot;:false},&quot;DecorateInfoW&quot;:{&quot;IsAbs&quot;:false},&quot;DecorateInfoH&quot;:{&quot;IsAbs&quot;:false},&quot;whChangeMode&quot;:0}"/>
+  <p:tag name="KSO_WM_UNIT_SM_LIMIT_TYPE" val="2"/>
+  <p:tag name="KSO_WM_CHIP_FILLAREA_FILL_RULE" val="{&quot;fill_align&quot;:&quot;lt&quot;,&quot;fill_mode&quot;:&quot;full&quot;,&quot;sacle_strategy&quot;:&quot;smart&quot;}"/>
+  <p:tag name="KSO_WM_ASSEMBLE_CHIP_INDEX" val="fba21aa6e7b04473ad95be895e1428b6"/>
+  <p:tag name="KSO_WM_UNIT_TEXT_FILL_FORE_SCHEMECOLOR_INDEX_BRIGHTNESS" val="0"/>
+  <p:tag name="KSO_WM_UNIT_TEXT_FILL_FORE_SCHEMECOLOR_INDEX" val="13"/>
+  <p:tag name="KSO_WM_UNIT_TEXT_FILL_TYPE" val="1"/>
+  <p:tag name="KSO_WM_TEMPLATE_ASSEMBLE_XID" val="60656f644054ed1e2fb80930"/>
+  <p:tag name="KSO_WM_TEMPLATE_ASSEMBLE_GROUPID" val="60656f644054ed1e2fb80930"/>
+</p:tagLst>
+</file>
+
+<file path=ppt/tags/tag422.xml><?xml version="1.0" encoding="utf-8"?>
 <p:tagLst xmlns:a="http://schemas.openxmlformats.org/drawingml/2006/main" xmlns:r="http://schemas.openxmlformats.org/officeDocument/2006/relationships" xmlns:p="http://schemas.openxmlformats.org/presentationml/2006/main">
   <p:tag name="KSO_WM_UNIT_TEXT_SUBTYPE" val="a"/>
   <p:tag name="KSO_WM_UNIT_SUBTYPE" val="a"/>
@@ -41943,7 +42232,133 @@
 </p:tagLst>
 </file>
 
-<file path=ppt/tags/tag404.xml><?xml version="1.0" encoding="utf-8"?>
+<file path=ppt/tags/tag423.xml><?xml version="1.0" encoding="utf-8"?>
+<p:tagLst xmlns:a="http://schemas.openxmlformats.org/drawingml/2006/main" xmlns:r="http://schemas.openxmlformats.org/officeDocument/2006/relationships" xmlns:p="http://schemas.openxmlformats.org/presentationml/2006/main">
+  <p:tag name="KSO_WM_UNIT_HIGHLIGHT" val="0"/>
+  <p:tag name="KSO_WM_UNIT_COMPATIBLE" val="0"/>
+  <p:tag name="KSO_WM_UNIT_DIAGRAM_ISNUMVISUAL" val="0"/>
+  <p:tag name="KSO_WM_UNIT_DIAGRAM_ISREFERUNIT" val="0"/>
+  <p:tag name="KSO_WM_UNIT_TYPE" val="i"/>
+  <p:tag name="KSO_WM_UNIT_INDEX" val="2"/>
+  <p:tag name="KSO_WM_UNIT_ID" val="diagram20212713_1*i*2"/>
+  <p:tag name="KSO_WM_TEMPLATE_CATEGORY" val="diagram"/>
+  <p:tag name="KSO_WM_TEMPLATE_INDEX" val="20212713"/>
+  <p:tag name="KSO_WM_UNIT_LAYERLEVEL" val="1"/>
+  <p:tag name="KSO_WM_TAG_VERSION" val="1.0"/>
+  <p:tag name="KSO_WM_BEAUTIFY_FLAG" val="#wm#"/>
+  <p:tag name="KSO_WM_UNIT_BLOCK" val="0"/>
+  <p:tag name="KSO_WM_UNIT_SM_LIMIT_TYPE" val="2"/>
+  <p:tag name="KSO_WM_UNIT_DEC_AREA_ID" val="ab9e3ede4f02433781ee8c4bc865c252"/>
+  <p:tag name="KSO_WM_UNIT_DECORATE_INFO" val="{&quot;ReferentInfo&quot;:{&quot;Id&quot;:&quot;slide&quot;,&quot;X&quot;:{&quot;Pos&quot;:0},&quot;Y&quot;:{&quot;Pos&quot;:0}},&quot;DecorateInfoX&quot;:{&quot;Pos&quot;:0,&quot;IsAbs&quot;:false},&quot;DecorateInfoY&quot;:{&quot;Pos&quot;:0,&quot;IsAbs&quot;:false},&quot;DecorateInfoW&quot;:{&quot;IsAbs&quot;:false},&quot;DecorateInfoH&quot;:{&quot;IsAbs&quot;:false},&quot;whChangeMode&quot;:1}"/>
+  <p:tag name="KSO_WM_CHIP_GROUPID" val="5f708c7a747e3ea6e292a7fb"/>
+  <p:tag name="KSO_WM_CHIP_XID" val="5f708c7a747e3ea6e292a7fc"/>
+  <p:tag name="KSO_WM_UNIT_FILL_FORE_SCHEMECOLOR_INDEX_BRIGHTNESS" val="0"/>
+  <p:tag name="KSO_WM_UNIT_FILL_FORE_SCHEMECOLOR_INDEX" val="5"/>
+  <p:tag name="KSO_WM_UNIT_FILL_TYPE" val="1"/>
+  <p:tag name="KSO_WM_UNIT_TEXT_FILL_FORE_SCHEMECOLOR_INDEX_BRIGHTNESS" val="0"/>
+  <p:tag name="KSO_WM_UNIT_TEXT_FILL_FORE_SCHEMECOLOR_INDEX" val="2"/>
+  <p:tag name="KSO_WM_UNIT_TEXT_FILL_TYPE" val="1"/>
+  <p:tag name="KSO_WM_UNIT_VALUE" val="0"/>
+  <p:tag name="KSO_WM_TEMPLATE_ASSEMBLE_XID" val="60656f644054ed1e2fb80930"/>
+  <p:tag name="KSO_WM_TEMPLATE_ASSEMBLE_GROUPID" val="60656f644054ed1e2fb80930"/>
+</p:tagLst>
+</file>
+
+<file path=ppt/tags/tag424.xml><?xml version="1.0" encoding="utf-8"?>
+<p:tagLst xmlns:a="http://schemas.openxmlformats.org/drawingml/2006/main" xmlns:r="http://schemas.openxmlformats.org/officeDocument/2006/relationships" xmlns:p="http://schemas.openxmlformats.org/presentationml/2006/main">
+  <p:tag name="KSO_WM_BEAUTIFY_FLAG" val="#wm#"/>
+  <p:tag name="KSO_WM_TEMPLATE_CATEGORY" val="diagram"/>
+  <p:tag name="KSO_WM_TEMPLATE_INDEX" val="20212713"/>
+  <p:tag name="KSO_WM_SLIDE_ID" val="diagram20212713_1"/>
+  <p:tag name="KSO_WM_TEMPLATE_SUBCATEGORY" val="21"/>
+  <p:tag name="KSO_WM_TEMPLATE_MASTER_TYPE" val="0"/>
+  <p:tag name="KSO_WM_TEMPLATE_COLOR_TYPE" val="1"/>
+  <p:tag name="KSO_WM_SLIDE_TYPE" val="text"/>
+  <p:tag name="KSO_WM_SLIDE_SUBTYPE" val="pureTxt"/>
+  <p:tag name="KSO_WM_SLIDE_ITEM_CNT" val="0"/>
+  <p:tag name="KSO_WM_SLIDE_INDEX" val="1"/>
+  <p:tag name="KSO_WM_SLIDE_SIZE" val="864*444"/>
+  <p:tag name="KSO_WM_SLIDE_POSITION" val="47*48"/>
+  <p:tag name="KSO_WM_TAG_VERSION" val="1.0"/>
+  <p:tag name="KSO_WM_SLIDE_LAYOUT" val="a_f"/>
+  <p:tag name="KSO_WM_SLIDE_LAYOUT_CNT" val="1_1"/>
+  <p:tag name="KSO_WM_SLIDE_LAYOUT_INFO" val="{&quot;backgroundInfo&quot;:[{&quot;bottom&quot;:0,&quot;bottomAbs&quot;:false,&quot;left&quot;:0,&quot;leftAbs&quot;:false,&quot;right&quot;:0,&quot;rightAbs&quot;:false,&quot;top&quot;:0,&quot;topAbs&quot;:false,&quot;type&quot;:&quot;general&quot;}],&quot;id&quot;:&quot;2021-04-01T15:43:53&quot;,&quot;maxSize&quot;:{&quot;size1&quot;:26.7},&quot;minSize&quot;:{&quot;size1&quot;:17.9},&quot;normalSize&quot;:{&quot;size1&quot;:17.9},&quot;subLayout&quot;:[{&quot;id&quot;:&quot;2021-04-01T15:43:53&quot;,&quot;margin&quot;:{&quot;bottom&quot;:0.0260000042617321,&quot;left&quot;:2.9629998207092285,&quot;right&quot;:2.5399999618530273,&quot;top&quot;:1.6929999589920044},&quot;type&quot;:0},{&quot;id&quot;:&quot;2021-04-01T15:43:53&quot;,&quot;margin&quot;:{&quot;bottom&quot;:2.5399999618530273,&quot;left&quot;:2.5399999618530273,&quot;right&quot;:2.5399999618530273,&quot;top&quot;:1.6670000553131104},&quot;type&quot;:0}],&quot;type&quot;:0}"/>
+  <p:tag name="KSO_WM_SLIDE_BACKGROUND" val="[&quot;general&quot;]"/>
+  <p:tag name="KSO_WM_SLIDE_RATIO" val="1.777778"/>
+  <p:tag name="KSO_WM_CHIP_INFOS" val="{&quot;type&quot;:0,&quot;layout_type&quot;:&quot;topbottom&quot;,&quot;layout_feature&quot;:1,&quot;aspect_ratio&quot;:&quot;16:9&quot;,&quot;same_font_size&quot;:false,&quot;diagram&quot;:{&quot;type&quot;:[],&quot;direction&quot;:0,&quot;isSupportDecBetweenItems&quot;:false},&quot;tags&quot;:{&quot;style&quot;:[&quot;商务&quot;,&quot;简约&quot;,&quot;文艺清新&quot;,&quot;中国风&quot;,&quot;卡通&quot;,&quot;欧美风&quot;,&quot;黑板风&quot;,&quot;渐变风&quot;,&quot;党政风&quot;]},&quot;slide_type&quot;:[&quot;text&quot;]}"/>
+  <p:tag name="KSO_WM_CHIP_XID" val="5f708c7a747e3ea6e292a7fc"/>
+  <p:tag name="KSO_WM_CHIP_FILLPROP" val="[[{&quot;text_align&quot;:&quot;lt&quot;,&quot;text_direction&quot;:&quot;horizontal&quot;,&quot;support_big_font&quot;:false,&quot;picture_toward&quot;:0,&quot;picture_dockside&quot;:[],&quot;fill_id&quot;:&quot;577fb6fb92184a2fb8c769fd05bb9d24&quot;,&quot;fill_align&quot;:&quot;lt&quot;,&quot;chip_types&quot;:[&quot;header&quot;]},{&quot;text_align&quot;:&quot;lm&quot;,&quot;text_direction&quot;:&quot;horizontal&quot;,&quot;support_features&quot;:[&quot;collage&quot;,&quot;carousel&quot;],&quot;support_big_font&quot;:false,&quot;picture_toward&quot;:0,&quot;picture_dockside&quot;:[],&quot;fill_id&quot;:&quot;ca3f0f9c0eb4416e9bcff006547ecf8f&quot;,&quot;fill_align&quot;:&quot;cm&quot;,&quot;chip_types&quot;:[&quot;diagram&quot;,&quot;text&quot;,&quot;picture&quot;,&quot;chart&quot;,&quot;table&quot;,&quot;video&quot;]}]]"/>
+  <p:tag name="KSO_WM_CHIP_DECFILLPROP" val="[]"/>
+  <p:tag name="KSO_WM_SLIDE_CAN_ADD_NAVIGATION" val="1"/>
+  <p:tag name="KSO_WM_CHIP_GROUPID" val="5f708c7a747e3ea6e292a7fb"/>
+  <p:tag name="KSO_WM_SLIDE_BACKGROUND_TYPE" val="general"/>
+  <p:tag name="KSO_WM_SLIDE_SUPPORT_FEATURE_TYPE" val="0"/>
+  <p:tag name="KSO_WM_TEMPLATE_ASSEMBLE_XID" val="60656f644054ed1e2fb80930"/>
+  <p:tag name="KSO_WM_TEMPLATE_ASSEMBLE_GROUPID" val="60656f644054ed1e2fb80930"/>
+</p:tagLst>
+</file>
+
+<file path=ppt/tags/tag425.xml><?xml version="1.0" encoding="utf-8"?>
+<p:tagLst xmlns:a="http://schemas.openxmlformats.org/drawingml/2006/main" xmlns:r="http://schemas.openxmlformats.org/officeDocument/2006/relationships" xmlns:p="http://schemas.openxmlformats.org/presentationml/2006/main">
+  <p:tag name="KSO_WM_UNIT_HIGHLIGHT" val="0"/>
+  <p:tag name="KSO_WM_UNIT_COMPATIBLE" val="0"/>
+  <p:tag name="KSO_WM_UNIT_DIAGRAM_ISNUMVISUAL" val="0"/>
+  <p:tag name="KSO_WM_UNIT_DIAGRAM_ISREFERUNIT" val="0"/>
+  <p:tag name="KSO_WM_UNIT_ID" val="_12**"/>
+  <p:tag name="KSO_WM_UNIT_LAYERLEVEL" val="1"/>
+  <p:tag name="KSO_WM_TAG_VERSION" val="1.0"/>
+  <p:tag name="KSO_WM_BEAUTIFY_FLAG" val="#wm#"/>
+  <p:tag name="KSO_WM_SLIDE_BACKGROUND_TYPE" val="general"/>
+  <p:tag name="KSO_WM_UNIT_TYPE" val="i"/>
+  <p:tag name="KSO_WM_UNIT_FILL_FORE_SCHEMECOLOR_INDEX_1_BRIGHTNESS" val="0"/>
+  <p:tag name="KSO_WM_UNIT_FILL_FORE_SCHEMECOLOR_INDEX_1" val="16"/>
+  <p:tag name="KSO_WM_UNIT_FILL_FORE_SCHEMECOLOR_INDEX_1_POS" val="0"/>
+  <p:tag name="KSO_WM_UNIT_FILL_FORE_SCHEMECOLOR_INDEX_1_TRANS" val="0.9"/>
+  <p:tag name="KSO_WM_UNIT_FILL_FORE_SCHEMECOLOR_INDEX_2_BRIGHTNESS" val="-0.1"/>
+  <p:tag name="KSO_WM_UNIT_FILL_FORE_SCHEMECOLOR_INDEX_2" val="15"/>
+  <p:tag name="KSO_WM_UNIT_FILL_FORE_SCHEMECOLOR_INDEX_2_POS" val="1"/>
+  <p:tag name="KSO_WM_UNIT_FILL_FORE_SCHEMECOLOR_INDEX_2_TRANS" val="0.76"/>
+  <p:tag name="KSO_WM_UNIT_FILL_GRADIENT_TYPE" val="0"/>
+  <p:tag name="KSO_WM_UNIT_FILL_GRADIENT_ANGLE" val="90"/>
+  <p:tag name="KSO_WM_UNIT_FILL_GRADIENT_DIRECTION" val="1"/>
+  <p:tag name="KSO_WM_UNIT_FILL_TYPE" val="3"/>
+  <p:tag name="KSO_WM_UNIT_TEXT_FILL_FORE_SCHEMECOLOR_INDEX_BRIGHTNESS" val="0"/>
+  <p:tag name="KSO_WM_UNIT_TEXT_FILL_FORE_SCHEMECOLOR_INDEX" val="2"/>
+  <p:tag name="KSO_WM_UNIT_TEXT_FILL_TYPE" val="1"/>
+</p:tagLst>
+</file>
+
+<file path=ppt/tags/tag426.xml><?xml version="1.0" encoding="utf-8"?>
+<p:tagLst xmlns:a="http://schemas.openxmlformats.org/drawingml/2006/main" xmlns:r="http://schemas.openxmlformats.org/officeDocument/2006/relationships" xmlns:p="http://schemas.openxmlformats.org/presentationml/2006/main">
+  <p:tag name="KSO_WM_UNIT_HIGHLIGHT" val="0"/>
+  <p:tag name="KSO_WM_UNIT_COMPATIBLE" val="0"/>
+  <p:tag name="KSO_WM_UNIT_DIAGRAM_ISNUMVISUAL" val="0"/>
+  <p:tag name="KSO_WM_UNIT_DIAGRAM_ISREFERUNIT" val="0"/>
+  <p:tag name="KSO_WM_UNIT_ID" val="_12**"/>
+  <p:tag name="KSO_WM_UNIT_LAYERLEVEL" val="1"/>
+  <p:tag name="KSO_WM_TAG_VERSION" val="1.0"/>
+  <p:tag name="KSO_WM_BEAUTIFY_FLAG" val="#wm#"/>
+  <p:tag name="KSO_WM_SLIDE_BACKGROUND_TYPE" val="general"/>
+  <p:tag name="KSO_WM_UNIT_TYPE" val="i"/>
+  <p:tag name="KSO_WM_UNIT_FILL_FORE_SCHEMECOLOR_INDEX_1_BRIGHTNESS" val="0"/>
+  <p:tag name="KSO_WM_UNIT_FILL_FORE_SCHEMECOLOR_INDEX_1" val="16"/>
+  <p:tag name="KSO_WM_UNIT_FILL_FORE_SCHEMECOLOR_INDEX_1_POS" val="0"/>
+  <p:tag name="KSO_WM_UNIT_FILL_FORE_SCHEMECOLOR_INDEX_1_TRANS" val="0.9"/>
+  <p:tag name="KSO_WM_UNIT_FILL_FORE_SCHEMECOLOR_INDEX_2_BRIGHTNESS" val="-0.1"/>
+  <p:tag name="KSO_WM_UNIT_FILL_FORE_SCHEMECOLOR_INDEX_2" val="15"/>
+  <p:tag name="KSO_WM_UNIT_FILL_FORE_SCHEMECOLOR_INDEX_2_POS" val="1"/>
+  <p:tag name="KSO_WM_UNIT_FILL_FORE_SCHEMECOLOR_INDEX_2_TRANS" val="0.76"/>
+  <p:tag name="KSO_WM_UNIT_FILL_GRADIENT_TYPE" val="0"/>
+  <p:tag name="KSO_WM_UNIT_FILL_GRADIENT_ANGLE" val="90"/>
+  <p:tag name="KSO_WM_UNIT_FILL_GRADIENT_DIRECTION" val="1"/>
+  <p:tag name="KSO_WM_UNIT_FILL_TYPE" val="3"/>
+  <p:tag name="KSO_WM_UNIT_TEXT_FILL_FORE_SCHEMECOLOR_INDEX_BRIGHTNESS" val="0"/>
+  <p:tag name="KSO_WM_UNIT_TEXT_FILL_FORE_SCHEMECOLOR_INDEX" val="2"/>
+  <p:tag name="KSO_WM_UNIT_TEXT_FILL_TYPE" val="1"/>
+</p:tagLst>
+</file>
+
+<file path=ppt/tags/tag427.xml><?xml version="1.0" encoding="utf-8"?>
 <p:tagLst xmlns:a="http://schemas.openxmlformats.org/drawingml/2006/main" xmlns:r="http://schemas.openxmlformats.org/officeDocument/2006/relationships" xmlns:p="http://schemas.openxmlformats.org/presentationml/2006/main">
   <p:tag name="KSO_WM_UNIT_HIGHLIGHT" val="0"/>
   <p:tag name="KSO_WM_UNIT_COMPATIBLE" val="0"/>
@@ -41975,7 +42390,44 @@
 </p:tagLst>
 </file>
 
-<file path=ppt/tags/tag405.xml><?xml version="1.0" encoding="utf-8"?>
+<file path=ppt/tags/tag428.xml><?xml version="1.0" encoding="utf-8"?>
+<p:tagLst xmlns:a="http://schemas.openxmlformats.org/drawingml/2006/main" xmlns:r="http://schemas.openxmlformats.org/officeDocument/2006/relationships" xmlns:p="http://schemas.openxmlformats.org/presentationml/2006/main">
+  <p:tag name="KSO_WM_UNIT_ISCONTENTSTITLE" val="0"/>
+  <p:tag name="KSO_WM_UNIT_ISNUMDGMTITLE" val="0"/>
+  <p:tag name="KSO_WM_UNIT_NOCLEAR" val="0"/>
+  <p:tag name="KSO_WM_UNIT_VALUE" val="28"/>
+  <p:tag name="KSO_WM_UNIT_HIGHLIGHT" val="0"/>
+  <p:tag name="KSO_WM_UNIT_COMPATIBLE" val="0"/>
+  <p:tag name="KSO_WM_UNIT_DIAGRAM_ISNUMVISUAL" val="0"/>
+  <p:tag name="KSO_WM_UNIT_DIAGRAM_ISREFERUNIT" val="0"/>
+  <p:tag name="KSO_WM_UNIT_TYPE" val="a"/>
+  <p:tag name="KSO_WM_UNIT_INDEX" val="1"/>
+  <p:tag name="KSO_WM_UNIT_ID" val="diagram20212713_1*a*1"/>
+  <p:tag name="KSO_WM_TEMPLATE_CATEGORY" val="diagram"/>
+  <p:tag name="KSO_WM_TEMPLATE_INDEX" val="20212713"/>
+  <p:tag name="KSO_WM_UNIT_LAYERLEVEL" val="1"/>
+  <p:tag name="KSO_WM_TAG_VERSION" val="1.0"/>
+  <p:tag name="KSO_WM_BEAUTIFY_FLAG" val="#wm#"/>
+  <p:tag name="KSO_WM_UNIT_PRESET_TEXT" val="单击此处添加大标题内容"/>
+  <p:tag name="KSO_WM_UNIT_DEFAULT_FONT" val="24;44;4"/>
+  <p:tag name="KSO_WM_UNIT_BLOCK" val="0"/>
+  <p:tag name="KSO_WM_UNIT_SHOW_EDIT_AREA_INDICATION" val="1"/>
+  <p:tag name="KSO_WM_CHIP_GROUPID" val="5e7881253197e252a37019b5"/>
+  <p:tag name="KSO_WM_CHIP_XID" val="5e7881253197e252a37019b6"/>
+  <p:tag name="KSO_WM_UNIT_DEC_AREA_ID" val="8813dededcd94f83be1334e61bb4760c"/>
+  <p:tag name="KSO_WM_UNIT_DECORATE_INFO" val="{&quot;ReferentInfo&quot;:{&quot;Id&quot;:&quot;slide&quot;,&quot;X&quot;:{&quot;Pos&quot;:0},&quot;Y&quot;:{&quot;Pos&quot;:0}},&quot;DecorateInfoX&quot;:{&quot;Pos&quot;:0,&quot;IsAbs&quot;:false},&quot;DecorateInfoY&quot;:{&quot;Pos&quot;:0,&quot;IsAbs&quot;:false},&quot;DecorateInfoW&quot;:{&quot;IsAbs&quot;:false},&quot;DecorateInfoH&quot;:{&quot;IsAbs&quot;:false},&quot;whChangeMode&quot;:0}"/>
+  <p:tag name="KSO_WM_UNIT_SM_LIMIT_TYPE" val="2"/>
+  <p:tag name="KSO_WM_CHIP_FILLAREA_FILL_RULE" val="{&quot;fill_align&quot;:&quot;lt&quot;,&quot;fill_mode&quot;:&quot;full&quot;,&quot;sacle_strategy&quot;:&quot;smart&quot;}"/>
+  <p:tag name="KSO_WM_ASSEMBLE_CHIP_INDEX" val="fba21aa6e7b04473ad95be895e1428b6"/>
+  <p:tag name="KSO_WM_UNIT_TEXT_FILL_FORE_SCHEMECOLOR_INDEX_BRIGHTNESS" val="0"/>
+  <p:tag name="KSO_WM_UNIT_TEXT_FILL_FORE_SCHEMECOLOR_INDEX" val="13"/>
+  <p:tag name="KSO_WM_UNIT_TEXT_FILL_TYPE" val="1"/>
+  <p:tag name="KSO_WM_TEMPLATE_ASSEMBLE_XID" val="60656f644054ed1e2fb80930"/>
+  <p:tag name="KSO_WM_TEMPLATE_ASSEMBLE_GROUPID" val="60656f644054ed1e2fb80930"/>
+</p:tagLst>
+</file>
+
+<file path=ppt/tags/tag429.xml><?xml version="1.0" encoding="utf-8"?>
 <p:tagLst xmlns:a="http://schemas.openxmlformats.org/drawingml/2006/main" xmlns:r="http://schemas.openxmlformats.org/officeDocument/2006/relationships" xmlns:p="http://schemas.openxmlformats.org/presentationml/2006/main">
   <p:tag name="KSO_WM_UNIT_TEXT_SUBTYPE" val="a"/>
   <p:tag name="KSO_WM_UNIT_SUBTYPE" val="a"/>
@@ -42013,109 +42465,28 @@
 </p:tagLst>
 </file>
 
-<file path=ppt/tags/tag406.xml><?xml version="1.0" encoding="utf-8"?>
-<p:tagLst xmlns:a="http://schemas.openxmlformats.org/drawingml/2006/main" xmlns:r="http://schemas.openxmlformats.org/officeDocument/2006/relationships" xmlns:p="http://schemas.openxmlformats.org/presentationml/2006/main">
-  <p:tag name="KSO_WM_BEAUTIFY_FLAG" val="#wm#"/>
-  <p:tag name="KSO_WM_TEMPLATE_CATEGORY" val="diagram"/>
-  <p:tag name="KSO_WM_TEMPLATE_INDEX" val="20212713"/>
-  <p:tag name="KSO_WM_SLIDE_ID" val="diagram20212713_1"/>
-  <p:tag name="KSO_WM_TEMPLATE_SUBCATEGORY" val="21"/>
-  <p:tag name="KSO_WM_TEMPLATE_MASTER_TYPE" val="0"/>
-  <p:tag name="KSO_WM_TEMPLATE_COLOR_TYPE" val="1"/>
-  <p:tag name="KSO_WM_SLIDE_TYPE" val="text"/>
-  <p:tag name="KSO_WM_SLIDE_SUBTYPE" val="pureTxt"/>
-  <p:tag name="KSO_WM_SLIDE_ITEM_CNT" val="0"/>
-  <p:tag name="KSO_WM_SLIDE_INDEX" val="1"/>
-  <p:tag name="KSO_WM_SLIDE_SIZE" val="864*444"/>
-  <p:tag name="KSO_WM_SLIDE_POSITION" val="47*48"/>
-  <p:tag name="KSO_WM_TAG_VERSION" val="1.0"/>
-  <p:tag name="KSO_WM_SLIDE_LAYOUT" val="a_f"/>
-  <p:tag name="KSO_WM_SLIDE_LAYOUT_CNT" val="1_1"/>
-  <p:tag name="KSO_WM_SLIDE_LAYOUT_INFO" val="{&quot;backgroundInfo&quot;:[{&quot;bottom&quot;:0,&quot;bottomAbs&quot;:false,&quot;left&quot;:0,&quot;leftAbs&quot;:false,&quot;right&quot;:0,&quot;rightAbs&quot;:false,&quot;top&quot;:0,&quot;topAbs&quot;:false,&quot;type&quot;:&quot;general&quot;}],&quot;id&quot;:&quot;2021-04-01T15:43:53&quot;,&quot;maxSize&quot;:{&quot;size1&quot;:26.7},&quot;minSize&quot;:{&quot;size1&quot;:17.9},&quot;normalSize&quot;:{&quot;size1&quot;:17.9},&quot;subLayout&quot;:[{&quot;id&quot;:&quot;2021-04-01T15:43:53&quot;,&quot;margin&quot;:{&quot;bottom&quot;:0.0260000042617321,&quot;left&quot;:2.9629998207092285,&quot;right&quot;:2.5399999618530273,&quot;top&quot;:1.6929999589920044},&quot;type&quot;:0},{&quot;id&quot;:&quot;2021-04-01T15:43:53&quot;,&quot;margin&quot;:{&quot;bottom&quot;:2.5399999618530273,&quot;left&quot;:2.5399999618530273,&quot;right&quot;:2.5399999618530273,&quot;top&quot;:1.6670000553131104},&quot;type&quot;:0}],&quot;type&quot;:0}"/>
-  <p:tag name="KSO_WM_SLIDE_BACKGROUND" val="[&quot;general&quot;]"/>
-  <p:tag name="KSO_WM_SLIDE_RATIO" val="1.777778"/>
-  <p:tag name="KSO_WM_CHIP_INFOS" val="{&quot;type&quot;:0,&quot;layout_type&quot;:&quot;topbottom&quot;,&quot;layout_feature&quot;:1,&quot;aspect_ratio&quot;:&quot;16:9&quot;,&quot;same_font_size&quot;:false,&quot;diagram&quot;:{&quot;type&quot;:[],&quot;direction&quot;:0,&quot;isSupportDecBetweenItems&quot;:false},&quot;tags&quot;:{&quot;style&quot;:[&quot;商务&quot;,&quot;简约&quot;,&quot;文艺清新&quot;,&quot;中国风&quot;,&quot;卡通&quot;,&quot;欧美风&quot;,&quot;黑板风&quot;,&quot;渐变风&quot;,&quot;党政风&quot;]},&quot;slide_type&quot;:[&quot;text&quot;]}"/>
-  <p:tag name="KSO_WM_CHIP_XID" val="5f708c7a747e3ea6e292a7fc"/>
-  <p:tag name="KSO_WM_CHIP_FILLPROP" val="[[{&quot;text_align&quot;:&quot;lt&quot;,&quot;text_direction&quot;:&quot;horizontal&quot;,&quot;support_big_font&quot;:false,&quot;picture_toward&quot;:0,&quot;picture_dockside&quot;:[],&quot;fill_id&quot;:&quot;577fb6fb92184a2fb8c769fd05bb9d24&quot;,&quot;fill_align&quot;:&quot;lt&quot;,&quot;chip_types&quot;:[&quot;header&quot;]},{&quot;text_align&quot;:&quot;lm&quot;,&quot;text_direction&quot;:&quot;horizontal&quot;,&quot;support_features&quot;:[&quot;collage&quot;,&quot;carousel&quot;],&quot;support_big_font&quot;:false,&quot;picture_toward&quot;:0,&quot;picture_dockside&quot;:[],&quot;fill_id&quot;:&quot;ca3f0f9c0eb4416e9bcff006547ecf8f&quot;,&quot;fill_align&quot;:&quot;cm&quot;,&quot;chip_types&quot;:[&quot;diagram&quot;,&quot;text&quot;,&quot;picture&quot;,&quot;chart&quot;,&quot;table&quot;,&quot;video&quot;]}]]"/>
-  <p:tag name="KSO_WM_CHIP_DECFILLPROP" val="[]"/>
-  <p:tag name="KSO_WM_SLIDE_CAN_ADD_NAVIGATION" val="1"/>
-  <p:tag name="KSO_WM_CHIP_GROUPID" val="5f708c7a747e3ea6e292a7fb"/>
-  <p:tag name="KSO_WM_SLIDE_BACKGROUND_TYPE" val="general"/>
-  <p:tag name="KSO_WM_SLIDE_SUPPORT_FEATURE_TYPE" val="0"/>
-  <p:tag name="KSO_WM_TEMPLATE_ASSEMBLE_XID" val="60656f644054ed1e2fb80930"/>
-  <p:tag name="KSO_WM_TEMPLATE_ASSEMBLE_GROUPID" val="60656f644054ed1e2fb80930"/>
-</p:tagLst>
-</file>
-
-<file path=ppt/tags/tag407.xml><?xml version="1.0" encoding="utf-8"?>
+<file path=ppt/tags/tag43.xml><?xml version="1.0" encoding="utf-8"?>
 <p:tagLst xmlns:a="http://schemas.openxmlformats.org/drawingml/2006/main" xmlns:r="http://schemas.openxmlformats.org/officeDocument/2006/relationships" xmlns:p="http://schemas.openxmlformats.org/presentationml/2006/main">
   <p:tag name="KSO_WM_UNIT_HIGHLIGHT" val="0"/>
   <p:tag name="KSO_WM_UNIT_COMPATIBLE" val="0"/>
   <p:tag name="KSO_WM_UNIT_DIAGRAM_ISNUMVISUAL" val="0"/>
   <p:tag name="KSO_WM_UNIT_DIAGRAM_ISREFERUNIT" val="0"/>
-  <p:tag name="KSO_WM_UNIT_ID" val="_12**"/>
+  <p:tag name="KSO_WM_UNIT_ID" val="_8**"/>
   <p:tag name="KSO_WM_UNIT_LAYERLEVEL" val="1"/>
   <p:tag name="KSO_WM_TAG_VERSION" val="1.0"/>
   <p:tag name="KSO_WM_BEAUTIFY_FLAG" val="#wm#"/>
-  <p:tag name="KSO_WM_SLIDE_BACKGROUND_TYPE" val="general"/>
-  <p:tag name="KSO_WM_UNIT_TYPE" val="i"/>
-  <p:tag name="KSO_WM_UNIT_FILL_FORE_SCHEMECOLOR_INDEX_1_BRIGHTNESS" val="0"/>
-  <p:tag name="KSO_WM_UNIT_FILL_FORE_SCHEMECOLOR_INDEX_1" val="16"/>
-  <p:tag name="KSO_WM_UNIT_FILL_FORE_SCHEMECOLOR_INDEX_1_POS" val="0"/>
-  <p:tag name="KSO_WM_UNIT_FILL_FORE_SCHEMECOLOR_INDEX_1_TRANS" val="0.9"/>
-  <p:tag name="KSO_WM_UNIT_FILL_FORE_SCHEMECOLOR_INDEX_2_BRIGHTNESS" val="-0.1"/>
-  <p:tag name="KSO_WM_UNIT_FILL_FORE_SCHEMECOLOR_INDEX_2" val="15"/>
-  <p:tag name="KSO_WM_UNIT_FILL_FORE_SCHEMECOLOR_INDEX_2_POS" val="1"/>
-  <p:tag name="KSO_WM_UNIT_FILL_FORE_SCHEMECOLOR_INDEX_2_TRANS" val="0.76"/>
-  <p:tag name="KSO_WM_UNIT_FILL_GRADIENT_TYPE" val="0"/>
-  <p:tag name="KSO_WM_UNIT_FILL_GRADIENT_ANGLE" val="90"/>
-  <p:tag name="KSO_WM_UNIT_FILL_GRADIENT_DIRECTION" val="1"/>
-  <p:tag name="KSO_WM_UNIT_FILL_TYPE" val="3"/>
-  <p:tag name="KSO_WM_UNIT_TEXT_FILL_FORE_SCHEMECOLOR_INDEX_BRIGHTNESS" val="0"/>
-  <p:tag name="KSO_WM_UNIT_TEXT_FILL_FORE_SCHEMECOLOR_INDEX" val="2"/>
-  <p:tag name="KSO_WM_UNIT_TEXT_FILL_TYPE" val="1"/>
 </p:tagLst>
 </file>
 
-<file path=ppt/tags/tag408.xml><?xml version="1.0" encoding="utf-8"?>
-<p:tagLst xmlns:a="http://schemas.openxmlformats.org/drawingml/2006/main" xmlns:r="http://schemas.openxmlformats.org/officeDocument/2006/relationships" xmlns:p="http://schemas.openxmlformats.org/presentationml/2006/main">
-  <p:tag name="KSO_WM_UNIT_HIGHLIGHT" val="0"/>
-  <p:tag name="KSO_WM_UNIT_COMPATIBLE" val="0"/>
-  <p:tag name="KSO_WM_UNIT_DIAGRAM_ISNUMVISUAL" val="0"/>
-  <p:tag name="KSO_WM_UNIT_DIAGRAM_ISREFERUNIT" val="0"/>
-  <p:tag name="KSO_WM_UNIT_ID" val="_12**"/>
-  <p:tag name="KSO_WM_UNIT_LAYERLEVEL" val="1"/>
-  <p:tag name="KSO_WM_TAG_VERSION" val="1.0"/>
-  <p:tag name="KSO_WM_BEAUTIFY_FLAG" val="#wm#"/>
-  <p:tag name="KSO_WM_SLIDE_BACKGROUND_TYPE" val="general"/>
-  <p:tag name="KSO_WM_UNIT_TYPE" val="i"/>
-  <p:tag name="KSO_WM_UNIT_FILL_FORE_SCHEMECOLOR_INDEX_1_BRIGHTNESS" val="0"/>
-  <p:tag name="KSO_WM_UNIT_FILL_FORE_SCHEMECOLOR_INDEX_1" val="16"/>
-  <p:tag name="KSO_WM_UNIT_FILL_FORE_SCHEMECOLOR_INDEX_1_POS" val="0"/>
-  <p:tag name="KSO_WM_UNIT_FILL_FORE_SCHEMECOLOR_INDEX_1_TRANS" val="0.9"/>
-  <p:tag name="KSO_WM_UNIT_FILL_FORE_SCHEMECOLOR_INDEX_2_BRIGHTNESS" val="-0.1"/>
-  <p:tag name="KSO_WM_UNIT_FILL_FORE_SCHEMECOLOR_INDEX_2" val="15"/>
-  <p:tag name="KSO_WM_UNIT_FILL_FORE_SCHEMECOLOR_INDEX_2_POS" val="1"/>
-  <p:tag name="KSO_WM_UNIT_FILL_FORE_SCHEMECOLOR_INDEX_2_TRANS" val="0.76"/>
-  <p:tag name="KSO_WM_UNIT_FILL_GRADIENT_TYPE" val="0"/>
-  <p:tag name="KSO_WM_UNIT_FILL_GRADIENT_ANGLE" val="90"/>
-  <p:tag name="KSO_WM_UNIT_FILL_GRADIENT_DIRECTION" val="1"/>
-  <p:tag name="KSO_WM_UNIT_FILL_TYPE" val="3"/>
-  <p:tag name="KSO_WM_UNIT_TEXT_FILL_FORE_SCHEMECOLOR_INDEX_BRIGHTNESS" val="0"/>
-  <p:tag name="KSO_WM_UNIT_TEXT_FILL_FORE_SCHEMECOLOR_INDEX" val="2"/>
-  <p:tag name="KSO_WM_UNIT_TEXT_FILL_TYPE" val="1"/>
-</p:tagLst>
-</file>
-
-<file path=ppt/tags/tag409.xml><?xml version="1.0" encoding="utf-8"?>
+<file path=ppt/tags/tag430.xml><?xml version="1.0" encoding="utf-8"?>
 <p:tagLst xmlns:a="http://schemas.openxmlformats.org/drawingml/2006/main" xmlns:r="http://schemas.openxmlformats.org/officeDocument/2006/relationships" xmlns:p="http://schemas.openxmlformats.org/presentationml/2006/main">
   <p:tag name="KSO_WM_UNIT_HIGHLIGHT" val="0"/>
   <p:tag name="KSO_WM_UNIT_COMPATIBLE" val="0"/>
   <p:tag name="KSO_WM_UNIT_DIAGRAM_ISNUMVISUAL" val="0"/>
   <p:tag name="KSO_WM_UNIT_DIAGRAM_ISREFERUNIT" val="0"/>
   <p:tag name="KSO_WM_UNIT_TYPE" val="i"/>
-  <p:tag name="KSO_WM_UNIT_INDEX" val="1"/>
-  <p:tag name="KSO_WM_UNIT_ID" val="diagram20212713_1*i*1"/>
+  <p:tag name="KSO_WM_UNIT_INDEX" val="2"/>
+  <p:tag name="KSO_WM_UNIT_ID" val="diagram20212713_1*i*2"/>
   <p:tag name="KSO_WM_TEMPLATE_CATEGORY" val="diagram"/>
   <p:tag name="KSO_WM_TEMPLATE_INDEX" val="20212713"/>
   <p:tag name="KSO_WM_UNIT_LAYERLEVEL" val="1"/>
@@ -42123,73 +42494,181 @@
   <p:tag name="KSO_WM_BEAUTIFY_FLAG" val="#wm#"/>
   <p:tag name="KSO_WM_UNIT_BLOCK" val="0"/>
   <p:tag name="KSO_WM_UNIT_SM_LIMIT_TYPE" val="2"/>
-  <p:tag name="KSO_WM_UNIT_DEC_AREA_ID" val="6c938ff465544c81b53780745e718009"/>
-  <p:tag name="KSO_WM_UNIT_DECORATE_INFO" val="{&quot;DecorateInfoH&quot;:{&quot;IsAbs&quot;:false},&quot;DecorateInfoW&quot;:{&quot;IsAbs&quot;:false},&quot;DecorateInfoX&quot;:{&quot;IsAbs&quot;:false,&quot;Pos&quot;:1},&quot;DecorateInfoY&quot;:{&quot;IsAbs&quot;:false,&quot;Pos&quot;:1},&quot;ReferentInfo&quot;:{&quot;Id&quot;:&quot;84a6c56b6ff04b3385062ce2c276b31c&quot;,&quot;X&quot;:{&quot;Pos&quot;:1},&quot;Y&quot;:{&quot;Pos&quot;:1}},&quot;whChangeMode&quot;:1}"/>
+  <p:tag name="KSO_WM_UNIT_DEC_AREA_ID" val="ab9e3ede4f02433781ee8c4bc865c252"/>
+  <p:tag name="KSO_WM_UNIT_DECORATE_INFO" val="{&quot;ReferentInfo&quot;:{&quot;Id&quot;:&quot;slide&quot;,&quot;X&quot;:{&quot;Pos&quot;:0},&quot;Y&quot;:{&quot;Pos&quot;:0}},&quot;DecorateInfoX&quot;:{&quot;Pos&quot;:0,&quot;IsAbs&quot;:false},&quot;DecorateInfoY&quot;:{&quot;Pos&quot;:0,&quot;IsAbs&quot;:false},&quot;DecorateInfoW&quot;:{&quot;IsAbs&quot;:false},&quot;DecorateInfoH&quot;:{&quot;IsAbs&quot;:false},&quot;whChangeMode&quot;:1}"/>
   <p:tag name="KSO_WM_CHIP_GROUPID" val="5f708c7a747e3ea6e292a7fb"/>
   <p:tag name="KSO_WM_CHIP_XID" val="5f708c7a747e3ea6e292a7fc"/>
   <p:tag name="KSO_WM_UNIT_FILL_FORE_SCHEMECOLOR_INDEX_BRIGHTNESS" val="0"/>
-  <p:tag name="KSO_WM_UNIT_FILL_FORE_SCHEMECOLOR_INDEX" val="14"/>
+  <p:tag name="KSO_WM_UNIT_FILL_FORE_SCHEMECOLOR_INDEX" val="5"/>
   <p:tag name="KSO_WM_UNIT_FILL_TYPE" val="1"/>
   <p:tag name="KSO_WM_UNIT_TEXT_FILL_FORE_SCHEMECOLOR_INDEX_BRIGHTNESS" val="0"/>
   <p:tag name="KSO_WM_UNIT_TEXT_FILL_FORE_SCHEMECOLOR_INDEX" val="2"/>
   <p:tag name="KSO_WM_UNIT_TEXT_FILL_TYPE" val="1"/>
-  <p:tag name="KSO_WM_UNIT_VALUE" val="816"/>
+  <p:tag name="KSO_WM_UNIT_VALUE" val="0"/>
   <p:tag name="KSO_WM_TEMPLATE_ASSEMBLE_XID" val="60656f644054ed1e2fb80930"/>
   <p:tag name="KSO_WM_TEMPLATE_ASSEMBLE_GROUPID" val="60656f644054ed1e2fb80930"/>
 </p:tagLst>
 </file>
 
-<file path=ppt/tags/tag41.xml><?xml version="1.0" encoding="utf-8"?>
+<file path=ppt/tags/tag431.xml><?xml version="1.0" encoding="utf-8"?>
+<p:tagLst xmlns:a="http://schemas.openxmlformats.org/drawingml/2006/main" xmlns:r="http://schemas.openxmlformats.org/officeDocument/2006/relationships" xmlns:p="http://schemas.openxmlformats.org/presentationml/2006/main">
+  <p:tag name="KSO_WM_BEAUTIFY_FLAG" val="#wm#"/>
+  <p:tag name="KSO_WM_TEMPLATE_CATEGORY" val="diagram"/>
+  <p:tag name="KSO_WM_TEMPLATE_INDEX" val="20209301"/>
+  <p:tag name="KSO_WM_SLIDE_ID" val="diagram20209301_1"/>
+  <p:tag name="KSO_WM_TEMPLATE_SUBCATEGORY" val="21"/>
+  <p:tag name="KSO_WM_TEMPLATE_MASTER_TYPE" val="0"/>
+  <p:tag name="KSO_WM_TEMPLATE_COLOR_TYPE" val="1"/>
+  <p:tag name="KSO_WM_SLIDE_TYPE" val="text"/>
+  <p:tag name="KSO_WM_SLIDE_SUBTYPE" val="picTxt"/>
+  <p:tag name="KSO_WM_SLIDE_ITEM_CNT" val="0"/>
+  <p:tag name="KSO_WM_SLIDE_INDEX" val="1"/>
+  <p:tag name="KSO_WM_TAG_VERSION" val="1.0"/>
+  <p:tag name="KSO_WM_SLIDE_LAYOUT" val="a_d_f"/>
+  <p:tag name="KSO_WM_SLIDE_LAYOUT_CNT" val="1_1_1"/>
+  <p:tag name="KSO_WM_TEMPLATE_THUMBS_INDEX" val="1、4、7、12、13、14、15、16、17、18、20、24、25、28、33、36、40、43、44"/>
+  <p:tag name="KSO_WM_SLIDE_SIZE" val="912*540"/>
+  <p:tag name="KSO_WM_SLIDE_POSITION" val="0*0"/>
+  <p:tag name="KSO_WM_SLIDE_BACKGROUND" val="[&quot;general&quot;,&quot;leftRight&quot;]"/>
+  <p:tag name="KSO_WM_SLIDE_RATIO" val="1.777778"/>
+  <p:tag name="KSO_WM_CHIP_INFOS" val="{&quot;type&quot;:0,&quot;layout_type&quot;:&quot;leftright&quot;,&quot;layout_feature&quot;:1,&quot;aspect_ratio&quot;:&quot;16:9&quot;,&quot;same_font_size&quot;:false,&quot;diagram&quot;:{&quot;type&quot;:[],&quot;direction&quot;:0,&quot;isSupportDecBetweenItems&quot;:false},&quot;tags&quot;:{&quot;style&quot;:[&quot;商务&quot;,&quot;简约&quot;,&quot;文艺清新&quot;,&quot;中国风&quot;,&quot;卡通&quot;,&quot;欧美风&quot;,&quot;黑板风&quot;,&quot;渐变风&quot;,&quot;党政风&quot;]},&quot;slide_type&quot;:[&quot;text&quot;]}"/>
+  <p:tag name="KSO_WM_CHIP_XID" val="5f0e62ba8050c250ba65b19d"/>
+  <p:tag name="KSO_WM_CHIP_FILLPROP" val="[[{&quot;text_align&quot;:&quot;lm&quot;,&quot;text_direction&quot;:&quot;horizontal&quot;,&quot;support_big_font&quot;:true,&quot;fill_id&quot;:&quot;15d635f685fd4d2491c2cd80a5f3ea4a&quot;,&quot;fill_align&quot;:&quot;lm&quot;,&quot;chip_types&quot;:[&quot;header&quot;]},{&quot;text_align&quot;:&quot;lm&quot;,&quot;text_direction&quot;:&quot;horizontal&quot;,&quot;support_features&quot;:[&quot;collage&quot;,&quot;carousel&quot;,&quot;creativecrop&quot;],&quot;support_big_font&quot;:false,&quot;fill_id&quot;:&quot;9cbd9f1010bd4d7788a004738f3d0e36&quot;,&quot;fill_align&quot;:&quot;lm&quot;,&quot;chip_types&quot;:[&quot;picture&quot;,&quot;chart&quot;,&quot;table&quot;,&quot;video&quot;]},{&quot;text_align&quot;:&quot;lm&quot;,&quot;text_direction&quot;:&quot;horizontal&quot;,&quot;support_big_font&quot;:false,&quot;fill_id&quot;:&quot;2d6de27137194b1b9669246963d33e19&quot;,&quot;fill_align&quot;:&quot;lm&quot;,&quot;chip_types&quot;:[&quot;text&quot;]}],[{&quot;text_align&quot;:&quot;lm&quot;,&quot;text_direction&quot;:&quot;horizontal&quot;,&quot;support_big_font&quot;:true,&quot;fill_id&quot;:&quot;15d635f685fd4d2491c2cd80a5f3ea4a&quot;,&quot;fill_align&quot;:&quot;lm&quot;,&quot;chip_types&quot;:[&quot;header&quot;]},{&quot;text_align&quot;:&quot;lm&quot;,&quot;text_direction&quot;:&quot;horizontal&quot;,&quot;support_big_font&quot;:false,&quot;fill_id&quot;:&quot;9cbd9f1010bd4d7788a004738f3d0e36&quot;,&quot;fill_align&quot;:&quot;lm&quot;,&quot;chip_types&quot;:[&quot;pictext&quot;,&quot;picture&quot;,&quot;chart&quot;,&quot;table&quot;,&quot;video&quot;]},{&quot;text_align&quot;:&quot;lm&quot;,&quot;text_direction&quot;:&quot;horizontal&quot;,&quot;support_features&quot;:[&quot;collage&quot;,&quot;carousel&quot;,&quot;creativecrop&quot;],&quot;support_big_font&quot;:true,&quot;fill_id&quot;:&quot;2d6de27137194b1b9669246963d33e19&quot;,&quot;fill_align&quot;:&quot;lm&quot;,&quot;chip_types&quot;:[&quot;picture&quot;,&quot;chart&quot;,&quot;table&quot;,&quot;video&quot;]}]]"/>
+  <p:tag name="KSO_WM_CHIP_DECFILLPROP" val="[]"/>
+  <p:tag name="KSO_WM_CHIP_GROUPID" val="5f0e62ba8050c250ba65b19c"/>
+  <p:tag name="KSO_WM_SLIDE_BACKGROUND_TYPE" val="leftRight"/>
+  <p:tag name="KSO_WM_SLIDE_SUPPORT_FEATURE_TYPE" val="7"/>
+  <p:tag name="KSO_WM_TEMPLATE_ASSEMBLE_XID" val="60656e8d4054ed1e2fb7fb3f"/>
+  <p:tag name="KSO_WM_TEMPLATE_ASSEMBLE_GROUPID" val="60656e8d4054ed1e2fb7fb3f"/>
+  <p:tag name="FIXED_XID_TMP" val="5f5ee1ca4d6848d78f644aec"/>
+  <p:tag name="KSO_WM_SLIDE_CAN_ADD_NAVIGATION" val="1"/>
+  <p:tag name="KSO_WM_SLIDE_BK_DARK_LIGHT" val="2"/>
+  <p:tag name="KSO_WM_SLIDE_LAYOUT_INFO" val="{&quot;backgroundInfo&quot;:[{&quot;bottom&quot;:0,&quot;bottomAbs&quot;:false,&quot;left&quot;:0,&quot;leftAbs&quot;:false,&quot;right&quot;:0,&quot;rightAbs&quot;:false,&quot;top&quot;:0,&quot;topAbs&quot;:false,&quot;type&quot;:&quot;general&quot;}],&quot;direction&quot;:1,&quot;id&quot;:&quot;2021-04-01T15:05:52&quot;,&quot;maxSize&quot;:{&quot;size1&quot;:37.599602156361414},&quot;minSize&quot;:{&quot;size1&quot;:37.599602156361414},&quot;normalSize&quot;:{&quot;size1&quot;:37.599602156361414},&quot;subLayout&quot;:[{&quot;backgroundInfo&quot;:[{&quot;bottom&quot;:0,&quot;bottomAbs&quot;:false,&quot;left&quot;:0,&quot;leftAbs&quot;:false,&quot;right&quot;:0,&quot;rightAbs&quot;:false,&quot;top&quot;:0,&quot;topAbs&quot;:false,&quot;type&quot;:&quot;leftRight&quot;}],&quot;id&quot;:&quot;2021-04-01T15:05:52&quot;,&quot;margin&quot;:{&quot;bottom&quot;:3.809999942779541,&quot;left&quot;:1.6319999694824219,&quot;right&quot;:0.8730000257492065,&quot;top&quot;:4.691999912261963},&quot;type&quot;:0},{&quot;id&quot;:&quot;2021-04-01T15:05:52&quot;,&quot;maxSize&quot;:{&quot;size1&quot;:57.8},&quot;minSize&quot;:{&quot;size1&quot;:37.8},&quot;normalSize&quot;:{&quot;size1&quot;:52.13333333333333},&quot;subLayout&quot;:[{&quot;id&quot;:&quot;2021-04-01T15:05:52&quot;,&quot;margin&quot;:{&quot;bottom&quot;:0.02600000612437725,&quot;left&quot;:1.6590001583099365,&quot;right&quot;:1.6929999589920044,&quot;top&quot;:1.6929999589920044},&quot;type&quot;:0},{&quot;id&quot;:&quot;2021-04-01T15:05:52&quot;,&quot;margin&quot;:{&quot;bottom&quot;:1.6929999589920044,&quot;left&quot;:1.659999966621399,&quot;right&quot;:1.6929999589920044,&quot;top&quot;:0.8199999928474426},&quot;type&quot;:0}],&quot;type&quot;:0}],&quot;type&quot;:0}"/>
+</p:tagLst>
+</file>
+
+<file path=ppt/tags/tag432.xml><?xml version="1.0" encoding="utf-8"?>
 <p:tagLst xmlns:a="http://schemas.openxmlformats.org/drawingml/2006/main" xmlns:r="http://schemas.openxmlformats.org/officeDocument/2006/relationships" xmlns:p="http://schemas.openxmlformats.org/presentationml/2006/main">
   <p:tag name="KSO_WM_UNIT_HIGHLIGHT" val="0"/>
   <p:tag name="KSO_WM_UNIT_COMPATIBLE" val="0"/>
   <p:tag name="KSO_WM_UNIT_DIAGRAM_ISNUMVISUAL" val="0"/>
   <p:tag name="KSO_WM_UNIT_DIAGRAM_ISREFERUNIT" val="0"/>
-  <p:tag name="KSO_WM_UNIT_ID" val="_7**"/>
+  <p:tag name="KSO_WM_UNIT_ID" val="diagram20209301_1*i*1"/>
   <p:tag name="KSO_WM_UNIT_LAYERLEVEL" val="1"/>
   <p:tag name="KSO_WM_TAG_VERSION" val="1.0"/>
   <p:tag name="KSO_WM_BEAUTIFY_FLAG" val="#wm#"/>
+  <p:tag name="KSO_WM_UNIT_TYPE" val="i"/>
+  <p:tag name="KSO_WM_UNIT_INDEX" val="1"/>
+  <p:tag name="KSO_WM_UNIT_SUBTYPE" val="h"/>
+  <p:tag name="KSO_WM_SLIDE_BACKGROUND_TYPE" val="leftRight"/>
+  <p:tag name="KSO_WM_SLIDE_BK_DARK_LIGHT" val="2"/>
+  <p:tag name="KSO_WM_UNIT_BK_DARK_LIGHT" val="2"/>
+  <p:tag name="KSO_WM_UNIT_FILL_FORE_SCHEMECOLOR_INDEX_BRIGHTNESS" val="0"/>
+  <p:tag name="KSO_WM_UNIT_FILL_FORE_SCHEMECOLOR_INDEX" val="15"/>
+  <p:tag name="KSO_WM_UNIT_FILL_TYPE" val="1"/>
+  <p:tag name="KSO_WM_UNIT_TEXT_FILL_FORE_SCHEMECOLOR_INDEX_BRIGHTNESS" val="0"/>
+  <p:tag name="KSO_WM_UNIT_TEXT_FILL_FORE_SCHEMECOLOR_INDEX" val="2"/>
+  <p:tag name="KSO_WM_UNIT_TEXT_FILL_TYPE" val="1"/>
+  <p:tag name="KSO_WM_TEMPLATE_CATEGORY" val="diagram"/>
+  <p:tag name="KSO_WM_TEMPLATE_INDEX" val="20209301"/>
+  <p:tag name="KSO_WM_UNIT_VALUE" val="500"/>
+  <p:tag name="KSO_WM_TEMPLATE_ASSEMBLE_XID" val="60656e8d4054ed1e2fb7fb3f"/>
+  <p:tag name="KSO_WM_TEMPLATE_ASSEMBLE_GROUPID" val="60656e8d4054ed1e2fb7fb3f"/>
 </p:tagLst>
 </file>
 
-<file path=ppt/tags/tag410.xml><?xml version="1.0" encoding="utf-8"?>
+<file path=ppt/tags/tag433.xml><?xml version="1.0" encoding="utf-8"?>
+<p:tagLst xmlns:a="http://schemas.openxmlformats.org/drawingml/2006/main" xmlns:r="http://schemas.openxmlformats.org/officeDocument/2006/relationships" xmlns:p="http://schemas.openxmlformats.org/presentationml/2006/main">
+  <p:tag name="KSO_WM_UNIT_HIGHLIGHT" val="0"/>
+  <p:tag name="KSO_WM_UNIT_COMPATIBLE" val="0"/>
+  <p:tag name="KSO_WM_UNIT_DIAGRAM_ISNUMVISUAL" val="0"/>
+  <p:tag name="KSO_WM_UNIT_DIAGRAM_ISREFERUNIT" val="0"/>
+  <p:tag name="KSO_WM_UNIT_TYPE" val="i"/>
+  <p:tag name="KSO_WM_UNIT_INDEX" val="2"/>
+  <p:tag name="KSO_WM_UNIT_ID" val="diagram20209301_1*i*2"/>
+  <p:tag name="KSO_WM_TEMPLATE_CATEGORY" val="diagram"/>
+  <p:tag name="KSO_WM_TEMPLATE_INDEX" val="20209301"/>
+  <p:tag name="KSO_WM_UNIT_LAYERLEVEL" val="1"/>
+  <p:tag name="KSO_WM_TAG_VERSION" val="1.0"/>
+  <p:tag name="KSO_WM_BEAUTIFY_FLAG" val="#wm#"/>
+  <p:tag name="KSO_WM_UNIT_BLOCK" val="0"/>
+  <p:tag name="KSO_WM_UNIT_SM_LIMIT_TYPE" val="0"/>
+  <p:tag name="KSO_WM_UNIT_DEC_AREA_ID" val="31bc3d0c79d3463fb830225761ee03e5"/>
+  <p:tag name="KSO_WM_UNIT_DECORATE_INFO" val="{&quot;DecorateInfoH&quot;:{&quot;IsAbs&quot;:true},&quot;DecorateInfoW&quot;:{&quot;IsAbs&quot;:true},&quot;DecorateInfoX&quot;:{&quot;IsAbs&quot;:true,&quot;Pos&quot;:0},&quot;DecorateInfoY&quot;:{&quot;IsAbs&quot;:true,&quot;Pos&quot;:2},&quot;ReferentInfo&quot;:{&quot;Id&quot;:&quot;70db01aa80c74bdfb97857dc8aa0b04e&quot;,&quot;X&quot;:{&quot;Pos&quot;:0},&quot;Y&quot;:{&quot;Pos&quot;:0}},&quot;whChangeMode&quot;:0}"/>
+  <p:tag name="KSO_WM_CHIP_GROUPID" val="5f0e62ba8050c250ba65b19c"/>
+  <p:tag name="KSO_WM_CHIP_XID" val="5f0e62ba8050c250ba65b19d"/>
+  <p:tag name="KSO_WM_TEMPLATE_ASSEMBLE_XID" val="60656e8d4054ed1e2fb7fb3f"/>
+  <p:tag name="KSO_WM_TEMPLATE_ASSEMBLE_GROUPID" val="60656e8d4054ed1e2fb7fb3f"/>
+</p:tagLst>
+</file>
+
+<file path=ppt/tags/tag434.xml><?xml version="1.0" encoding="utf-8"?>
 <p:tagLst xmlns:a="http://schemas.openxmlformats.org/drawingml/2006/main" xmlns:r="http://schemas.openxmlformats.org/officeDocument/2006/relationships" xmlns:p="http://schemas.openxmlformats.org/presentationml/2006/main">
   <p:tag name="KSO_WM_UNIT_ISCONTENTSTITLE" val="0"/>
   <p:tag name="KSO_WM_UNIT_ISNUMDGMTITLE" val="0"/>
   <p:tag name="KSO_WM_UNIT_NOCLEAR" val="0"/>
-  <p:tag name="KSO_WM_UNIT_VALUE" val="28"/>
+  <p:tag name="KSO_WM_UNIT_VALUE" val="8"/>
   <p:tag name="KSO_WM_UNIT_HIGHLIGHT" val="0"/>
   <p:tag name="KSO_WM_UNIT_COMPATIBLE" val="0"/>
   <p:tag name="KSO_WM_UNIT_DIAGRAM_ISNUMVISUAL" val="0"/>
   <p:tag name="KSO_WM_UNIT_DIAGRAM_ISREFERUNIT" val="0"/>
   <p:tag name="KSO_WM_UNIT_TYPE" val="a"/>
   <p:tag name="KSO_WM_UNIT_INDEX" val="1"/>
-  <p:tag name="KSO_WM_UNIT_ID" val="diagram20212713_1*a*1"/>
+  <p:tag name="KSO_WM_UNIT_ID" val="diagram20209301_1*a*1"/>
   <p:tag name="KSO_WM_TEMPLATE_CATEGORY" val="diagram"/>
-  <p:tag name="KSO_WM_TEMPLATE_INDEX" val="20212713"/>
+  <p:tag name="KSO_WM_TEMPLATE_INDEX" val="20209301"/>
   <p:tag name="KSO_WM_UNIT_LAYERLEVEL" val="1"/>
   <p:tag name="KSO_WM_TAG_VERSION" val="1.0"/>
   <p:tag name="KSO_WM_BEAUTIFY_FLAG" val="#wm#"/>
-  <p:tag name="KSO_WM_UNIT_PRESET_TEXT" val="单击此处添加大标题内容"/>
+  <p:tag name="KSO_WM_UNIT_PRESET_TEXT" val="添加标题"/>
   <p:tag name="KSO_WM_UNIT_DEFAULT_FONT" val="24;44;4"/>
   <p:tag name="KSO_WM_UNIT_BLOCK" val="0"/>
   <p:tag name="KSO_WM_UNIT_SHOW_EDIT_AREA_INDICATION" val="1"/>
   <p:tag name="KSO_WM_CHIP_GROUPID" val="5e7881253197e252a37019b5"/>
   <p:tag name="KSO_WM_CHIP_XID" val="5e7881253197e252a37019b6"/>
-  <p:tag name="KSO_WM_UNIT_DEC_AREA_ID" val="8813dededcd94f83be1334e61bb4760c"/>
+  <p:tag name="KSO_WM_UNIT_DEC_AREA_ID" val="70db01aa80c74bdfb97857dc8aa0b04e"/>
   <p:tag name="KSO_WM_UNIT_DECORATE_INFO" val="{&quot;ReferentInfo&quot;:{&quot;Id&quot;:&quot;slide&quot;,&quot;X&quot;:{&quot;Pos&quot;:0},&quot;Y&quot;:{&quot;Pos&quot;:0}},&quot;DecorateInfoX&quot;:{&quot;Pos&quot;:0,&quot;IsAbs&quot;:false},&quot;DecorateInfoY&quot;:{&quot;Pos&quot;:0,&quot;IsAbs&quot;:false},&quot;DecorateInfoW&quot;:{&quot;IsAbs&quot;:false},&quot;DecorateInfoH&quot;:{&quot;IsAbs&quot;:false},&quot;whChangeMode&quot;:0}"/>
   <p:tag name="KSO_WM_UNIT_SM_LIMIT_TYPE" val="2"/>
-  <p:tag name="KSO_WM_CHIP_FILLAREA_FILL_RULE" val="{&quot;fill_align&quot;:&quot;lt&quot;,&quot;fill_mode&quot;:&quot;full&quot;,&quot;sacle_strategy&quot;:&quot;smart&quot;}"/>
-  <p:tag name="KSO_WM_ASSEMBLE_CHIP_INDEX" val="fba21aa6e7b04473ad95be895e1428b6"/>
+  <p:tag name="KSO_WM_CHIP_FILLAREA_FILL_RULE" val="{&quot;fill_align&quot;:&quot;lm&quot;,&quot;fill_mode&quot;:&quot;full&quot;,&quot;sacle_strategy&quot;:&quot;smart&quot;}"/>
+  <p:tag name="KSO_WM_ASSEMBLE_CHIP_INDEX" val="02ecc951d32c41bc9e0c47d9161b4394"/>
+  <p:tag name="KSO_WM_UNIT_SUPPORT_BIG_FONT" val="1"/>
   <p:tag name="KSO_WM_UNIT_TEXT_FILL_FORE_SCHEMECOLOR_INDEX_BRIGHTNESS" val="0"/>
   <p:tag name="KSO_WM_UNIT_TEXT_FILL_FORE_SCHEMECOLOR_INDEX" val="13"/>
   <p:tag name="KSO_WM_UNIT_TEXT_FILL_TYPE" val="1"/>
-  <p:tag name="KSO_WM_TEMPLATE_ASSEMBLE_XID" val="60656f644054ed1e2fb80930"/>
-  <p:tag name="KSO_WM_TEMPLATE_ASSEMBLE_GROUPID" val="60656f644054ed1e2fb80930"/>
+  <p:tag name="KSO_WM_TEMPLATE_ASSEMBLE_XID" val="60656e8d4054ed1e2fb7fb3f"/>
+  <p:tag name="KSO_WM_TEMPLATE_ASSEMBLE_GROUPID" val="60656e8d4054ed1e2fb7fb3f"/>
 </p:tagLst>
 </file>
 
-<file path=ppt/tags/tag411.xml><?xml version="1.0" encoding="utf-8"?>
+<file path=ppt/tags/tag435.xml><?xml version="1.0" encoding="utf-8"?>
+<p:tagLst xmlns:a="http://schemas.openxmlformats.org/drawingml/2006/main" xmlns:r="http://schemas.openxmlformats.org/officeDocument/2006/relationships" xmlns:p="http://schemas.openxmlformats.org/presentationml/2006/main">
+  <p:tag name="KSO_WM_UNIT_VALUE" val="550*1777"/>
+  <p:tag name="KSO_WM_UNIT_HIGHLIGHT" val="0"/>
+  <p:tag name="KSO_WM_UNIT_COMPATIBLE" val="0"/>
+  <p:tag name="KSO_WM_UNIT_DIAGRAM_ISNUMVISUAL" val="0"/>
+  <p:tag name="KSO_WM_UNIT_DIAGRAM_ISREFERUNIT" val="0"/>
+  <p:tag name="KSO_WM_UNIT_TYPE" val="d"/>
+  <p:tag name="KSO_WM_UNIT_INDEX" val="1"/>
+  <p:tag name="KSO_WM_UNIT_ID" val="diagram20209301_1*d*1"/>
+  <p:tag name="KSO_WM_TEMPLATE_CATEGORY" val="diagram"/>
+  <p:tag name="KSO_WM_TEMPLATE_INDEX" val="20209301"/>
+  <p:tag name="KSO_WM_UNIT_LAYERLEVEL" val="1"/>
+  <p:tag name="KSO_WM_TAG_VERSION" val="1.0"/>
+  <p:tag name="KSO_WM_BEAUTIFY_FLAG" val="#wm#"/>
+  <p:tag name="KSO_WM_CHIP_GROUPID" val="5e7310da9a230a26b9e88a19"/>
+  <p:tag name="KSO_WM_CHIP_XID" val="5e7310da9a230a26b9e88a1a"/>
+  <p:tag name="KSO_WM_UNIT_DEC_AREA_ID" val="9703c038fc014f12a1d2e36fa8a7fd33"/>
+  <p:tag name="KSO_WM_UNIT_DECORATE_INFO" val="{&quot;ReferentInfo&quot;:{&quot;Id&quot;:&quot;slide&quot;,&quot;X&quot;:{&quot;Pos&quot;:0},&quot;Y&quot;:{&quot;Pos&quot;:0}},&quot;DecorateInfoX&quot;:{&quot;Pos&quot;:0,&quot;IsAbs&quot;:false},&quot;DecorateInfoY&quot;:{&quot;Pos&quot;:0,&quot;IsAbs&quot;:false},&quot;DecorateInfoW&quot;:{&quot;IsAbs&quot;:false},&quot;DecorateInfoH&quot;:{&quot;IsAbs&quot;:false},&quot;whChangeMode&quot;:0}"/>
+  <p:tag name="KSO_WM_UNIT_SM_LIMIT_TYPE" val="2"/>
+  <p:tag name="KSO_WM_CHIP_FILLAREA_FILL_RULE" val="{&quot;fill_align&quot;:&quot;lm&quot;,&quot;fill_mode&quot;:&quot;full&quot;,&quot;sacle_strategy&quot;:&quot;smart&quot;}"/>
+  <p:tag name="KSO_WM_ASSEMBLE_CHIP_INDEX" val="5091ac5d3bfc4229a972bdfe8c681926"/>
+  <p:tag name="KSO_WM_UNIT_SUPPORT_UNIT_TYPE" val="[&quot;d&quot;,&quot;α&quot;,&quot;β&quot;,&quot;θ&quot;]"/>
+  <p:tag name="KSO_WM_TEMPLATE_ASSEMBLE_XID" val="60656e8d4054ed1e2fb7fb3f"/>
+  <p:tag name="KSO_WM_TEMPLATE_ASSEMBLE_GROUPID" val="60656e8d4054ed1e2fb7fb3f"/>
+</p:tagLst>
+</file>
+
+<file path=ppt/tags/tag436.xml><?xml version="1.0" encoding="utf-8"?>
 <p:tagLst xmlns:a="http://schemas.openxmlformats.org/drawingml/2006/main" xmlns:r="http://schemas.openxmlformats.org/officeDocument/2006/relationships" xmlns:p="http://schemas.openxmlformats.org/presentationml/2006/main">
   <p:tag name="KSO_WM_UNIT_TEXT_SUBTYPE" val="a"/>
   <p:tag name="KSO_WM_UNIT_SUBTYPE" val="a"/>
@@ -42227,1133 +42706,7 @@
 </p:tagLst>
 </file>
 
-<file path=ppt/tags/tag412.xml><?xml version="1.0" encoding="utf-8"?>
-<p:tagLst xmlns:a="http://schemas.openxmlformats.org/drawingml/2006/main" xmlns:r="http://schemas.openxmlformats.org/officeDocument/2006/relationships" xmlns:p="http://schemas.openxmlformats.org/presentationml/2006/main">
-  <p:tag name="KSO_WM_UNIT_HIGHLIGHT" val="0"/>
-  <p:tag name="KSO_WM_UNIT_COMPATIBLE" val="0"/>
-  <p:tag name="KSO_WM_UNIT_DIAGRAM_ISNUMVISUAL" val="0"/>
-  <p:tag name="KSO_WM_UNIT_DIAGRAM_ISREFERUNIT" val="0"/>
-  <p:tag name="KSO_WM_UNIT_TYPE" val="i"/>
-  <p:tag name="KSO_WM_UNIT_INDEX" val="2"/>
-  <p:tag name="KSO_WM_UNIT_ID" val="diagram20212713_1*i*2"/>
-  <p:tag name="KSO_WM_TEMPLATE_CATEGORY" val="diagram"/>
-  <p:tag name="KSO_WM_TEMPLATE_INDEX" val="20212713"/>
-  <p:tag name="KSO_WM_UNIT_LAYERLEVEL" val="1"/>
-  <p:tag name="KSO_WM_TAG_VERSION" val="1.0"/>
-  <p:tag name="KSO_WM_BEAUTIFY_FLAG" val="#wm#"/>
-  <p:tag name="KSO_WM_UNIT_BLOCK" val="0"/>
-  <p:tag name="KSO_WM_UNIT_SM_LIMIT_TYPE" val="2"/>
-  <p:tag name="KSO_WM_UNIT_DEC_AREA_ID" val="ab9e3ede4f02433781ee8c4bc865c252"/>
-  <p:tag name="KSO_WM_UNIT_DECORATE_INFO" val="{&quot;ReferentInfo&quot;:{&quot;Id&quot;:&quot;slide&quot;,&quot;X&quot;:{&quot;Pos&quot;:0},&quot;Y&quot;:{&quot;Pos&quot;:0}},&quot;DecorateInfoX&quot;:{&quot;Pos&quot;:0,&quot;IsAbs&quot;:false},&quot;DecorateInfoY&quot;:{&quot;Pos&quot;:0,&quot;IsAbs&quot;:false},&quot;DecorateInfoW&quot;:{&quot;IsAbs&quot;:false},&quot;DecorateInfoH&quot;:{&quot;IsAbs&quot;:false},&quot;whChangeMode&quot;:1}"/>
-  <p:tag name="KSO_WM_CHIP_GROUPID" val="5f708c7a747e3ea6e292a7fb"/>
-  <p:tag name="KSO_WM_CHIP_XID" val="5f708c7a747e3ea6e292a7fc"/>
-  <p:tag name="KSO_WM_UNIT_FILL_FORE_SCHEMECOLOR_INDEX_BRIGHTNESS" val="0"/>
-  <p:tag name="KSO_WM_UNIT_FILL_FORE_SCHEMECOLOR_INDEX" val="5"/>
-  <p:tag name="KSO_WM_UNIT_FILL_TYPE" val="1"/>
-  <p:tag name="KSO_WM_UNIT_TEXT_FILL_FORE_SCHEMECOLOR_INDEX_BRIGHTNESS" val="0"/>
-  <p:tag name="KSO_WM_UNIT_TEXT_FILL_FORE_SCHEMECOLOR_INDEX" val="2"/>
-  <p:tag name="KSO_WM_UNIT_TEXT_FILL_TYPE" val="1"/>
-  <p:tag name="KSO_WM_UNIT_VALUE" val="0"/>
-  <p:tag name="KSO_WM_TEMPLATE_ASSEMBLE_XID" val="60656f644054ed1e2fb80930"/>
-  <p:tag name="KSO_WM_TEMPLATE_ASSEMBLE_GROUPID" val="60656f644054ed1e2fb80930"/>
-</p:tagLst>
-</file>
-
-<file path=ppt/tags/tag413.xml><?xml version="1.0" encoding="utf-8"?>
-<p:tagLst xmlns:a="http://schemas.openxmlformats.org/drawingml/2006/main" xmlns:r="http://schemas.openxmlformats.org/officeDocument/2006/relationships" xmlns:p="http://schemas.openxmlformats.org/presentationml/2006/main">
-  <p:tag name="KSO_WM_BEAUTIFY_FLAG" val="#wm#"/>
-  <p:tag name="KSO_WM_TEMPLATE_CATEGORY" val="diagram"/>
-  <p:tag name="KSO_WM_TEMPLATE_INDEX" val="20211231"/>
-  <p:tag name="KSO_WM_SLIDE_ID" val="diagram20211231_1"/>
-  <p:tag name="KSO_WM_TEMPLATE_SUBCATEGORY" val="21"/>
-  <p:tag name="KSO_WM_TEMPLATE_MASTER_TYPE" val="0"/>
-  <p:tag name="KSO_WM_TEMPLATE_COLOR_TYPE" val="1"/>
-  <p:tag name="KSO_WM_SLIDE_TYPE" val="text"/>
-  <p:tag name="KSO_WM_SLIDE_SUBTYPE" val="picTxt"/>
-  <p:tag name="KSO_WM_SLIDE_ITEM_CNT" val="0"/>
-  <p:tag name="KSO_WM_SLIDE_INDEX" val="1"/>
-  <p:tag name="KSO_WM_SLIDE_SIZE" val="960*486"/>
-  <p:tag name="KSO_WM_SLIDE_POSITION" val="0*0"/>
-  <p:tag name="KSO_WM_TAG_VERSION" val="1.0"/>
-  <p:tag name="KSO_WM_SLIDE_LAYOUT" val="a_d"/>
-  <p:tag name="KSO_WM_SLIDE_LAYOUT_CNT" val="1_1"/>
-  <p:tag name="KSO_WM_SLIDE_LAYOUT_INFO" val="{&quot;id&quot;:&quot;2021-04-01T15:11:21&quot;,&quot;maxSize&quot;:{&quot;size1&quot;:13.3},&quot;minSize&quot;:{&quot;size1&quot;:13.3},&quot;normalSize&quot;:{&quot;size1&quot;:13.3},&quot;subLayout&quot;:[{&quot;backgroundInfo&quot;:[{&quot;bottom&quot;:0,&quot;bottomAbs&quot;:false,&quot;left&quot;:0,&quot;leftAbs&quot;:false,&quot;right&quot;:0,&quot;rightAbs&quot;:false,&quot;top&quot;:0,&quot;topAbs&quot;:false,&quot;type&quot;:&quot;navigation&quot;}],&quot;id&quot;:&quot;2021-04-01T15:11:21&quot;,&quot;margin&quot;:{&quot;bottom&quot;:0.4230000674724579,&quot;left&quot;:1.2699999809265137,&quot;right&quot;:1.2699999809265137,&quot;top&quot;:0.4230000674724579},&quot;type&quot;:0},{&quot;id&quot;:&quot;2021-04-01T15:11:21&quot;,&quot;margin&quot;:{&quot;bottom&quot;:4.2330002784729,&quot;left&quot;:6.349999904632568,&quot;right&quot;:5.927000999450684,&quot;top&quot;:4.2330002784729},&quot;type&quot;:0}],&quot;type&quot;:0}"/>
-  <p:tag name="KSO_WM_SLIDE_BACKGROUND" val="[&quot;navigation&quot;]"/>
-  <p:tag name="KSO_WM_SLIDE_RATIO" val="1.777778"/>
-  <p:tag name="KSO_WM_CHIP_INFOS" val="{&quot;type&quot;:0,&quot;layout_type&quot;:&quot;navigation&quot;,&quot;layout_feature&quot;:1,&quot;aspect_ratio&quot;:&quot;16:9&quot;,&quot;same_font_size&quot;:false,&quot;diagram&quot;:{&quot;type&quot;:[],&quot;direction&quot;:0,&quot;isSupportDecBetweenItems&quot;:false},&quot;tags&quot;:{&quot;style&quot;:[&quot;商务&quot;,&quot;简约&quot;,&quot;文艺清新&quot;,&quot;中国风&quot;,&quot;卡通&quot;,&quot;欧美风&quot;,&quot;黑板风&quot;,&quot;渐变风&quot;,&quot;党政风&quot;]},&quot;slide_type&quot;:[&quot;text&quot;]}"/>
-  <p:tag name="KSO_WM_CHIP_FILLPROP" val="[[{&quot;text_align&quot;:&quot;lm&quot;,&quot;text_direction&quot;:&quot;horizontal&quot;,&quot;support_big_font&quot;:false,&quot;picture_toward&quot;:0,&quot;picture_dockside&quot;:[],&quot;fill_id&quot;:&quot;c934b58042b44607bfcc30469ccc57d1&quot;,&quot;fill_align&quot;:&quot;lm&quot;,&quot;chip_types&quot;:[&quot;header&quot;]},{&quot;text_align&quot;:&quot;lm&quot;,&quot;text_direction&quot;:&quot;horizontal&quot;,&quot;support_big_font&quot;:false,&quot;picture_toward&quot;:0,&quot;picture_dockside&quot;:[],&quot;fill_id&quot;:&quot;1f78b58308e94978b285532b2378b13d&quot;,&quot;fill_align&quot;:&quot;cm&quot;,&quot;chip_types&quot;:[&quot;text&quot;,&quot;picture&quot;,&quot;chart&quot;,&quot;table&quot;]}]]"/>
-  <p:tag name="KSO_WM_CHIP_DECFILLPROP" val="[]"/>
-  <p:tag name="KSO_WM_CHIP_XID" val="5f5f3b668e478fb0c58a9408"/>
-  <p:tag name="KSO_WM_CHIP_GROUPID" val="5f5ee1ca4d6848d78f644aeb"/>
-  <p:tag name="KSO_WM_SLIDE_BK_DARK_LIGHT" val="2"/>
-  <p:tag name="KSO_WM_SLIDE_BACKGROUND_TYPE" val="navigation"/>
-  <p:tag name="KSO_WM_SLIDE_SUPPORT_FEATURE_TYPE" val="0"/>
-  <p:tag name="KSO_WM_TEMPLATE_ASSEMBLE_XID" val="60656ea84054ed1e2fb7fd42"/>
-  <p:tag name="KSO_WM_TEMPLATE_ASSEMBLE_GROUPID" val="60656ea84054ed1e2fb7fd42"/>
-</p:tagLst>
-</file>
-
-<file path=ppt/tags/tag414.xml><?xml version="1.0" encoding="utf-8"?>
-<p:tagLst xmlns:a="http://schemas.openxmlformats.org/drawingml/2006/main" xmlns:r="http://schemas.openxmlformats.org/officeDocument/2006/relationships" xmlns:p="http://schemas.openxmlformats.org/presentationml/2006/main">
-  <p:tag name="KSO_WM_UNIT_HIGHLIGHT" val="0"/>
-  <p:tag name="KSO_WM_UNIT_COMPATIBLE" val="0"/>
-  <p:tag name="KSO_WM_UNIT_DIAGRAM_ISNUMVISUAL" val="0"/>
-  <p:tag name="KSO_WM_UNIT_DIAGRAM_ISREFERUNIT" val="0"/>
-  <p:tag name="KSO_WM_UNIT_ID" val="_17*i*1"/>
-  <p:tag name="KSO_WM_UNIT_LAYERLEVEL" val="1"/>
-  <p:tag name="KSO_WM_TAG_VERSION" val="1.0"/>
-  <p:tag name="KSO_WM_BEAUTIFY_FLAG" val="#wm#"/>
-  <p:tag name="KSO_WM_UNIT_TYPE" val="i"/>
-  <p:tag name="KSO_WM_UNIT_INDEX" val="1"/>
-  <p:tag name="KSO_WM_UNIT_SUBTYPE" val="h"/>
-  <p:tag name="KSO_WM_SLIDE_BACKGROUND_TYPE" val="navigation"/>
-  <p:tag name="KSO_WM_SLIDE_BK_DARK_LIGHT" val="2"/>
-  <p:tag name="KSO_WM_UNIT_BK_DARK_LIGHT" val="2"/>
-  <p:tag name="KSO_WM_UNIT_FILL_FORE_SCHEMECOLOR_INDEX_BRIGHTNESS" val="0"/>
-  <p:tag name="KSO_WM_UNIT_FILL_FORE_SCHEMECOLOR_INDEX" val="15"/>
-  <p:tag name="KSO_WM_UNIT_FILL_TYPE" val="1"/>
-  <p:tag name="KSO_WM_UNIT_TEXT_FILL_FORE_SCHEMECOLOR_INDEX_BRIGHTNESS" val="0"/>
-  <p:tag name="KSO_WM_UNIT_TEXT_FILL_FORE_SCHEMECOLOR_INDEX" val="2"/>
-  <p:tag name="KSO_WM_UNIT_TEXT_FILL_TYPE" val="1"/>
-</p:tagLst>
-</file>
-
-<file path=ppt/tags/tag415.xml><?xml version="1.0" encoding="utf-8"?>
-<p:tagLst xmlns:a="http://schemas.openxmlformats.org/drawingml/2006/main" xmlns:r="http://schemas.openxmlformats.org/officeDocument/2006/relationships" xmlns:p="http://schemas.openxmlformats.org/presentationml/2006/main">
-  <p:tag name="KSO_WM_UNIT_HIGHLIGHT" val="0"/>
-  <p:tag name="KSO_WM_UNIT_COMPATIBLE" val="0"/>
-  <p:tag name="KSO_WM_UNIT_DIAGRAM_ISNUMVISUAL" val="0"/>
-  <p:tag name="KSO_WM_UNIT_DIAGRAM_ISREFERUNIT" val="0"/>
-  <p:tag name="KSO_WM_UNIT_TYPE" val="i"/>
-  <p:tag name="KSO_WM_UNIT_INDEX" val="2"/>
-  <p:tag name="KSO_WM_UNIT_ID" val="diagram20211231_1*i*2"/>
-  <p:tag name="KSO_WM_TEMPLATE_CATEGORY" val="diagram"/>
-  <p:tag name="KSO_WM_TEMPLATE_INDEX" val="20211231"/>
-  <p:tag name="KSO_WM_UNIT_LAYERLEVEL" val="1"/>
-  <p:tag name="KSO_WM_TAG_VERSION" val="1.0"/>
-  <p:tag name="KSO_WM_BEAUTIFY_FLAG" val="#wm#"/>
-  <p:tag name="KSO_WM_UNIT_BLOCK" val="0"/>
-  <p:tag name="KSO_WM_UNIT_SM_LIMIT_TYPE" val="2"/>
-  <p:tag name="KSO_WM_UNIT_DEC_AREA_ID" val="36560fcab6a54bdc90b67b924a8f9cd7"/>
-  <p:tag name="KSO_WM_UNIT_DECORATE_INFO" val="{&quot;ReferentInfo&quot;:{&quot;Id&quot;:&quot;slide&quot;,&quot;X&quot;:{&quot;Pos&quot;:0},&quot;Y&quot;:{&quot;Pos&quot;:0}},&quot;DecorateInfoX&quot;:{&quot;Pos&quot;:0,&quot;IsAbs&quot;:false},&quot;DecorateInfoY&quot;:{&quot;Pos&quot;:0,&quot;IsAbs&quot;:false},&quot;DecorateInfoW&quot;:{&quot;IsAbs&quot;:false},&quot;DecorateInfoH&quot;:{&quot;IsAbs&quot;:false},&quot;whChangeMode&quot;:1}"/>
-  <p:tag name="KSO_WM_CHIP_GROUPID" val="5f5ee1ca4d6848d78f644aeb"/>
-  <p:tag name="KSO_WM_CHIP_XID" val="5f5f3b668e478fb0c58a9408"/>
-  <p:tag name="KSO_WM_UNIT_LINE_FORE_SCHEMECOLOR_INDEX_BRIGHTNESS" val="0"/>
-  <p:tag name="KSO_WM_UNIT_LINE_FORE_SCHEMECOLOR_INDEX" val="5"/>
-  <p:tag name="KSO_WM_UNIT_LINE_FILL_TYPE" val="2"/>
-  <p:tag name="KSO_WM_UNIT_TEXT_FILL_FORE_SCHEMECOLOR_INDEX_BRIGHTNESS" val="0"/>
-  <p:tag name="KSO_WM_UNIT_TEXT_FILL_FORE_SCHEMECOLOR_INDEX" val="2"/>
-  <p:tag name="KSO_WM_UNIT_TEXT_FILL_TYPE" val="1"/>
-  <p:tag name="KSO_WM_UNIT_VALUE" val="480"/>
-  <p:tag name="KSO_WM_TEMPLATE_ASSEMBLE_XID" val="60656ea84054ed1e2fb7fd42"/>
-  <p:tag name="KSO_WM_TEMPLATE_ASSEMBLE_GROUPID" val="60656ea84054ed1e2fb7fd42"/>
-</p:tagLst>
-</file>
-
-<file path=ppt/tags/tag416.xml><?xml version="1.0" encoding="utf-8"?>
-<p:tagLst xmlns:a="http://schemas.openxmlformats.org/drawingml/2006/main" xmlns:r="http://schemas.openxmlformats.org/officeDocument/2006/relationships" xmlns:p="http://schemas.openxmlformats.org/presentationml/2006/main">
-  <p:tag name="KSO_WM_UNIT_HIGHLIGHT" val="0"/>
-  <p:tag name="KSO_WM_UNIT_COMPATIBLE" val="0"/>
-  <p:tag name="KSO_WM_UNIT_DIAGRAM_ISNUMVISUAL" val="0"/>
-  <p:tag name="KSO_WM_UNIT_DIAGRAM_ISREFERUNIT" val="0"/>
-  <p:tag name="KSO_WM_UNIT_TYPE" val="i"/>
-  <p:tag name="KSO_WM_UNIT_INDEX" val="3"/>
-  <p:tag name="KSO_WM_UNIT_ID" val="diagram20211231_1*i*3"/>
-  <p:tag name="KSO_WM_TEMPLATE_CATEGORY" val="diagram"/>
-  <p:tag name="KSO_WM_TEMPLATE_INDEX" val="20211231"/>
-  <p:tag name="KSO_WM_UNIT_LAYERLEVEL" val="1"/>
-  <p:tag name="KSO_WM_TAG_VERSION" val="1.0"/>
-  <p:tag name="KSO_WM_BEAUTIFY_FLAG" val="#wm#"/>
-  <p:tag name="KSO_WM_UNIT_BLOCK" val="0"/>
-  <p:tag name="KSO_WM_UNIT_SM_LIMIT_TYPE" val="2"/>
-  <p:tag name="KSO_WM_UNIT_DEC_AREA_ID" val="608fd04aa72e4ec6a63c33189090d4c4"/>
-  <p:tag name="KSO_WM_UNIT_DECORATE_INFO" val="{&quot;ReferentInfo&quot;:{&quot;Id&quot;:&quot;slide&quot;,&quot;X&quot;:{&quot;Pos&quot;:0},&quot;Y&quot;:{&quot;Pos&quot;:0}},&quot;DecorateInfoX&quot;:{&quot;Pos&quot;:0,&quot;IsAbs&quot;:false},&quot;DecorateInfoY&quot;:{&quot;Pos&quot;:0,&quot;IsAbs&quot;:false},&quot;DecorateInfoW&quot;:{&quot;IsAbs&quot;:false},&quot;DecorateInfoH&quot;:{&quot;IsAbs&quot;:false},&quot;whChangeMode&quot;:1}"/>
-  <p:tag name="KSO_WM_CHIP_GROUPID" val="5f5ee1ca4d6848d78f644aeb"/>
-  <p:tag name="KSO_WM_CHIP_XID" val="5f5f3b668e478fb0c58a9408"/>
-  <p:tag name="KSO_WM_UNIT_FILL_FORE_SCHEMECOLOR_INDEX_BRIGHTNESS" val="0"/>
-  <p:tag name="KSO_WM_UNIT_FILL_FORE_SCHEMECOLOR_INDEX" val="16"/>
-  <p:tag name="KSO_WM_UNIT_FILL_TYPE" val="1"/>
-  <p:tag name="KSO_WM_UNIT_SHADOW_SCHEMECOLOR_INDEX_BRIGHTNESS" val="-0.5"/>
-  <p:tag name="KSO_WM_UNIT_SHADOW_SCHEMECOLOR_INDEX" val="14"/>
-  <p:tag name="KSO_WM_UNIT_TEXT_FILL_FORE_SCHEMECOLOR_INDEX_BRIGHTNESS" val="0"/>
-  <p:tag name="KSO_WM_UNIT_TEXT_FILL_FORE_SCHEMECOLOR_INDEX" val="2"/>
-  <p:tag name="KSO_WM_UNIT_TEXT_FILL_TYPE" val="1"/>
-  <p:tag name="KSO_WM_UNIT_VALUE" val="468"/>
-  <p:tag name="KSO_WM_TEMPLATE_ASSEMBLE_XID" val="60656ea84054ed1e2fb7fd42"/>
-  <p:tag name="KSO_WM_TEMPLATE_ASSEMBLE_GROUPID" val="60656ea84054ed1e2fb7fd42"/>
-</p:tagLst>
-</file>
-
-<file path=ppt/tags/tag417.xml><?xml version="1.0" encoding="utf-8"?>
-<p:tagLst xmlns:a="http://schemas.openxmlformats.org/drawingml/2006/main" xmlns:r="http://schemas.openxmlformats.org/officeDocument/2006/relationships" xmlns:p="http://schemas.openxmlformats.org/presentationml/2006/main">
-  <p:tag name="KSO_WM_UNIT_HIGHLIGHT" val="0"/>
-  <p:tag name="KSO_WM_UNIT_COMPATIBLE" val="0"/>
-  <p:tag name="KSO_WM_UNIT_DIAGRAM_ISNUMVISUAL" val="0"/>
-  <p:tag name="KSO_WM_UNIT_DIAGRAM_ISREFERUNIT" val="0"/>
-  <p:tag name="KSO_WM_UNIT_TYPE" val="i"/>
-  <p:tag name="KSO_WM_UNIT_INDEX" val="4"/>
-  <p:tag name="KSO_WM_UNIT_ID" val="diagram20211231_1*i*4"/>
-  <p:tag name="KSO_WM_TEMPLATE_CATEGORY" val="diagram"/>
-  <p:tag name="KSO_WM_TEMPLATE_INDEX" val="20211231"/>
-  <p:tag name="KSO_WM_UNIT_LAYERLEVEL" val="1"/>
-  <p:tag name="KSO_WM_TAG_VERSION" val="1.0"/>
-  <p:tag name="KSO_WM_BEAUTIFY_FLAG" val="#wm#"/>
-  <p:tag name="KSO_WM_UNIT_BLOCK" val="0"/>
-  <p:tag name="KSO_WM_UNIT_SM_LIMIT_TYPE" val="2"/>
-  <p:tag name="KSO_WM_UNIT_DEC_AREA_ID" val="6a9d9263704245bd9c227eb0fd080825"/>
-  <p:tag name="KSO_WM_UNIT_DECORATE_INFO" val="{&quot;ReferentInfo&quot;:{&quot;Id&quot;:&quot;slide&quot;,&quot;X&quot;:{&quot;Pos&quot;:2},&quot;Y&quot;:{&quot;Pos&quot;:0}},&quot;DecorateInfoX&quot;:{&quot;Pos&quot;:2,&quot;IsAbs&quot;:false},&quot;DecorateInfoY&quot;:{&quot;Pos&quot;:0,&quot;IsAbs&quot;:false},&quot;DecorateInfoW&quot;:{&quot;IsAbs&quot;:false},&quot;DecorateInfoH&quot;:{&quot;IsAbs&quot;:false},&quot;whChangeMode&quot;:1}"/>
-  <p:tag name="KSO_WM_CHIP_GROUPID" val="5f5ee1ca4d6848d78f644aeb"/>
-  <p:tag name="KSO_WM_CHIP_XID" val="5f5f3b668e478fb0c58a9408"/>
-  <p:tag name="KSO_WM_TEMPLATE_ASSEMBLE_XID" val="60656ea84054ed1e2fb7fd42"/>
-  <p:tag name="KSO_WM_TEMPLATE_ASSEMBLE_GROUPID" val="60656ea84054ed1e2fb7fd42"/>
-</p:tagLst>
-</file>
-
-<file path=ppt/tags/tag418.xml><?xml version="1.0" encoding="utf-8"?>
-<p:tagLst xmlns:a="http://schemas.openxmlformats.org/drawingml/2006/main" xmlns:r="http://schemas.openxmlformats.org/officeDocument/2006/relationships" xmlns:p="http://schemas.openxmlformats.org/presentationml/2006/main">
-  <p:tag name="KSO_WM_UNIT_HIGHLIGHT" val="0"/>
-  <p:tag name="KSO_WM_UNIT_COMPATIBLE" val="0"/>
-  <p:tag name="KSO_WM_UNIT_DIAGRAM_ISNUMVISUAL" val="0"/>
-  <p:tag name="KSO_WM_UNIT_DIAGRAM_ISREFERUNIT" val="0"/>
-  <p:tag name="KSO_WM_UNIT_TYPE" val="i"/>
-  <p:tag name="KSO_WM_UNIT_INDEX" val="8"/>
-  <p:tag name="KSO_WM_UNIT_ID" val="diagram20211231_1*i*8"/>
-  <p:tag name="KSO_WM_TEMPLATE_CATEGORY" val="diagram"/>
-  <p:tag name="KSO_WM_TEMPLATE_INDEX" val="20211231"/>
-  <p:tag name="KSO_WM_UNIT_LAYERLEVEL" val="1"/>
-  <p:tag name="KSO_WM_TAG_VERSION" val="1.0"/>
-  <p:tag name="KSO_WM_BEAUTIFY_FLAG" val="#wm#"/>
-  <p:tag name="KSO_WM_UNIT_BLOCK" val="0"/>
-  <p:tag name="KSO_WM_UNIT_SM_LIMIT_TYPE" val="2"/>
-  <p:tag name="KSO_WM_UNIT_DEC_AREA_ID" val="a6e0489f79bc4427aca11fb1f6a0fa7c"/>
-  <p:tag name="KSO_WM_UNIT_DECORATE_INFO" val="{&quot;ReferentInfo&quot;:{&quot;Id&quot;:&quot;slide&quot;,&quot;X&quot;:{&quot;Pos&quot;:0},&quot;Y&quot;:{&quot;Pos&quot;:2}},&quot;DecorateInfoX&quot;:{&quot;Pos&quot;:0,&quot;IsAbs&quot;:false},&quot;DecorateInfoY&quot;:{&quot;Pos&quot;:2,&quot;IsAbs&quot;:false},&quot;DecorateInfoW&quot;:{&quot;IsAbs&quot;:false},&quot;DecorateInfoH&quot;:{&quot;IsAbs&quot;:false},&quot;whChangeMode&quot;:1}"/>
-  <p:tag name="KSO_WM_CHIP_GROUPID" val="5f5ee1ca4d6848d78f644aeb"/>
-  <p:tag name="KSO_WM_CHIP_XID" val="5f5f3b668e478fb0c58a9408"/>
-  <p:tag name="KSO_WM_TEMPLATE_ASSEMBLE_XID" val="60656ea84054ed1e2fb7fd42"/>
-  <p:tag name="KSO_WM_TEMPLATE_ASSEMBLE_GROUPID" val="60656ea84054ed1e2fb7fd42"/>
-</p:tagLst>
-</file>
-
-<file path=ppt/tags/tag419.xml><?xml version="1.0" encoding="utf-8"?>
-<p:tagLst xmlns:a="http://schemas.openxmlformats.org/drawingml/2006/main" xmlns:r="http://schemas.openxmlformats.org/officeDocument/2006/relationships" xmlns:p="http://schemas.openxmlformats.org/presentationml/2006/main">
-  <p:tag name="KSO_WM_UNIT_ISCONTENTSTITLE" val="0"/>
-  <p:tag name="KSO_WM_UNIT_ISNUMDGMTITLE" val="0"/>
-  <p:tag name="KSO_WM_UNIT_NOCLEAR" val="0"/>
-  <p:tag name="KSO_WM_UNIT_VALUE" val="31"/>
-  <p:tag name="KSO_WM_UNIT_HIGHLIGHT" val="0"/>
-  <p:tag name="KSO_WM_UNIT_COMPATIBLE" val="0"/>
-  <p:tag name="KSO_WM_UNIT_DIAGRAM_ISNUMVISUAL" val="0"/>
-  <p:tag name="KSO_WM_UNIT_DIAGRAM_ISREFERUNIT" val="0"/>
-  <p:tag name="KSO_WM_UNIT_TYPE" val="a"/>
-  <p:tag name="KSO_WM_UNIT_INDEX" val="1"/>
-  <p:tag name="KSO_WM_UNIT_ID" val="diagram20211231_1*a*1"/>
-  <p:tag name="KSO_WM_TEMPLATE_CATEGORY" val="diagram"/>
-  <p:tag name="KSO_WM_TEMPLATE_INDEX" val="20211231"/>
-  <p:tag name="KSO_WM_UNIT_LAYERLEVEL" val="1"/>
-  <p:tag name="KSO_WM_TAG_VERSION" val="1.0"/>
-  <p:tag name="KSO_WM_BEAUTIFY_FLAG" val="#wm#"/>
-  <p:tag name="KSO_WM_UNIT_PRESET_TEXT" val="单击此处添加大标题内容"/>
-  <p:tag name="KSO_WM_UNIT_DEFAULT_FONT" val="24;44;4"/>
-  <p:tag name="KSO_WM_UNIT_BLOCK" val="0"/>
-  <p:tag name="KSO_WM_UNIT_SHOW_EDIT_AREA_INDICATION" val="1"/>
-  <p:tag name="KSO_WM_CHIP_GROUPID" val="5e7881253197e252a37019b5"/>
-  <p:tag name="KSO_WM_CHIP_XID" val="5e7881253197e252a37019b6"/>
-  <p:tag name="KSO_WM_UNIT_DEC_AREA_ID" val="62a523b3958648b4a1cc7177d0b8e417"/>
-  <p:tag name="KSO_WM_UNIT_DECORATE_INFO" val="{&quot;ReferentInfo&quot;:{&quot;Id&quot;:&quot;slide&quot;,&quot;X&quot;:{&quot;Pos&quot;:0},&quot;Y&quot;:{&quot;Pos&quot;:0}},&quot;DecorateInfoX&quot;:{&quot;Pos&quot;:0,&quot;IsAbs&quot;:false},&quot;DecorateInfoY&quot;:{&quot;Pos&quot;:0,&quot;IsAbs&quot;:false},&quot;DecorateInfoW&quot;:{&quot;IsAbs&quot;:false},&quot;DecorateInfoH&quot;:{&quot;IsAbs&quot;:false},&quot;whChangeMode&quot;:0}"/>
-  <p:tag name="KSO_WM_UNIT_SM_LIMIT_TYPE" val="2"/>
-  <p:tag name="KSO_WM_CHIP_FILLAREA_FILL_RULE" val="{&quot;fill_align&quot;:&quot;lm&quot;,&quot;fill_mode&quot;:&quot;full&quot;,&quot;sacle_strategy&quot;:&quot;smart&quot;}"/>
-  <p:tag name="KSO_WM_ASSEMBLE_CHIP_INDEX" val="4754dbc92c694e57a9b61d6e852ee504"/>
-  <p:tag name="KSO_WM_UNIT_TEXT_FILL_FORE_SCHEMECOLOR_INDEX_BRIGHTNESS" val="0"/>
-  <p:tag name="KSO_WM_UNIT_TEXT_FILL_FORE_SCHEMECOLOR_INDEX" val="13"/>
-  <p:tag name="KSO_WM_UNIT_TEXT_FILL_TYPE" val="1"/>
-  <p:tag name="KSO_WM_TEMPLATE_ASSEMBLE_XID" val="60656ea84054ed1e2fb7fd42"/>
-  <p:tag name="KSO_WM_TEMPLATE_ASSEMBLE_GROUPID" val="60656ea84054ed1e2fb7fd42"/>
-</p:tagLst>
-</file>
-
-<file path=ppt/tags/tag42.xml><?xml version="1.0" encoding="utf-8"?>
-<p:tagLst xmlns:a="http://schemas.openxmlformats.org/drawingml/2006/main" xmlns:r="http://schemas.openxmlformats.org/officeDocument/2006/relationships" xmlns:p="http://schemas.openxmlformats.org/presentationml/2006/main">
-  <p:tag name="KSO_WM_UNIT_HIGHLIGHT" val="0"/>
-  <p:tag name="KSO_WM_UNIT_COMPATIBLE" val="0"/>
-  <p:tag name="KSO_WM_UNIT_DIAGRAM_ISNUMVISUAL" val="0"/>
-  <p:tag name="KSO_WM_UNIT_DIAGRAM_ISREFERUNIT" val="0"/>
-  <p:tag name="KSO_WM_UNIT_ID" val="_7**"/>
-  <p:tag name="KSO_WM_UNIT_LAYERLEVEL" val="1"/>
-  <p:tag name="KSO_WM_TAG_VERSION" val="1.0"/>
-  <p:tag name="KSO_WM_BEAUTIFY_FLAG" val="#wm#"/>
-</p:tagLst>
-</file>
-
-<file path=ppt/tags/tag420.xml><?xml version="1.0" encoding="utf-8"?>
-<p:tagLst xmlns:a="http://schemas.openxmlformats.org/drawingml/2006/main" xmlns:r="http://schemas.openxmlformats.org/officeDocument/2006/relationships" xmlns:p="http://schemas.openxmlformats.org/presentationml/2006/main">
-  <p:tag name="KSO_WM_BEAUTIFY_FLAG" val="#wm#"/>
-  <p:tag name="KSO_WM_UNIT_TYPE" val="β"/>
-</p:tagLst>
-</file>
-
-<file path=ppt/tags/tag421.xml><?xml version="1.0" encoding="utf-8"?>
-<p:tagLst xmlns:a="http://schemas.openxmlformats.org/drawingml/2006/main" xmlns:r="http://schemas.openxmlformats.org/officeDocument/2006/relationships" xmlns:p="http://schemas.openxmlformats.org/presentationml/2006/main">
-  <p:tag name="KSO_WM_UNIT_HIGHLIGHT" val="0"/>
-  <p:tag name="KSO_WM_UNIT_COMPATIBLE" val="0"/>
-  <p:tag name="KSO_WM_UNIT_DIAGRAM_ISNUMVISUAL" val="0"/>
-  <p:tag name="KSO_WM_UNIT_DIAGRAM_ISREFERUNIT" val="0"/>
-  <p:tag name="KSO_WM_UNIT_TYPE" val="i"/>
-  <p:tag name="KSO_WM_UNIT_INDEX" val="9"/>
-  <p:tag name="KSO_WM_UNIT_ID" val="diagram20211231_1*i*9"/>
-  <p:tag name="KSO_WM_TEMPLATE_CATEGORY" val="diagram"/>
-  <p:tag name="KSO_WM_TEMPLATE_INDEX" val="20211231"/>
-  <p:tag name="KSO_WM_UNIT_LAYERLEVEL" val="1"/>
-  <p:tag name="KSO_WM_TAG_VERSION" val="1.0"/>
-  <p:tag name="KSO_WM_BEAUTIFY_FLAG" val="#wm#"/>
-  <p:tag name="KSO_WM_UNIT_SM_LIMIT_TYPE" val="2"/>
-  <p:tag name="KSO_WM_CHIP_GROUPID" val="5f5ee1ca4d6848d78f644aeb"/>
-  <p:tag name="KSO_WM_CHIP_XID" val="5f5f3b668e478fb0c58a9408"/>
-  <p:tag name="KSO_WM_UNIT_FILL_FORE_SCHEMECOLOR_INDEX_BRIGHTNESS" val="0"/>
-  <p:tag name="KSO_WM_UNIT_FILL_FORE_SCHEMECOLOR_INDEX" val="5"/>
-  <p:tag name="KSO_WM_UNIT_FILL_TYPE" val="1"/>
-  <p:tag name="KSO_WM_UNIT_TEXT_FILL_FORE_SCHEMECOLOR_INDEX_BRIGHTNESS" val="0"/>
-  <p:tag name="KSO_WM_UNIT_TEXT_FILL_FORE_SCHEMECOLOR_INDEX" val="2"/>
-  <p:tag name="KSO_WM_UNIT_TEXT_FILL_TYPE" val="1"/>
-  <p:tag name="KSO_WM_UNIT_VALUE" val="0"/>
-  <p:tag name="KSO_WM_TEMPLATE_ASSEMBLE_XID" val="60656ea84054ed1e2fb7fd42"/>
-  <p:tag name="KSO_WM_TEMPLATE_ASSEMBLE_GROUPID" val="60656ea84054ed1e2fb7fd42"/>
-</p:tagLst>
-</file>
-
-<file path=ppt/tags/tag422.xml><?xml version="1.0" encoding="utf-8"?>
-<p:tagLst xmlns:a="http://schemas.openxmlformats.org/drawingml/2006/main" xmlns:r="http://schemas.openxmlformats.org/officeDocument/2006/relationships" xmlns:p="http://schemas.openxmlformats.org/presentationml/2006/main">
-  <p:tag name="KSO_WM_UNIT_HIGHLIGHT" val="0"/>
-  <p:tag name="KSO_WM_UNIT_COMPATIBLE" val="0"/>
-  <p:tag name="KSO_WM_UNIT_DIAGRAM_ISNUMVISUAL" val="0"/>
-  <p:tag name="KSO_WM_UNIT_DIAGRAM_ISREFERUNIT" val="0"/>
-  <p:tag name="KSO_WM_UNIT_TYPE" val="i"/>
-  <p:tag name="KSO_WM_UNIT_INDEX" val="10"/>
-  <p:tag name="KSO_WM_UNIT_ID" val="diagram20211231_1*i*10"/>
-  <p:tag name="KSO_WM_TEMPLATE_CATEGORY" val="diagram"/>
-  <p:tag name="KSO_WM_TEMPLATE_INDEX" val="20211231"/>
-  <p:tag name="KSO_WM_UNIT_LAYERLEVEL" val="1"/>
-  <p:tag name="KSO_WM_TAG_VERSION" val="1.0"/>
-  <p:tag name="KSO_WM_BEAUTIFY_FLAG" val="#wm#"/>
-  <p:tag name="KSO_WM_UNIT_SM_LIMIT_TYPE" val="2"/>
-  <p:tag name="KSO_WM_CHIP_GROUPID" val="5f5ee1ca4d6848d78f644aeb"/>
-  <p:tag name="KSO_WM_CHIP_XID" val="5f5f3b668e478fb0c58a9408"/>
-  <p:tag name="KSO_WM_UNIT_FILL_FORE_SCHEMECOLOR_INDEX_BRIGHTNESS" val="0"/>
-  <p:tag name="KSO_WM_UNIT_FILL_FORE_SCHEMECOLOR_INDEX" val="5"/>
-  <p:tag name="KSO_WM_UNIT_FILL_TYPE" val="1"/>
-  <p:tag name="KSO_WM_UNIT_TEXT_FILL_FORE_SCHEMECOLOR_INDEX_BRIGHTNESS" val="0"/>
-  <p:tag name="KSO_WM_UNIT_TEXT_FILL_FORE_SCHEMECOLOR_INDEX" val="2"/>
-  <p:tag name="KSO_WM_UNIT_TEXT_FILL_TYPE" val="1"/>
-  <p:tag name="KSO_WM_UNIT_VALUE" val="0"/>
-  <p:tag name="KSO_WM_TEMPLATE_ASSEMBLE_XID" val="60656ea84054ed1e2fb7fd42"/>
-  <p:tag name="KSO_WM_TEMPLATE_ASSEMBLE_GROUPID" val="60656ea84054ed1e2fb7fd42"/>
-</p:tagLst>
-</file>
-
-<file path=ppt/tags/tag423.xml><?xml version="1.0" encoding="utf-8"?>
-<p:tagLst xmlns:a="http://schemas.openxmlformats.org/drawingml/2006/main" xmlns:r="http://schemas.openxmlformats.org/officeDocument/2006/relationships" xmlns:p="http://schemas.openxmlformats.org/presentationml/2006/main">
-  <p:tag name="KSO_WM_UNIT_HIGHLIGHT" val="0"/>
-  <p:tag name="KSO_WM_UNIT_COMPATIBLE" val="0"/>
-  <p:tag name="KSO_WM_UNIT_DIAGRAM_ISNUMVISUAL" val="0"/>
-  <p:tag name="KSO_WM_UNIT_DIAGRAM_ISREFERUNIT" val="0"/>
-  <p:tag name="KSO_WM_UNIT_TYPE" val="i"/>
-  <p:tag name="KSO_WM_UNIT_INDEX" val="11"/>
-  <p:tag name="KSO_WM_UNIT_ID" val="diagram20211231_1*i*11"/>
-  <p:tag name="KSO_WM_TEMPLATE_CATEGORY" val="diagram"/>
-  <p:tag name="KSO_WM_TEMPLATE_INDEX" val="20211231"/>
-  <p:tag name="KSO_WM_UNIT_LAYERLEVEL" val="1"/>
-  <p:tag name="KSO_WM_TAG_VERSION" val="1.0"/>
-  <p:tag name="KSO_WM_BEAUTIFY_FLAG" val="#wm#"/>
-  <p:tag name="KSO_WM_UNIT_SM_LIMIT_TYPE" val="2"/>
-  <p:tag name="KSO_WM_CHIP_GROUPID" val="5f5ee1ca4d6848d78f644aeb"/>
-  <p:tag name="KSO_WM_CHIP_XID" val="5f5f3b668e478fb0c58a9408"/>
-  <p:tag name="KSO_WM_UNIT_FILL_FORE_SCHEMECOLOR_INDEX_BRIGHTNESS" val="0"/>
-  <p:tag name="KSO_WM_UNIT_FILL_FORE_SCHEMECOLOR_INDEX" val="5"/>
-  <p:tag name="KSO_WM_UNIT_FILL_TYPE" val="1"/>
-  <p:tag name="KSO_WM_UNIT_TEXT_FILL_FORE_SCHEMECOLOR_INDEX_BRIGHTNESS" val="0"/>
-  <p:tag name="KSO_WM_UNIT_TEXT_FILL_FORE_SCHEMECOLOR_INDEX" val="2"/>
-  <p:tag name="KSO_WM_UNIT_TEXT_FILL_TYPE" val="1"/>
-  <p:tag name="KSO_WM_UNIT_VALUE" val="0"/>
-  <p:tag name="KSO_WM_TEMPLATE_ASSEMBLE_XID" val="60656ea84054ed1e2fb7fd42"/>
-  <p:tag name="KSO_WM_TEMPLATE_ASSEMBLE_GROUPID" val="60656ea84054ed1e2fb7fd42"/>
-</p:tagLst>
-</file>
-
-<file path=ppt/tags/tag424.xml><?xml version="1.0" encoding="utf-8"?>
-<p:tagLst xmlns:a="http://schemas.openxmlformats.org/drawingml/2006/main" xmlns:r="http://schemas.openxmlformats.org/officeDocument/2006/relationships" xmlns:p="http://schemas.openxmlformats.org/presentationml/2006/main">
-  <p:tag name="KSO_WM_UNIT_HIGHLIGHT" val="0"/>
-  <p:tag name="KSO_WM_UNIT_COMPATIBLE" val="0"/>
-  <p:tag name="KSO_WM_UNIT_DIAGRAM_ISNUMVISUAL" val="0"/>
-  <p:tag name="KSO_WM_UNIT_DIAGRAM_ISREFERUNIT" val="0"/>
-  <p:tag name="KSO_WM_UNIT_TYPE" val="i"/>
-  <p:tag name="KSO_WM_UNIT_INDEX" val="5"/>
-  <p:tag name="KSO_WM_UNIT_ID" val="diagram20211231_1*i*5"/>
-  <p:tag name="KSO_WM_TEMPLATE_CATEGORY" val="diagram"/>
-  <p:tag name="KSO_WM_TEMPLATE_INDEX" val="20211231"/>
-  <p:tag name="KSO_WM_UNIT_LAYERLEVEL" val="1"/>
-  <p:tag name="KSO_WM_TAG_VERSION" val="1.0"/>
-  <p:tag name="KSO_WM_BEAUTIFY_FLAG" val="#wm#"/>
-  <p:tag name="KSO_WM_UNIT_SM_LIMIT_TYPE" val="2"/>
-  <p:tag name="KSO_WM_CHIP_GROUPID" val="5f5ee1ca4d6848d78f644aeb"/>
-  <p:tag name="KSO_WM_CHIP_XID" val="5f5f3b668e478fb0c58a9408"/>
-  <p:tag name="KSO_WM_UNIT_FILL_FORE_SCHEMECOLOR_INDEX_BRIGHTNESS" val="0"/>
-  <p:tag name="KSO_WM_UNIT_FILL_FORE_SCHEMECOLOR_INDEX" val="5"/>
-  <p:tag name="KSO_WM_UNIT_FILL_TYPE" val="1"/>
-  <p:tag name="KSO_WM_UNIT_TEXT_FILL_FORE_SCHEMECOLOR_INDEX_BRIGHTNESS" val="0"/>
-  <p:tag name="KSO_WM_UNIT_TEXT_FILL_FORE_SCHEMECOLOR_INDEX" val="2"/>
-  <p:tag name="KSO_WM_UNIT_TEXT_FILL_TYPE" val="1"/>
-  <p:tag name="KSO_WM_UNIT_VALUE" val="0"/>
-  <p:tag name="KSO_WM_TEMPLATE_ASSEMBLE_XID" val="60656ea84054ed1e2fb7fd42"/>
-  <p:tag name="KSO_WM_TEMPLATE_ASSEMBLE_GROUPID" val="60656ea84054ed1e2fb7fd42"/>
-</p:tagLst>
-</file>
-
-<file path=ppt/tags/tag425.xml><?xml version="1.0" encoding="utf-8"?>
-<p:tagLst xmlns:a="http://schemas.openxmlformats.org/drawingml/2006/main" xmlns:r="http://schemas.openxmlformats.org/officeDocument/2006/relationships" xmlns:p="http://schemas.openxmlformats.org/presentationml/2006/main">
-  <p:tag name="KSO_WM_UNIT_HIGHLIGHT" val="0"/>
-  <p:tag name="KSO_WM_UNIT_COMPATIBLE" val="0"/>
-  <p:tag name="KSO_WM_UNIT_DIAGRAM_ISNUMVISUAL" val="0"/>
-  <p:tag name="KSO_WM_UNIT_DIAGRAM_ISREFERUNIT" val="0"/>
-  <p:tag name="KSO_WM_UNIT_TYPE" val="i"/>
-  <p:tag name="KSO_WM_UNIT_INDEX" val="6"/>
-  <p:tag name="KSO_WM_UNIT_ID" val="diagram20211231_1*i*6"/>
-  <p:tag name="KSO_WM_TEMPLATE_CATEGORY" val="diagram"/>
-  <p:tag name="KSO_WM_TEMPLATE_INDEX" val="20211231"/>
-  <p:tag name="KSO_WM_UNIT_LAYERLEVEL" val="1"/>
-  <p:tag name="KSO_WM_TAG_VERSION" val="1.0"/>
-  <p:tag name="KSO_WM_BEAUTIFY_FLAG" val="#wm#"/>
-  <p:tag name="KSO_WM_UNIT_SM_LIMIT_TYPE" val="2"/>
-  <p:tag name="KSO_WM_CHIP_GROUPID" val="5f5ee1ca4d6848d78f644aeb"/>
-  <p:tag name="KSO_WM_CHIP_XID" val="5f5f3b668e478fb0c58a9408"/>
-  <p:tag name="KSO_WM_UNIT_FILL_FORE_SCHEMECOLOR_INDEX_BRIGHTNESS" val="0"/>
-  <p:tag name="KSO_WM_UNIT_FILL_FORE_SCHEMECOLOR_INDEX" val="5"/>
-  <p:tag name="KSO_WM_UNIT_FILL_TYPE" val="1"/>
-  <p:tag name="KSO_WM_UNIT_TEXT_FILL_FORE_SCHEMECOLOR_INDEX_BRIGHTNESS" val="0"/>
-  <p:tag name="KSO_WM_UNIT_TEXT_FILL_FORE_SCHEMECOLOR_INDEX" val="2"/>
-  <p:tag name="KSO_WM_UNIT_TEXT_FILL_TYPE" val="1"/>
-  <p:tag name="KSO_WM_UNIT_VALUE" val="0"/>
-  <p:tag name="KSO_WM_TEMPLATE_ASSEMBLE_XID" val="60656ea84054ed1e2fb7fd42"/>
-  <p:tag name="KSO_WM_TEMPLATE_ASSEMBLE_GROUPID" val="60656ea84054ed1e2fb7fd42"/>
-</p:tagLst>
-</file>
-
-<file path=ppt/tags/tag426.xml><?xml version="1.0" encoding="utf-8"?>
-<p:tagLst xmlns:a="http://schemas.openxmlformats.org/drawingml/2006/main" xmlns:r="http://schemas.openxmlformats.org/officeDocument/2006/relationships" xmlns:p="http://schemas.openxmlformats.org/presentationml/2006/main">
-  <p:tag name="KSO_WM_UNIT_HIGHLIGHT" val="0"/>
-  <p:tag name="KSO_WM_UNIT_COMPATIBLE" val="0"/>
-  <p:tag name="KSO_WM_UNIT_DIAGRAM_ISNUMVISUAL" val="0"/>
-  <p:tag name="KSO_WM_UNIT_DIAGRAM_ISREFERUNIT" val="0"/>
-  <p:tag name="KSO_WM_UNIT_TYPE" val="i"/>
-  <p:tag name="KSO_WM_UNIT_INDEX" val="7"/>
-  <p:tag name="KSO_WM_UNIT_ID" val="diagram20211231_1*i*7"/>
-  <p:tag name="KSO_WM_TEMPLATE_CATEGORY" val="diagram"/>
-  <p:tag name="KSO_WM_TEMPLATE_INDEX" val="20211231"/>
-  <p:tag name="KSO_WM_UNIT_LAYERLEVEL" val="1"/>
-  <p:tag name="KSO_WM_TAG_VERSION" val="1.0"/>
-  <p:tag name="KSO_WM_BEAUTIFY_FLAG" val="#wm#"/>
-  <p:tag name="KSO_WM_UNIT_SM_LIMIT_TYPE" val="2"/>
-  <p:tag name="KSO_WM_CHIP_GROUPID" val="5f5ee1ca4d6848d78f644aeb"/>
-  <p:tag name="KSO_WM_CHIP_XID" val="5f5f3b668e478fb0c58a9408"/>
-  <p:tag name="KSO_WM_UNIT_FILL_FORE_SCHEMECOLOR_INDEX_BRIGHTNESS" val="0"/>
-  <p:tag name="KSO_WM_UNIT_FILL_FORE_SCHEMECOLOR_INDEX" val="5"/>
-  <p:tag name="KSO_WM_UNIT_FILL_TYPE" val="1"/>
-  <p:tag name="KSO_WM_UNIT_TEXT_FILL_FORE_SCHEMECOLOR_INDEX_BRIGHTNESS" val="0"/>
-  <p:tag name="KSO_WM_UNIT_TEXT_FILL_FORE_SCHEMECOLOR_INDEX" val="2"/>
-  <p:tag name="KSO_WM_UNIT_TEXT_FILL_TYPE" val="1"/>
-  <p:tag name="KSO_WM_UNIT_VALUE" val="0"/>
-  <p:tag name="KSO_WM_TEMPLATE_ASSEMBLE_XID" val="60656ea84054ed1e2fb7fd42"/>
-  <p:tag name="KSO_WM_TEMPLATE_ASSEMBLE_GROUPID" val="60656ea84054ed1e2fb7fd42"/>
-</p:tagLst>
-</file>
-
-<file path=ppt/tags/tag427.xml><?xml version="1.0" encoding="utf-8"?>
-<p:tagLst xmlns:a="http://schemas.openxmlformats.org/drawingml/2006/main" xmlns:r="http://schemas.openxmlformats.org/officeDocument/2006/relationships" xmlns:p="http://schemas.openxmlformats.org/presentationml/2006/main">
-  <p:tag name="KSO_WM_BEAUTIFY_FLAG" val="#wm#"/>
-  <p:tag name="KSO_WM_TEMPLATE_CATEGORY" val="diagram"/>
-  <p:tag name="KSO_WM_TEMPLATE_INDEX" val="20212713"/>
-  <p:tag name="KSO_WM_SLIDE_ID" val="diagram20212713_1"/>
-  <p:tag name="KSO_WM_TEMPLATE_SUBCATEGORY" val="21"/>
-  <p:tag name="KSO_WM_TEMPLATE_MASTER_TYPE" val="0"/>
-  <p:tag name="KSO_WM_TEMPLATE_COLOR_TYPE" val="1"/>
-  <p:tag name="KSO_WM_SLIDE_TYPE" val="text"/>
-  <p:tag name="KSO_WM_SLIDE_SUBTYPE" val="pureTxt"/>
-  <p:tag name="KSO_WM_SLIDE_ITEM_CNT" val="0"/>
-  <p:tag name="KSO_WM_SLIDE_INDEX" val="1"/>
-  <p:tag name="KSO_WM_SLIDE_SIZE" val="864*444"/>
-  <p:tag name="KSO_WM_SLIDE_POSITION" val="47*48"/>
-  <p:tag name="KSO_WM_TAG_VERSION" val="1.0"/>
-  <p:tag name="KSO_WM_SLIDE_LAYOUT" val="a_f"/>
-  <p:tag name="KSO_WM_SLIDE_LAYOUT_CNT" val="1_1"/>
-  <p:tag name="KSO_WM_SLIDE_LAYOUT_INFO" val="{&quot;backgroundInfo&quot;:[{&quot;bottom&quot;:0,&quot;bottomAbs&quot;:false,&quot;left&quot;:0,&quot;leftAbs&quot;:false,&quot;right&quot;:0,&quot;rightAbs&quot;:false,&quot;top&quot;:0,&quot;topAbs&quot;:false,&quot;type&quot;:&quot;general&quot;}],&quot;id&quot;:&quot;2021-04-01T15:43:53&quot;,&quot;maxSize&quot;:{&quot;size1&quot;:26.7},&quot;minSize&quot;:{&quot;size1&quot;:17.9},&quot;normalSize&quot;:{&quot;size1&quot;:17.9},&quot;subLayout&quot;:[{&quot;id&quot;:&quot;2021-04-01T15:43:53&quot;,&quot;margin&quot;:{&quot;bottom&quot;:0.0260000042617321,&quot;left&quot;:2.9629998207092285,&quot;right&quot;:2.5399999618530273,&quot;top&quot;:1.6929999589920044},&quot;type&quot;:0},{&quot;id&quot;:&quot;2021-04-01T15:43:53&quot;,&quot;margin&quot;:{&quot;bottom&quot;:2.5399999618530273,&quot;left&quot;:2.5399999618530273,&quot;right&quot;:2.5399999618530273,&quot;top&quot;:1.6670000553131104},&quot;type&quot;:0}],&quot;type&quot;:0}"/>
-  <p:tag name="KSO_WM_SLIDE_BACKGROUND" val="[&quot;general&quot;]"/>
-  <p:tag name="KSO_WM_SLIDE_RATIO" val="1.777778"/>
-  <p:tag name="KSO_WM_CHIP_INFOS" val="{&quot;type&quot;:0,&quot;layout_type&quot;:&quot;topbottom&quot;,&quot;layout_feature&quot;:1,&quot;aspect_ratio&quot;:&quot;16:9&quot;,&quot;same_font_size&quot;:false,&quot;diagram&quot;:{&quot;type&quot;:[],&quot;direction&quot;:0,&quot;isSupportDecBetweenItems&quot;:false},&quot;tags&quot;:{&quot;style&quot;:[&quot;商务&quot;,&quot;简约&quot;,&quot;文艺清新&quot;,&quot;中国风&quot;,&quot;卡通&quot;,&quot;欧美风&quot;,&quot;黑板风&quot;,&quot;渐变风&quot;,&quot;党政风&quot;]},&quot;slide_type&quot;:[&quot;text&quot;]}"/>
-  <p:tag name="KSO_WM_CHIP_XID" val="5f708c7a747e3ea6e292a7fc"/>
-  <p:tag name="KSO_WM_CHIP_FILLPROP" val="[[{&quot;text_align&quot;:&quot;lt&quot;,&quot;text_direction&quot;:&quot;horizontal&quot;,&quot;support_big_font&quot;:false,&quot;picture_toward&quot;:0,&quot;picture_dockside&quot;:[],&quot;fill_id&quot;:&quot;577fb6fb92184a2fb8c769fd05bb9d24&quot;,&quot;fill_align&quot;:&quot;lt&quot;,&quot;chip_types&quot;:[&quot;header&quot;]},{&quot;text_align&quot;:&quot;lm&quot;,&quot;text_direction&quot;:&quot;horizontal&quot;,&quot;support_features&quot;:[&quot;collage&quot;,&quot;carousel&quot;],&quot;support_big_font&quot;:false,&quot;picture_toward&quot;:0,&quot;picture_dockside&quot;:[],&quot;fill_id&quot;:&quot;ca3f0f9c0eb4416e9bcff006547ecf8f&quot;,&quot;fill_align&quot;:&quot;cm&quot;,&quot;chip_types&quot;:[&quot;diagram&quot;,&quot;text&quot;,&quot;picture&quot;,&quot;chart&quot;,&quot;table&quot;,&quot;video&quot;]}]]"/>
-  <p:tag name="KSO_WM_CHIP_DECFILLPROP" val="[]"/>
-  <p:tag name="KSO_WM_SLIDE_CAN_ADD_NAVIGATION" val="1"/>
-  <p:tag name="KSO_WM_CHIP_GROUPID" val="5f708c7a747e3ea6e292a7fb"/>
-  <p:tag name="KSO_WM_SLIDE_BACKGROUND_TYPE" val="general"/>
-  <p:tag name="KSO_WM_SLIDE_SUPPORT_FEATURE_TYPE" val="0"/>
-  <p:tag name="KSO_WM_TEMPLATE_ASSEMBLE_XID" val="60656f644054ed1e2fb80930"/>
-  <p:tag name="KSO_WM_TEMPLATE_ASSEMBLE_GROUPID" val="60656f644054ed1e2fb80930"/>
-</p:tagLst>
-</file>
-
-<file path=ppt/tags/tag428.xml><?xml version="1.0" encoding="utf-8"?>
-<p:tagLst xmlns:a="http://schemas.openxmlformats.org/drawingml/2006/main" xmlns:r="http://schemas.openxmlformats.org/officeDocument/2006/relationships" xmlns:p="http://schemas.openxmlformats.org/presentationml/2006/main">
-  <p:tag name="KSO_WM_UNIT_HIGHLIGHT" val="0"/>
-  <p:tag name="KSO_WM_UNIT_COMPATIBLE" val="0"/>
-  <p:tag name="KSO_WM_UNIT_DIAGRAM_ISNUMVISUAL" val="0"/>
-  <p:tag name="KSO_WM_UNIT_DIAGRAM_ISREFERUNIT" val="0"/>
-  <p:tag name="KSO_WM_UNIT_ID" val="_12**"/>
-  <p:tag name="KSO_WM_UNIT_LAYERLEVEL" val="1"/>
-  <p:tag name="KSO_WM_TAG_VERSION" val="1.0"/>
-  <p:tag name="KSO_WM_BEAUTIFY_FLAG" val="#wm#"/>
-  <p:tag name="KSO_WM_SLIDE_BACKGROUND_TYPE" val="general"/>
-  <p:tag name="KSO_WM_UNIT_TYPE" val="i"/>
-  <p:tag name="KSO_WM_UNIT_FILL_FORE_SCHEMECOLOR_INDEX_1_BRIGHTNESS" val="0"/>
-  <p:tag name="KSO_WM_UNIT_FILL_FORE_SCHEMECOLOR_INDEX_1" val="16"/>
-  <p:tag name="KSO_WM_UNIT_FILL_FORE_SCHEMECOLOR_INDEX_1_POS" val="0"/>
-  <p:tag name="KSO_WM_UNIT_FILL_FORE_SCHEMECOLOR_INDEX_1_TRANS" val="0.9"/>
-  <p:tag name="KSO_WM_UNIT_FILL_FORE_SCHEMECOLOR_INDEX_2_BRIGHTNESS" val="-0.1"/>
-  <p:tag name="KSO_WM_UNIT_FILL_FORE_SCHEMECOLOR_INDEX_2" val="15"/>
-  <p:tag name="KSO_WM_UNIT_FILL_FORE_SCHEMECOLOR_INDEX_2_POS" val="1"/>
-  <p:tag name="KSO_WM_UNIT_FILL_FORE_SCHEMECOLOR_INDEX_2_TRANS" val="0.76"/>
-  <p:tag name="KSO_WM_UNIT_FILL_GRADIENT_TYPE" val="0"/>
-  <p:tag name="KSO_WM_UNIT_FILL_GRADIENT_ANGLE" val="90"/>
-  <p:tag name="KSO_WM_UNIT_FILL_GRADIENT_DIRECTION" val="1"/>
-  <p:tag name="KSO_WM_UNIT_FILL_TYPE" val="3"/>
-  <p:tag name="KSO_WM_UNIT_TEXT_FILL_FORE_SCHEMECOLOR_INDEX_BRIGHTNESS" val="0"/>
-  <p:tag name="KSO_WM_UNIT_TEXT_FILL_FORE_SCHEMECOLOR_INDEX" val="2"/>
-  <p:tag name="KSO_WM_UNIT_TEXT_FILL_TYPE" val="1"/>
-</p:tagLst>
-</file>
-
-<file path=ppt/tags/tag429.xml><?xml version="1.0" encoding="utf-8"?>
-<p:tagLst xmlns:a="http://schemas.openxmlformats.org/drawingml/2006/main" xmlns:r="http://schemas.openxmlformats.org/officeDocument/2006/relationships" xmlns:p="http://schemas.openxmlformats.org/presentationml/2006/main">
-  <p:tag name="KSO_WM_UNIT_HIGHLIGHT" val="0"/>
-  <p:tag name="KSO_WM_UNIT_COMPATIBLE" val="0"/>
-  <p:tag name="KSO_WM_UNIT_DIAGRAM_ISNUMVISUAL" val="0"/>
-  <p:tag name="KSO_WM_UNIT_DIAGRAM_ISREFERUNIT" val="0"/>
-  <p:tag name="KSO_WM_UNIT_ID" val="_12**"/>
-  <p:tag name="KSO_WM_UNIT_LAYERLEVEL" val="1"/>
-  <p:tag name="KSO_WM_TAG_VERSION" val="1.0"/>
-  <p:tag name="KSO_WM_BEAUTIFY_FLAG" val="#wm#"/>
-  <p:tag name="KSO_WM_SLIDE_BACKGROUND_TYPE" val="general"/>
-  <p:tag name="KSO_WM_UNIT_TYPE" val="i"/>
-  <p:tag name="KSO_WM_UNIT_FILL_FORE_SCHEMECOLOR_INDEX_1_BRIGHTNESS" val="0"/>
-  <p:tag name="KSO_WM_UNIT_FILL_FORE_SCHEMECOLOR_INDEX_1" val="16"/>
-  <p:tag name="KSO_WM_UNIT_FILL_FORE_SCHEMECOLOR_INDEX_1_POS" val="0"/>
-  <p:tag name="KSO_WM_UNIT_FILL_FORE_SCHEMECOLOR_INDEX_1_TRANS" val="0.9"/>
-  <p:tag name="KSO_WM_UNIT_FILL_FORE_SCHEMECOLOR_INDEX_2_BRIGHTNESS" val="-0.1"/>
-  <p:tag name="KSO_WM_UNIT_FILL_FORE_SCHEMECOLOR_INDEX_2" val="15"/>
-  <p:tag name="KSO_WM_UNIT_FILL_FORE_SCHEMECOLOR_INDEX_2_POS" val="1"/>
-  <p:tag name="KSO_WM_UNIT_FILL_FORE_SCHEMECOLOR_INDEX_2_TRANS" val="0.76"/>
-  <p:tag name="KSO_WM_UNIT_FILL_GRADIENT_TYPE" val="0"/>
-  <p:tag name="KSO_WM_UNIT_FILL_GRADIENT_ANGLE" val="90"/>
-  <p:tag name="KSO_WM_UNIT_FILL_GRADIENT_DIRECTION" val="1"/>
-  <p:tag name="KSO_WM_UNIT_FILL_TYPE" val="3"/>
-  <p:tag name="KSO_WM_UNIT_TEXT_FILL_FORE_SCHEMECOLOR_INDEX_BRIGHTNESS" val="0"/>
-  <p:tag name="KSO_WM_UNIT_TEXT_FILL_FORE_SCHEMECOLOR_INDEX" val="2"/>
-  <p:tag name="KSO_WM_UNIT_TEXT_FILL_TYPE" val="1"/>
-</p:tagLst>
-</file>
-
-<file path=ppt/tags/tag43.xml><?xml version="1.0" encoding="utf-8"?>
-<p:tagLst xmlns:a="http://schemas.openxmlformats.org/drawingml/2006/main" xmlns:r="http://schemas.openxmlformats.org/officeDocument/2006/relationships" xmlns:p="http://schemas.openxmlformats.org/presentationml/2006/main">
-  <p:tag name="KSO_WM_UNIT_HIGHLIGHT" val="0"/>
-  <p:tag name="KSO_WM_UNIT_COMPATIBLE" val="0"/>
-  <p:tag name="KSO_WM_UNIT_DIAGRAM_ISNUMVISUAL" val="0"/>
-  <p:tag name="KSO_WM_UNIT_DIAGRAM_ISREFERUNIT" val="0"/>
-  <p:tag name="KSO_WM_UNIT_ID" val="_8**"/>
-  <p:tag name="KSO_WM_UNIT_LAYERLEVEL" val="1"/>
-  <p:tag name="KSO_WM_TAG_VERSION" val="1.0"/>
-  <p:tag name="KSO_WM_BEAUTIFY_FLAG" val="#wm#"/>
-</p:tagLst>
-</file>
-
-<file path=ppt/tags/tag430.xml><?xml version="1.0" encoding="utf-8"?>
-<p:tagLst xmlns:a="http://schemas.openxmlformats.org/drawingml/2006/main" xmlns:r="http://schemas.openxmlformats.org/officeDocument/2006/relationships" xmlns:p="http://schemas.openxmlformats.org/presentationml/2006/main">
-  <p:tag name="KSO_WM_UNIT_HIGHLIGHT" val="0"/>
-  <p:tag name="KSO_WM_UNIT_COMPATIBLE" val="0"/>
-  <p:tag name="KSO_WM_UNIT_DIAGRAM_ISNUMVISUAL" val="0"/>
-  <p:tag name="KSO_WM_UNIT_DIAGRAM_ISREFERUNIT" val="0"/>
-  <p:tag name="KSO_WM_UNIT_TYPE" val="i"/>
-  <p:tag name="KSO_WM_UNIT_INDEX" val="1"/>
-  <p:tag name="KSO_WM_UNIT_ID" val="diagram20212713_1*i*1"/>
-  <p:tag name="KSO_WM_TEMPLATE_CATEGORY" val="diagram"/>
-  <p:tag name="KSO_WM_TEMPLATE_INDEX" val="20212713"/>
-  <p:tag name="KSO_WM_UNIT_LAYERLEVEL" val="1"/>
-  <p:tag name="KSO_WM_TAG_VERSION" val="1.0"/>
-  <p:tag name="KSO_WM_BEAUTIFY_FLAG" val="#wm#"/>
-  <p:tag name="KSO_WM_UNIT_BLOCK" val="0"/>
-  <p:tag name="KSO_WM_UNIT_SM_LIMIT_TYPE" val="2"/>
-  <p:tag name="KSO_WM_UNIT_DEC_AREA_ID" val="6c938ff465544c81b53780745e718009"/>
-  <p:tag name="KSO_WM_UNIT_DECORATE_INFO" val="{&quot;DecorateInfoH&quot;:{&quot;IsAbs&quot;:false},&quot;DecorateInfoW&quot;:{&quot;IsAbs&quot;:false},&quot;DecorateInfoX&quot;:{&quot;IsAbs&quot;:false,&quot;Pos&quot;:1},&quot;DecorateInfoY&quot;:{&quot;IsAbs&quot;:false,&quot;Pos&quot;:1},&quot;ReferentInfo&quot;:{&quot;Id&quot;:&quot;84a6c56b6ff04b3385062ce2c276b31c&quot;,&quot;X&quot;:{&quot;Pos&quot;:1},&quot;Y&quot;:{&quot;Pos&quot;:1}},&quot;whChangeMode&quot;:1}"/>
-  <p:tag name="KSO_WM_CHIP_GROUPID" val="5f708c7a747e3ea6e292a7fb"/>
-  <p:tag name="KSO_WM_CHIP_XID" val="5f708c7a747e3ea6e292a7fc"/>
-  <p:tag name="KSO_WM_UNIT_FILL_FORE_SCHEMECOLOR_INDEX_BRIGHTNESS" val="0"/>
-  <p:tag name="KSO_WM_UNIT_FILL_FORE_SCHEMECOLOR_INDEX" val="14"/>
-  <p:tag name="KSO_WM_UNIT_FILL_TYPE" val="1"/>
-  <p:tag name="KSO_WM_UNIT_TEXT_FILL_FORE_SCHEMECOLOR_INDEX_BRIGHTNESS" val="0"/>
-  <p:tag name="KSO_WM_UNIT_TEXT_FILL_FORE_SCHEMECOLOR_INDEX" val="2"/>
-  <p:tag name="KSO_WM_UNIT_TEXT_FILL_TYPE" val="1"/>
-  <p:tag name="KSO_WM_UNIT_VALUE" val="816"/>
-  <p:tag name="KSO_WM_TEMPLATE_ASSEMBLE_XID" val="60656f644054ed1e2fb80930"/>
-  <p:tag name="KSO_WM_TEMPLATE_ASSEMBLE_GROUPID" val="60656f644054ed1e2fb80930"/>
-</p:tagLst>
-</file>
-
-<file path=ppt/tags/tag431.xml><?xml version="1.0" encoding="utf-8"?>
-<p:tagLst xmlns:a="http://schemas.openxmlformats.org/drawingml/2006/main" xmlns:r="http://schemas.openxmlformats.org/officeDocument/2006/relationships" xmlns:p="http://schemas.openxmlformats.org/presentationml/2006/main">
-  <p:tag name="KSO_WM_UNIT_ISCONTENTSTITLE" val="0"/>
-  <p:tag name="KSO_WM_UNIT_ISNUMDGMTITLE" val="0"/>
-  <p:tag name="KSO_WM_UNIT_NOCLEAR" val="0"/>
-  <p:tag name="KSO_WM_UNIT_VALUE" val="28"/>
-  <p:tag name="KSO_WM_UNIT_HIGHLIGHT" val="0"/>
-  <p:tag name="KSO_WM_UNIT_COMPATIBLE" val="0"/>
-  <p:tag name="KSO_WM_UNIT_DIAGRAM_ISNUMVISUAL" val="0"/>
-  <p:tag name="KSO_WM_UNIT_DIAGRAM_ISREFERUNIT" val="0"/>
-  <p:tag name="KSO_WM_UNIT_TYPE" val="a"/>
-  <p:tag name="KSO_WM_UNIT_INDEX" val="1"/>
-  <p:tag name="KSO_WM_UNIT_ID" val="diagram20212713_1*a*1"/>
-  <p:tag name="KSO_WM_TEMPLATE_CATEGORY" val="diagram"/>
-  <p:tag name="KSO_WM_TEMPLATE_INDEX" val="20212713"/>
-  <p:tag name="KSO_WM_UNIT_LAYERLEVEL" val="1"/>
-  <p:tag name="KSO_WM_TAG_VERSION" val="1.0"/>
-  <p:tag name="KSO_WM_BEAUTIFY_FLAG" val="#wm#"/>
-  <p:tag name="KSO_WM_UNIT_PRESET_TEXT" val="单击此处添加大标题内容"/>
-  <p:tag name="KSO_WM_UNIT_DEFAULT_FONT" val="24;44;4"/>
-  <p:tag name="KSO_WM_UNIT_BLOCK" val="0"/>
-  <p:tag name="KSO_WM_UNIT_SHOW_EDIT_AREA_INDICATION" val="1"/>
-  <p:tag name="KSO_WM_CHIP_GROUPID" val="5e7881253197e252a37019b5"/>
-  <p:tag name="KSO_WM_CHIP_XID" val="5e7881253197e252a37019b6"/>
-  <p:tag name="KSO_WM_UNIT_DEC_AREA_ID" val="8813dededcd94f83be1334e61bb4760c"/>
-  <p:tag name="KSO_WM_UNIT_DECORATE_INFO" val="{&quot;ReferentInfo&quot;:{&quot;Id&quot;:&quot;slide&quot;,&quot;X&quot;:{&quot;Pos&quot;:0},&quot;Y&quot;:{&quot;Pos&quot;:0}},&quot;DecorateInfoX&quot;:{&quot;Pos&quot;:0,&quot;IsAbs&quot;:false},&quot;DecorateInfoY&quot;:{&quot;Pos&quot;:0,&quot;IsAbs&quot;:false},&quot;DecorateInfoW&quot;:{&quot;IsAbs&quot;:false},&quot;DecorateInfoH&quot;:{&quot;IsAbs&quot;:false},&quot;whChangeMode&quot;:0}"/>
-  <p:tag name="KSO_WM_UNIT_SM_LIMIT_TYPE" val="2"/>
-  <p:tag name="KSO_WM_CHIP_FILLAREA_FILL_RULE" val="{&quot;fill_align&quot;:&quot;lt&quot;,&quot;fill_mode&quot;:&quot;full&quot;,&quot;sacle_strategy&quot;:&quot;smart&quot;}"/>
-  <p:tag name="KSO_WM_ASSEMBLE_CHIP_INDEX" val="fba21aa6e7b04473ad95be895e1428b6"/>
-  <p:tag name="KSO_WM_UNIT_TEXT_FILL_FORE_SCHEMECOLOR_INDEX_BRIGHTNESS" val="0"/>
-  <p:tag name="KSO_WM_UNIT_TEXT_FILL_FORE_SCHEMECOLOR_INDEX" val="13"/>
-  <p:tag name="KSO_WM_UNIT_TEXT_FILL_TYPE" val="1"/>
-  <p:tag name="KSO_WM_TEMPLATE_ASSEMBLE_XID" val="60656f644054ed1e2fb80930"/>
-  <p:tag name="KSO_WM_TEMPLATE_ASSEMBLE_GROUPID" val="60656f644054ed1e2fb80930"/>
-</p:tagLst>
-</file>
-
-<file path=ppt/tags/tag432.xml><?xml version="1.0" encoding="utf-8"?>
-<p:tagLst xmlns:a="http://schemas.openxmlformats.org/drawingml/2006/main" xmlns:r="http://schemas.openxmlformats.org/officeDocument/2006/relationships" xmlns:p="http://schemas.openxmlformats.org/presentationml/2006/main">
-  <p:tag name="KSO_WM_UNIT_TEXT_SUBTYPE" val="a"/>
-  <p:tag name="KSO_WM_UNIT_SUBTYPE" val="a"/>
-  <p:tag name="KSO_WM_UNIT_PRESET_TEXT" val="单击此处添加正文，文字是您思想的提炼，为了演示发布的良好效果，请言简意赅的阐述您的观点。您的内容已经简明扼要，字字珠玑，但信息却千丝万缕、错综复杂，需要用更多的文字来表述；但请您尽可能提炼思想的精髓，否则容易造成观者的阅读压力，适得其反。正如我们都希望改变世界，希望给别人带去光明，但更多时候我们只需要播下一颗种子，自然有微风吹拂，雨露滋养。恰如其分的表达观点，往往事半功倍。当您的内容到达这个限度时，或许已经不纯粹作用于演示，极大可能运用于阅读领域；无论是传播观点、知识分享还是汇报工作，内容的详尽固然重要，但请一定注意信息框架的清晰，这样才能使内容层次分明，页面简洁易读。如果您的内容确实非常重要又难以精简，也请使用分段处理，对内容进行简单的梳理和提炼，这样会使逻辑框架相对清晰。为了能让您有更直观的字数感受，并进一步方便使用，我们设置了文本的最大限度，当您输入的文字到这里时，已濒临页面容纳内容的上限，若还有更多内容。"/>
-  <p:tag name="KSO_WM_UNIT_NOCLEAR" val="0"/>
-  <p:tag name="KSO_WM_UNIT_HIGHLIGHT" val="0"/>
-  <p:tag name="KSO_WM_UNIT_COMPATIBLE" val="0"/>
-  <p:tag name="KSO_WM_UNIT_DIAGRAM_ISNUMVISUAL" val="0"/>
-  <p:tag name="KSO_WM_UNIT_DIAGRAM_ISREFERUNIT" val="0"/>
-  <p:tag name="KSO_WM_UNIT_TYPE" val="f"/>
-  <p:tag name="KSO_WM_UNIT_INDEX" val="1"/>
-  <p:tag name="KSO_WM_UNIT_ID" val="diagram20212713_1*f*1"/>
-  <p:tag name="KSO_WM_TEMPLATE_CATEGORY" val="diagram"/>
-  <p:tag name="KSO_WM_TEMPLATE_INDEX" val="20212713"/>
-  <p:tag name="KSO_WM_UNIT_LAYERLEVEL" val="1"/>
-  <p:tag name="KSO_WM_TAG_VERSION" val="1.0"/>
-  <p:tag name="KSO_WM_BEAUTIFY_FLAG" val="#wm#"/>
-  <p:tag name="KSO_WM_UNIT_DEFAULT_FONT" val="14;20;2"/>
-  <p:tag name="KSO_WM_UNIT_BLOCK" val="0"/>
-  <p:tag name="KSO_WM_UNIT_VALUE" val="440"/>
-  <p:tag name="KSO_WM_UNIT_SHOW_EDIT_AREA_INDICATION" val="1"/>
-  <p:tag name="KSO_WM_CHIP_GROUPID" val="5e6b05596848fb12bee65ac8"/>
-  <p:tag name="KSO_WM_CHIP_XID" val="5e6b05596848fb12bee65aca"/>
-  <p:tag name="KSO_WM_UNIT_DEC_AREA_ID" val="84a6c56b6ff04b3385062ce2c276b31c"/>
-  <p:tag name="KSO_WM_UNIT_DECORATE_INFO" val="{&quot;ReferentInfo&quot;:{&quot;Id&quot;:&quot;slide&quot;,&quot;X&quot;:{&quot;Pos&quot;:0},&quot;Y&quot;:{&quot;Pos&quot;:0}},&quot;DecorateInfoX&quot;:{&quot;Pos&quot;:0,&quot;IsAbs&quot;:false},&quot;DecorateInfoY&quot;:{&quot;Pos&quot;:0,&quot;IsAbs&quot;:false},&quot;DecorateInfoW&quot;:{&quot;IsAbs&quot;:false},&quot;DecorateInfoH&quot;:{&quot;IsAbs&quot;:false},&quot;whChangeMode&quot;:0}"/>
-  <p:tag name="KSO_WM_UNIT_SM_LIMIT_TYPE" val="2"/>
-  <p:tag name="KSO_WM_CHIP_FILLAREA_FILL_RULE" val="{&quot;fill_align&quot;:&quot;cm&quot;,&quot;fill_mode&quot;:&quot;full&quot;,&quot;sacle_strategy&quot;:&quot;smart&quot;}"/>
-  <p:tag name="KSO_WM_ASSEMBLE_CHIP_INDEX" val="a95d889fcf624743b8b9a892c7ba4fc1"/>
-  <p:tag name="KSO_WM_UNIT_SUPPORT_UNIT_TYPE" val="[&quot;l&quot;,&quot;m&quot;,&quot;n&quot;,&quot;o&quot;,&quot;p&quot;,&quot;q&quot;,&quot;r&quot;,&quot;δ&quot;,&quot;ε&quot;,&quot;ζ&quot;,&quot;η&quot;,&quot;d&quot;,&quot;α&quot;,&quot;β&quot;,&quot;θ&quot;]"/>
-  <p:tag name="KSO_WM_UNIT_TEXT_FILL_FORE_SCHEMECOLOR_INDEX_BRIGHTNESS" val="0.25"/>
-  <p:tag name="KSO_WM_UNIT_TEXT_FILL_FORE_SCHEMECOLOR_INDEX" val="13"/>
-  <p:tag name="KSO_WM_UNIT_TEXT_FILL_TYPE" val="1"/>
-  <p:tag name="KSO_WM_TEMPLATE_ASSEMBLE_XID" val="60656f644054ed1e2fb80930"/>
-  <p:tag name="KSO_WM_TEMPLATE_ASSEMBLE_GROUPID" val="60656f644054ed1e2fb80930"/>
-</p:tagLst>
-</file>
-
-<file path=ppt/tags/tag433.xml><?xml version="1.0" encoding="utf-8"?>
-<p:tagLst xmlns:a="http://schemas.openxmlformats.org/drawingml/2006/main" xmlns:r="http://schemas.openxmlformats.org/officeDocument/2006/relationships" xmlns:p="http://schemas.openxmlformats.org/presentationml/2006/main">
-  <p:tag name="KSO_WM_UNIT_HIGHLIGHT" val="0"/>
-  <p:tag name="KSO_WM_UNIT_COMPATIBLE" val="0"/>
-  <p:tag name="KSO_WM_UNIT_DIAGRAM_ISNUMVISUAL" val="0"/>
-  <p:tag name="KSO_WM_UNIT_DIAGRAM_ISREFERUNIT" val="0"/>
-  <p:tag name="KSO_WM_UNIT_TYPE" val="i"/>
-  <p:tag name="KSO_WM_UNIT_INDEX" val="2"/>
-  <p:tag name="KSO_WM_UNIT_ID" val="diagram20212713_1*i*2"/>
-  <p:tag name="KSO_WM_TEMPLATE_CATEGORY" val="diagram"/>
-  <p:tag name="KSO_WM_TEMPLATE_INDEX" val="20212713"/>
-  <p:tag name="KSO_WM_UNIT_LAYERLEVEL" val="1"/>
-  <p:tag name="KSO_WM_TAG_VERSION" val="1.0"/>
-  <p:tag name="KSO_WM_BEAUTIFY_FLAG" val="#wm#"/>
-  <p:tag name="KSO_WM_UNIT_BLOCK" val="0"/>
-  <p:tag name="KSO_WM_UNIT_SM_LIMIT_TYPE" val="2"/>
-  <p:tag name="KSO_WM_UNIT_DEC_AREA_ID" val="ab9e3ede4f02433781ee8c4bc865c252"/>
-  <p:tag name="KSO_WM_UNIT_DECORATE_INFO" val="{&quot;ReferentInfo&quot;:{&quot;Id&quot;:&quot;slide&quot;,&quot;X&quot;:{&quot;Pos&quot;:0},&quot;Y&quot;:{&quot;Pos&quot;:0}},&quot;DecorateInfoX&quot;:{&quot;Pos&quot;:0,&quot;IsAbs&quot;:false},&quot;DecorateInfoY&quot;:{&quot;Pos&quot;:0,&quot;IsAbs&quot;:false},&quot;DecorateInfoW&quot;:{&quot;IsAbs&quot;:false},&quot;DecorateInfoH&quot;:{&quot;IsAbs&quot;:false},&quot;whChangeMode&quot;:1}"/>
-  <p:tag name="KSO_WM_CHIP_GROUPID" val="5f708c7a747e3ea6e292a7fb"/>
-  <p:tag name="KSO_WM_CHIP_XID" val="5f708c7a747e3ea6e292a7fc"/>
-  <p:tag name="KSO_WM_UNIT_FILL_FORE_SCHEMECOLOR_INDEX_BRIGHTNESS" val="0"/>
-  <p:tag name="KSO_WM_UNIT_FILL_FORE_SCHEMECOLOR_INDEX" val="5"/>
-  <p:tag name="KSO_WM_UNIT_FILL_TYPE" val="1"/>
-  <p:tag name="KSO_WM_UNIT_TEXT_FILL_FORE_SCHEMECOLOR_INDEX_BRIGHTNESS" val="0"/>
-  <p:tag name="KSO_WM_UNIT_TEXT_FILL_FORE_SCHEMECOLOR_INDEX" val="2"/>
-  <p:tag name="KSO_WM_UNIT_TEXT_FILL_TYPE" val="1"/>
-  <p:tag name="KSO_WM_UNIT_VALUE" val="0"/>
-  <p:tag name="KSO_WM_TEMPLATE_ASSEMBLE_XID" val="60656f644054ed1e2fb80930"/>
-  <p:tag name="KSO_WM_TEMPLATE_ASSEMBLE_GROUPID" val="60656f644054ed1e2fb80930"/>
-</p:tagLst>
-</file>
-
-<file path=ppt/tags/tag434.xml><?xml version="1.0" encoding="utf-8"?>
-<p:tagLst xmlns:a="http://schemas.openxmlformats.org/drawingml/2006/main" xmlns:r="http://schemas.openxmlformats.org/officeDocument/2006/relationships" xmlns:p="http://schemas.openxmlformats.org/presentationml/2006/main">
-  <p:tag name="KSO_WM_BEAUTIFY_FLAG" val="#wm#"/>
-  <p:tag name="KSO_WM_TEMPLATE_CATEGORY" val="diagram"/>
-  <p:tag name="KSO_WM_TEMPLATE_INDEX" val="20212713"/>
-  <p:tag name="KSO_WM_SLIDE_ID" val="diagram20212713_1"/>
-  <p:tag name="KSO_WM_TEMPLATE_SUBCATEGORY" val="21"/>
-  <p:tag name="KSO_WM_TEMPLATE_MASTER_TYPE" val="0"/>
-  <p:tag name="KSO_WM_TEMPLATE_COLOR_TYPE" val="1"/>
-  <p:tag name="KSO_WM_SLIDE_TYPE" val="text"/>
-  <p:tag name="KSO_WM_SLIDE_SUBTYPE" val="pureTxt"/>
-  <p:tag name="KSO_WM_SLIDE_ITEM_CNT" val="0"/>
-  <p:tag name="KSO_WM_SLIDE_INDEX" val="1"/>
-  <p:tag name="KSO_WM_SLIDE_SIZE" val="864*444"/>
-  <p:tag name="KSO_WM_SLIDE_POSITION" val="47*48"/>
-  <p:tag name="KSO_WM_TAG_VERSION" val="1.0"/>
-  <p:tag name="KSO_WM_SLIDE_LAYOUT" val="a_f"/>
-  <p:tag name="KSO_WM_SLIDE_LAYOUT_CNT" val="1_1"/>
-  <p:tag name="KSO_WM_SLIDE_LAYOUT_INFO" val="{&quot;backgroundInfo&quot;:[{&quot;bottom&quot;:0,&quot;bottomAbs&quot;:false,&quot;left&quot;:0,&quot;leftAbs&quot;:false,&quot;right&quot;:0,&quot;rightAbs&quot;:false,&quot;top&quot;:0,&quot;topAbs&quot;:false,&quot;type&quot;:&quot;general&quot;}],&quot;id&quot;:&quot;2021-04-01T15:43:53&quot;,&quot;maxSize&quot;:{&quot;size1&quot;:26.7},&quot;minSize&quot;:{&quot;size1&quot;:17.9},&quot;normalSize&quot;:{&quot;size1&quot;:17.9},&quot;subLayout&quot;:[{&quot;id&quot;:&quot;2021-04-01T15:43:53&quot;,&quot;margin&quot;:{&quot;bottom&quot;:0.0260000042617321,&quot;left&quot;:2.9629998207092285,&quot;right&quot;:2.5399999618530273,&quot;top&quot;:1.6929999589920044},&quot;type&quot;:0},{&quot;id&quot;:&quot;2021-04-01T15:43:53&quot;,&quot;margin&quot;:{&quot;bottom&quot;:2.5399999618530273,&quot;left&quot;:2.5399999618530273,&quot;right&quot;:2.5399999618530273,&quot;top&quot;:1.6670000553131104},&quot;type&quot;:0}],&quot;type&quot;:0}"/>
-  <p:tag name="KSO_WM_SLIDE_BACKGROUND" val="[&quot;general&quot;]"/>
-  <p:tag name="KSO_WM_SLIDE_RATIO" val="1.777778"/>
-  <p:tag name="KSO_WM_CHIP_INFOS" val="{&quot;type&quot;:0,&quot;layout_type&quot;:&quot;topbottom&quot;,&quot;layout_feature&quot;:1,&quot;aspect_ratio&quot;:&quot;16:9&quot;,&quot;same_font_size&quot;:false,&quot;diagram&quot;:{&quot;type&quot;:[],&quot;direction&quot;:0,&quot;isSupportDecBetweenItems&quot;:false},&quot;tags&quot;:{&quot;style&quot;:[&quot;商务&quot;,&quot;简约&quot;,&quot;文艺清新&quot;,&quot;中国风&quot;,&quot;卡通&quot;,&quot;欧美风&quot;,&quot;黑板风&quot;,&quot;渐变风&quot;,&quot;党政风&quot;]},&quot;slide_type&quot;:[&quot;text&quot;]}"/>
-  <p:tag name="KSO_WM_CHIP_XID" val="5f708c7a747e3ea6e292a7fc"/>
-  <p:tag name="KSO_WM_CHIP_FILLPROP" val="[[{&quot;text_align&quot;:&quot;lt&quot;,&quot;text_direction&quot;:&quot;horizontal&quot;,&quot;support_big_font&quot;:false,&quot;picture_toward&quot;:0,&quot;picture_dockside&quot;:[],&quot;fill_id&quot;:&quot;577fb6fb92184a2fb8c769fd05bb9d24&quot;,&quot;fill_align&quot;:&quot;lt&quot;,&quot;chip_types&quot;:[&quot;header&quot;]},{&quot;text_align&quot;:&quot;lm&quot;,&quot;text_direction&quot;:&quot;horizontal&quot;,&quot;support_features&quot;:[&quot;collage&quot;,&quot;carousel&quot;],&quot;support_big_font&quot;:false,&quot;picture_toward&quot;:0,&quot;picture_dockside&quot;:[],&quot;fill_id&quot;:&quot;ca3f0f9c0eb4416e9bcff006547ecf8f&quot;,&quot;fill_align&quot;:&quot;cm&quot;,&quot;chip_types&quot;:[&quot;diagram&quot;,&quot;text&quot;,&quot;picture&quot;,&quot;chart&quot;,&quot;table&quot;,&quot;video&quot;]}]]"/>
-  <p:tag name="KSO_WM_CHIP_DECFILLPROP" val="[]"/>
-  <p:tag name="KSO_WM_SLIDE_CAN_ADD_NAVIGATION" val="1"/>
-  <p:tag name="KSO_WM_CHIP_GROUPID" val="5f708c7a747e3ea6e292a7fb"/>
-  <p:tag name="KSO_WM_SLIDE_BACKGROUND_TYPE" val="general"/>
-  <p:tag name="KSO_WM_SLIDE_SUPPORT_FEATURE_TYPE" val="0"/>
-  <p:tag name="KSO_WM_TEMPLATE_ASSEMBLE_XID" val="60656f644054ed1e2fb80930"/>
-  <p:tag name="KSO_WM_TEMPLATE_ASSEMBLE_GROUPID" val="60656f644054ed1e2fb80930"/>
-</p:tagLst>
-</file>
-
-<file path=ppt/tags/tag435.xml><?xml version="1.0" encoding="utf-8"?>
-<p:tagLst xmlns:a="http://schemas.openxmlformats.org/drawingml/2006/main" xmlns:r="http://schemas.openxmlformats.org/officeDocument/2006/relationships" xmlns:p="http://schemas.openxmlformats.org/presentationml/2006/main">
-  <p:tag name="KSO_WM_UNIT_HIGHLIGHT" val="0"/>
-  <p:tag name="KSO_WM_UNIT_COMPATIBLE" val="0"/>
-  <p:tag name="KSO_WM_UNIT_DIAGRAM_ISNUMVISUAL" val="0"/>
-  <p:tag name="KSO_WM_UNIT_DIAGRAM_ISREFERUNIT" val="0"/>
-  <p:tag name="KSO_WM_UNIT_ID" val="_12**"/>
-  <p:tag name="KSO_WM_UNIT_LAYERLEVEL" val="1"/>
-  <p:tag name="KSO_WM_TAG_VERSION" val="1.0"/>
-  <p:tag name="KSO_WM_BEAUTIFY_FLAG" val="#wm#"/>
-  <p:tag name="KSO_WM_SLIDE_BACKGROUND_TYPE" val="general"/>
-  <p:tag name="KSO_WM_UNIT_TYPE" val="i"/>
-  <p:tag name="KSO_WM_UNIT_FILL_FORE_SCHEMECOLOR_INDEX_1_BRIGHTNESS" val="0"/>
-  <p:tag name="KSO_WM_UNIT_FILL_FORE_SCHEMECOLOR_INDEX_1" val="16"/>
-  <p:tag name="KSO_WM_UNIT_FILL_FORE_SCHEMECOLOR_INDEX_1_POS" val="0"/>
-  <p:tag name="KSO_WM_UNIT_FILL_FORE_SCHEMECOLOR_INDEX_1_TRANS" val="0.9"/>
-  <p:tag name="KSO_WM_UNIT_FILL_FORE_SCHEMECOLOR_INDEX_2_BRIGHTNESS" val="-0.1"/>
-  <p:tag name="KSO_WM_UNIT_FILL_FORE_SCHEMECOLOR_INDEX_2" val="15"/>
-  <p:tag name="KSO_WM_UNIT_FILL_FORE_SCHEMECOLOR_INDEX_2_POS" val="1"/>
-  <p:tag name="KSO_WM_UNIT_FILL_FORE_SCHEMECOLOR_INDEX_2_TRANS" val="0.76"/>
-  <p:tag name="KSO_WM_UNIT_FILL_GRADIENT_TYPE" val="0"/>
-  <p:tag name="KSO_WM_UNIT_FILL_GRADIENT_ANGLE" val="90"/>
-  <p:tag name="KSO_WM_UNIT_FILL_GRADIENT_DIRECTION" val="1"/>
-  <p:tag name="KSO_WM_UNIT_FILL_TYPE" val="3"/>
-  <p:tag name="KSO_WM_UNIT_TEXT_FILL_FORE_SCHEMECOLOR_INDEX_BRIGHTNESS" val="0"/>
-  <p:tag name="KSO_WM_UNIT_TEXT_FILL_FORE_SCHEMECOLOR_INDEX" val="2"/>
-  <p:tag name="KSO_WM_UNIT_TEXT_FILL_TYPE" val="1"/>
-</p:tagLst>
-</file>
-
-<file path=ppt/tags/tag436.xml><?xml version="1.0" encoding="utf-8"?>
-<p:tagLst xmlns:a="http://schemas.openxmlformats.org/drawingml/2006/main" xmlns:r="http://schemas.openxmlformats.org/officeDocument/2006/relationships" xmlns:p="http://schemas.openxmlformats.org/presentationml/2006/main">
-  <p:tag name="KSO_WM_UNIT_HIGHLIGHT" val="0"/>
-  <p:tag name="KSO_WM_UNIT_COMPATIBLE" val="0"/>
-  <p:tag name="KSO_WM_UNIT_DIAGRAM_ISNUMVISUAL" val="0"/>
-  <p:tag name="KSO_WM_UNIT_DIAGRAM_ISREFERUNIT" val="0"/>
-  <p:tag name="KSO_WM_UNIT_ID" val="_12**"/>
-  <p:tag name="KSO_WM_UNIT_LAYERLEVEL" val="1"/>
-  <p:tag name="KSO_WM_TAG_VERSION" val="1.0"/>
-  <p:tag name="KSO_WM_BEAUTIFY_FLAG" val="#wm#"/>
-  <p:tag name="KSO_WM_SLIDE_BACKGROUND_TYPE" val="general"/>
-  <p:tag name="KSO_WM_UNIT_TYPE" val="i"/>
-  <p:tag name="KSO_WM_UNIT_FILL_FORE_SCHEMECOLOR_INDEX_1_BRIGHTNESS" val="0"/>
-  <p:tag name="KSO_WM_UNIT_FILL_FORE_SCHEMECOLOR_INDEX_1" val="16"/>
-  <p:tag name="KSO_WM_UNIT_FILL_FORE_SCHEMECOLOR_INDEX_1_POS" val="0"/>
-  <p:tag name="KSO_WM_UNIT_FILL_FORE_SCHEMECOLOR_INDEX_1_TRANS" val="0.9"/>
-  <p:tag name="KSO_WM_UNIT_FILL_FORE_SCHEMECOLOR_INDEX_2_BRIGHTNESS" val="-0.1"/>
-  <p:tag name="KSO_WM_UNIT_FILL_FORE_SCHEMECOLOR_INDEX_2" val="15"/>
-  <p:tag name="KSO_WM_UNIT_FILL_FORE_SCHEMECOLOR_INDEX_2_POS" val="1"/>
-  <p:tag name="KSO_WM_UNIT_FILL_FORE_SCHEMECOLOR_INDEX_2_TRANS" val="0.76"/>
-  <p:tag name="KSO_WM_UNIT_FILL_GRADIENT_TYPE" val="0"/>
-  <p:tag name="KSO_WM_UNIT_FILL_GRADIENT_ANGLE" val="90"/>
-  <p:tag name="KSO_WM_UNIT_FILL_GRADIENT_DIRECTION" val="1"/>
-  <p:tag name="KSO_WM_UNIT_FILL_TYPE" val="3"/>
-  <p:tag name="KSO_WM_UNIT_TEXT_FILL_FORE_SCHEMECOLOR_INDEX_BRIGHTNESS" val="0"/>
-  <p:tag name="KSO_WM_UNIT_TEXT_FILL_FORE_SCHEMECOLOR_INDEX" val="2"/>
-  <p:tag name="KSO_WM_UNIT_TEXT_FILL_TYPE" val="1"/>
-</p:tagLst>
-</file>
-
 <file path=ppt/tags/tag437.xml><?xml version="1.0" encoding="utf-8"?>
-<p:tagLst xmlns:a="http://schemas.openxmlformats.org/drawingml/2006/main" xmlns:r="http://schemas.openxmlformats.org/officeDocument/2006/relationships" xmlns:p="http://schemas.openxmlformats.org/presentationml/2006/main">
-  <p:tag name="KSO_WM_UNIT_HIGHLIGHT" val="0"/>
-  <p:tag name="KSO_WM_UNIT_COMPATIBLE" val="0"/>
-  <p:tag name="KSO_WM_UNIT_DIAGRAM_ISNUMVISUAL" val="0"/>
-  <p:tag name="KSO_WM_UNIT_DIAGRAM_ISREFERUNIT" val="0"/>
-  <p:tag name="KSO_WM_UNIT_TYPE" val="i"/>
-  <p:tag name="KSO_WM_UNIT_INDEX" val="1"/>
-  <p:tag name="KSO_WM_UNIT_ID" val="diagram20212713_1*i*1"/>
-  <p:tag name="KSO_WM_TEMPLATE_CATEGORY" val="diagram"/>
-  <p:tag name="KSO_WM_TEMPLATE_INDEX" val="20212713"/>
-  <p:tag name="KSO_WM_UNIT_LAYERLEVEL" val="1"/>
-  <p:tag name="KSO_WM_TAG_VERSION" val="1.0"/>
-  <p:tag name="KSO_WM_BEAUTIFY_FLAG" val="#wm#"/>
-  <p:tag name="KSO_WM_UNIT_BLOCK" val="0"/>
-  <p:tag name="KSO_WM_UNIT_SM_LIMIT_TYPE" val="2"/>
-  <p:tag name="KSO_WM_UNIT_DEC_AREA_ID" val="6c938ff465544c81b53780745e718009"/>
-  <p:tag name="KSO_WM_UNIT_DECORATE_INFO" val="{&quot;DecorateInfoH&quot;:{&quot;IsAbs&quot;:false},&quot;DecorateInfoW&quot;:{&quot;IsAbs&quot;:false},&quot;DecorateInfoX&quot;:{&quot;IsAbs&quot;:false,&quot;Pos&quot;:1},&quot;DecorateInfoY&quot;:{&quot;IsAbs&quot;:false,&quot;Pos&quot;:1},&quot;ReferentInfo&quot;:{&quot;Id&quot;:&quot;84a6c56b6ff04b3385062ce2c276b31c&quot;,&quot;X&quot;:{&quot;Pos&quot;:1},&quot;Y&quot;:{&quot;Pos&quot;:1}},&quot;whChangeMode&quot;:1}"/>
-  <p:tag name="KSO_WM_CHIP_GROUPID" val="5f708c7a747e3ea6e292a7fb"/>
-  <p:tag name="KSO_WM_CHIP_XID" val="5f708c7a747e3ea6e292a7fc"/>
-  <p:tag name="KSO_WM_UNIT_FILL_FORE_SCHEMECOLOR_INDEX_BRIGHTNESS" val="0"/>
-  <p:tag name="KSO_WM_UNIT_FILL_FORE_SCHEMECOLOR_INDEX" val="14"/>
-  <p:tag name="KSO_WM_UNIT_FILL_TYPE" val="1"/>
-  <p:tag name="KSO_WM_UNIT_TEXT_FILL_FORE_SCHEMECOLOR_INDEX_BRIGHTNESS" val="0"/>
-  <p:tag name="KSO_WM_UNIT_TEXT_FILL_FORE_SCHEMECOLOR_INDEX" val="2"/>
-  <p:tag name="KSO_WM_UNIT_TEXT_FILL_TYPE" val="1"/>
-  <p:tag name="KSO_WM_UNIT_VALUE" val="816"/>
-  <p:tag name="KSO_WM_TEMPLATE_ASSEMBLE_XID" val="60656f644054ed1e2fb80930"/>
-  <p:tag name="KSO_WM_TEMPLATE_ASSEMBLE_GROUPID" val="60656f644054ed1e2fb80930"/>
-</p:tagLst>
-</file>
-
-<file path=ppt/tags/tag438.xml><?xml version="1.0" encoding="utf-8"?>
-<p:tagLst xmlns:a="http://schemas.openxmlformats.org/drawingml/2006/main" xmlns:r="http://schemas.openxmlformats.org/officeDocument/2006/relationships" xmlns:p="http://schemas.openxmlformats.org/presentationml/2006/main">
-  <p:tag name="KSO_WM_UNIT_ISCONTENTSTITLE" val="0"/>
-  <p:tag name="KSO_WM_UNIT_ISNUMDGMTITLE" val="0"/>
-  <p:tag name="KSO_WM_UNIT_NOCLEAR" val="0"/>
-  <p:tag name="KSO_WM_UNIT_VALUE" val="28"/>
-  <p:tag name="KSO_WM_UNIT_HIGHLIGHT" val="0"/>
-  <p:tag name="KSO_WM_UNIT_COMPATIBLE" val="0"/>
-  <p:tag name="KSO_WM_UNIT_DIAGRAM_ISNUMVISUAL" val="0"/>
-  <p:tag name="KSO_WM_UNIT_DIAGRAM_ISREFERUNIT" val="0"/>
-  <p:tag name="KSO_WM_UNIT_TYPE" val="a"/>
-  <p:tag name="KSO_WM_UNIT_INDEX" val="1"/>
-  <p:tag name="KSO_WM_UNIT_ID" val="diagram20212713_1*a*1"/>
-  <p:tag name="KSO_WM_TEMPLATE_CATEGORY" val="diagram"/>
-  <p:tag name="KSO_WM_TEMPLATE_INDEX" val="20212713"/>
-  <p:tag name="KSO_WM_UNIT_LAYERLEVEL" val="1"/>
-  <p:tag name="KSO_WM_TAG_VERSION" val="1.0"/>
-  <p:tag name="KSO_WM_BEAUTIFY_FLAG" val="#wm#"/>
-  <p:tag name="KSO_WM_UNIT_PRESET_TEXT" val="单击此处添加大标题内容"/>
-  <p:tag name="KSO_WM_UNIT_DEFAULT_FONT" val="24;44;4"/>
-  <p:tag name="KSO_WM_UNIT_BLOCK" val="0"/>
-  <p:tag name="KSO_WM_UNIT_SHOW_EDIT_AREA_INDICATION" val="1"/>
-  <p:tag name="KSO_WM_CHIP_GROUPID" val="5e7881253197e252a37019b5"/>
-  <p:tag name="KSO_WM_CHIP_XID" val="5e7881253197e252a37019b6"/>
-  <p:tag name="KSO_WM_UNIT_DEC_AREA_ID" val="8813dededcd94f83be1334e61bb4760c"/>
-  <p:tag name="KSO_WM_UNIT_DECORATE_INFO" val="{&quot;ReferentInfo&quot;:{&quot;Id&quot;:&quot;slide&quot;,&quot;X&quot;:{&quot;Pos&quot;:0},&quot;Y&quot;:{&quot;Pos&quot;:0}},&quot;DecorateInfoX&quot;:{&quot;Pos&quot;:0,&quot;IsAbs&quot;:false},&quot;DecorateInfoY&quot;:{&quot;Pos&quot;:0,&quot;IsAbs&quot;:false},&quot;DecorateInfoW&quot;:{&quot;IsAbs&quot;:false},&quot;DecorateInfoH&quot;:{&quot;IsAbs&quot;:false},&quot;whChangeMode&quot;:0}"/>
-  <p:tag name="KSO_WM_UNIT_SM_LIMIT_TYPE" val="2"/>
-  <p:tag name="KSO_WM_CHIP_FILLAREA_FILL_RULE" val="{&quot;fill_align&quot;:&quot;lt&quot;,&quot;fill_mode&quot;:&quot;full&quot;,&quot;sacle_strategy&quot;:&quot;smart&quot;}"/>
-  <p:tag name="KSO_WM_ASSEMBLE_CHIP_INDEX" val="fba21aa6e7b04473ad95be895e1428b6"/>
-  <p:tag name="KSO_WM_UNIT_TEXT_FILL_FORE_SCHEMECOLOR_INDEX_BRIGHTNESS" val="0"/>
-  <p:tag name="KSO_WM_UNIT_TEXT_FILL_FORE_SCHEMECOLOR_INDEX" val="13"/>
-  <p:tag name="KSO_WM_UNIT_TEXT_FILL_TYPE" val="1"/>
-  <p:tag name="KSO_WM_TEMPLATE_ASSEMBLE_XID" val="60656f644054ed1e2fb80930"/>
-  <p:tag name="KSO_WM_TEMPLATE_ASSEMBLE_GROUPID" val="60656f644054ed1e2fb80930"/>
-</p:tagLst>
-</file>
-
-<file path=ppt/tags/tag439.xml><?xml version="1.0" encoding="utf-8"?>
-<p:tagLst xmlns:a="http://schemas.openxmlformats.org/drawingml/2006/main" xmlns:r="http://schemas.openxmlformats.org/officeDocument/2006/relationships" xmlns:p="http://schemas.openxmlformats.org/presentationml/2006/main">
-  <p:tag name="KSO_WM_UNIT_TEXT_SUBTYPE" val="a"/>
-  <p:tag name="KSO_WM_UNIT_SUBTYPE" val="a"/>
-  <p:tag name="KSO_WM_UNIT_PRESET_TEXT" val="单击此处添加正文，文字是您思想的提炼，为了演示发布的良好效果，请言简意赅的阐述您的观点。您的内容已经简明扼要，字字珠玑，但信息却千丝万缕、错综复杂，需要用更多的文字来表述；但请您尽可能提炼思想的精髓，否则容易造成观者的阅读压力，适得其反。正如我们都希望改变世界，希望给别人带去光明，但更多时候我们只需要播下一颗种子，自然有微风吹拂，雨露滋养。恰如其分的表达观点，往往事半功倍。当您的内容到达这个限度时，或许已经不纯粹作用于演示，极大可能运用于阅读领域；无论是传播观点、知识分享还是汇报工作，内容的详尽固然重要，但请一定注意信息框架的清晰，这样才能使内容层次分明，页面简洁易读。如果您的内容确实非常重要又难以精简，也请使用分段处理，对内容进行简单的梳理和提炼，这样会使逻辑框架相对清晰。为了能让您有更直观的字数感受，并进一步方便使用，我们设置了文本的最大限度，当您输入的文字到这里时，已濒临页面容纳内容的上限，若还有更多内容。"/>
-  <p:tag name="KSO_WM_UNIT_NOCLEAR" val="0"/>
-  <p:tag name="KSO_WM_UNIT_HIGHLIGHT" val="0"/>
-  <p:tag name="KSO_WM_UNIT_COMPATIBLE" val="0"/>
-  <p:tag name="KSO_WM_UNIT_DIAGRAM_ISNUMVISUAL" val="0"/>
-  <p:tag name="KSO_WM_UNIT_DIAGRAM_ISREFERUNIT" val="0"/>
-  <p:tag name="KSO_WM_UNIT_TYPE" val="f"/>
-  <p:tag name="KSO_WM_UNIT_INDEX" val="1"/>
-  <p:tag name="KSO_WM_UNIT_ID" val="diagram20212713_1*f*1"/>
-  <p:tag name="KSO_WM_TEMPLATE_CATEGORY" val="diagram"/>
-  <p:tag name="KSO_WM_TEMPLATE_INDEX" val="20212713"/>
-  <p:tag name="KSO_WM_UNIT_LAYERLEVEL" val="1"/>
-  <p:tag name="KSO_WM_TAG_VERSION" val="1.0"/>
-  <p:tag name="KSO_WM_BEAUTIFY_FLAG" val="#wm#"/>
-  <p:tag name="KSO_WM_UNIT_DEFAULT_FONT" val="14;20;2"/>
-  <p:tag name="KSO_WM_UNIT_BLOCK" val="0"/>
-  <p:tag name="KSO_WM_UNIT_VALUE" val="440"/>
-  <p:tag name="KSO_WM_UNIT_SHOW_EDIT_AREA_INDICATION" val="1"/>
-  <p:tag name="KSO_WM_CHIP_GROUPID" val="5e6b05596848fb12bee65ac8"/>
-  <p:tag name="KSO_WM_CHIP_XID" val="5e6b05596848fb12bee65aca"/>
-  <p:tag name="KSO_WM_UNIT_DEC_AREA_ID" val="84a6c56b6ff04b3385062ce2c276b31c"/>
-  <p:tag name="KSO_WM_UNIT_DECORATE_INFO" val="{&quot;ReferentInfo&quot;:{&quot;Id&quot;:&quot;slide&quot;,&quot;X&quot;:{&quot;Pos&quot;:0},&quot;Y&quot;:{&quot;Pos&quot;:0}},&quot;DecorateInfoX&quot;:{&quot;Pos&quot;:0,&quot;IsAbs&quot;:false},&quot;DecorateInfoY&quot;:{&quot;Pos&quot;:0,&quot;IsAbs&quot;:false},&quot;DecorateInfoW&quot;:{&quot;IsAbs&quot;:false},&quot;DecorateInfoH&quot;:{&quot;IsAbs&quot;:false},&quot;whChangeMode&quot;:0}"/>
-  <p:tag name="KSO_WM_UNIT_SM_LIMIT_TYPE" val="2"/>
-  <p:tag name="KSO_WM_CHIP_FILLAREA_FILL_RULE" val="{&quot;fill_align&quot;:&quot;cm&quot;,&quot;fill_mode&quot;:&quot;full&quot;,&quot;sacle_strategy&quot;:&quot;smart&quot;}"/>
-  <p:tag name="KSO_WM_ASSEMBLE_CHIP_INDEX" val="a95d889fcf624743b8b9a892c7ba4fc1"/>
-  <p:tag name="KSO_WM_UNIT_SUPPORT_UNIT_TYPE" val="[&quot;l&quot;,&quot;m&quot;,&quot;n&quot;,&quot;o&quot;,&quot;p&quot;,&quot;q&quot;,&quot;r&quot;,&quot;δ&quot;,&quot;ε&quot;,&quot;ζ&quot;,&quot;η&quot;,&quot;d&quot;,&quot;α&quot;,&quot;β&quot;,&quot;θ&quot;]"/>
-  <p:tag name="KSO_WM_UNIT_TEXT_FILL_FORE_SCHEMECOLOR_INDEX_BRIGHTNESS" val="0.25"/>
-  <p:tag name="KSO_WM_UNIT_TEXT_FILL_FORE_SCHEMECOLOR_INDEX" val="13"/>
-  <p:tag name="KSO_WM_UNIT_TEXT_FILL_TYPE" val="1"/>
-  <p:tag name="KSO_WM_TEMPLATE_ASSEMBLE_XID" val="60656f644054ed1e2fb80930"/>
-  <p:tag name="KSO_WM_TEMPLATE_ASSEMBLE_GROUPID" val="60656f644054ed1e2fb80930"/>
-</p:tagLst>
-</file>
-
-<file path=ppt/tags/tag44.xml><?xml version="1.0" encoding="utf-8"?>
-<p:tagLst xmlns:a="http://schemas.openxmlformats.org/drawingml/2006/main" xmlns:r="http://schemas.openxmlformats.org/officeDocument/2006/relationships" xmlns:p="http://schemas.openxmlformats.org/presentationml/2006/main">
-  <p:tag name="KSO_WM_UNIT_HIGHLIGHT" val="0"/>
-  <p:tag name="KSO_WM_UNIT_COMPATIBLE" val="0"/>
-  <p:tag name="KSO_WM_UNIT_DIAGRAM_ISNUMVISUAL" val="0"/>
-  <p:tag name="KSO_WM_UNIT_DIAGRAM_ISREFERUNIT" val="0"/>
-  <p:tag name="KSO_WM_UNIT_ID" val="_8**"/>
-  <p:tag name="KSO_WM_UNIT_LAYERLEVEL" val="1"/>
-  <p:tag name="KSO_WM_TAG_VERSION" val="1.0"/>
-  <p:tag name="KSO_WM_BEAUTIFY_FLAG" val="#wm#"/>
-</p:tagLst>
-</file>
-
-<file path=ppt/tags/tag440.xml><?xml version="1.0" encoding="utf-8"?>
-<p:tagLst xmlns:a="http://schemas.openxmlformats.org/drawingml/2006/main" xmlns:r="http://schemas.openxmlformats.org/officeDocument/2006/relationships" xmlns:p="http://schemas.openxmlformats.org/presentationml/2006/main">
-  <p:tag name="KSO_WM_UNIT_HIGHLIGHT" val="0"/>
-  <p:tag name="KSO_WM_UNIT_COMPATIBLE" val="0"/>
-  <p:tag name="KSO_WM_UNIT_DIAGRAM_ISNUMVISUAL" val="0"/>
-  <p:tag name="KSO_WM_UNIT_DIAGRAM_ISREFERUNIT" val="0"/>
-  <p:tag name="KSO_WM_UNIT_TYPE" val="i"/>
-  <p:tag name="KSO_WM_UNIT_INDEX" val="2"/>
-  <p:tag name="KSO_WM_UNIT_ID" val="diagram20212713_1*i*2"/>
-  <p:tag name="KSO_WM_TEMPLATE_CATEGORY" val="diagram"/>
-  <p:tag name="KSO_WM_TEMPLATE_INDEX" val="20212713"/>
-  <p:tag name="KSO_WM_UNIT_LAYERLEVEL" val="1"/>
-  <p:tag name="KSO_WM_TAG_VERSION" val="1.0"/>
-  <p:tag name="KSO_WM_BEAUTIFY_FLAG" val="#wm#"/>
-  <p:tag name="KSO_WM_UNIT_BLOCK" val="0"/>
-  <p:tag name="KSO_WM_UNIT_SM_LIMIT_TYPE" val="2"/>
-  <p:tag name="KSO_WM_UNIT_DEC_AREA_ID" val="ab9e3ede4f02433781ee8c4bc865c252"/>
-  <p:tag name="KSO_WM_UNIT_DECORATE_INFO" val="{&quot;ReferentInfo&quot;:{&quot;Id&quot;:&quot;slide&quot;,&quot;X&quot;:{&quot;Pos&quot;:0},&quot;Y&quot;:{&quot;Pos&quot;:0}},&quot;DecorateInfoX&quot;:{&quot;Pos&quot;:0,&quot;IsAbs&quot;:false},&quot;DecorateInfoY&quot;:{&quot;Pos&quot;:0,&quot;IsAbs&quot;:false},&quot;DecorateInfoW&quot;:{&quot;IsAbs&quot;:false},&quot;DecorateInfoH&quot;:{&quot;IsAbs&quot;:false},&quot;whChangeMode&quot;:1}"/>
-  <p:tag name="KSO_WM_CHIP_GROUPID" val="5f708c7a747e3ea6e292a7fb"/>
-  <p:tag name="KSO_WM_CHIP_XID" val="5f708c7a747e3ea6e292a7fc"/>
-  <p:tag name="KSO_WM_UNIT_FILL_FORE_SCHEMECOLOR_INDEX_BRIGHTNESS" val="0"/>
-  <p:tag name="KSO_WM_UNIT_FILL_FORE_SCHEMECOLOR_INDEX" val="5"/>
-  <p:tag name="KSO_WM_UNIT_FILL_TYPE" val="1"/>
-  <p:tag name="KSO_WM_UNIT_TEXT_FILL_FORE_SCHEMECOLOR_INDEX_BRIGHTNESS" val="0"/>
-  <p:tag name="KSO_WM_UNIT_TEXT_FILL_FORE_SCHEMECOLOR_INDEX" val="2"/>
-  <p:tag name="KSO_WM_UNIT_TEXT_FILL_TYPE" val="1"/>
-  <p:tag name="KSO_WM_UNIT_VALUE" val="0"/>
-  <p:tag name="KSO_WM_TEMPLATE_ASSEMBLE_XID" val="60656f644054ed1e2fb80930"/>
-  <p:tag name="KSO_WM_TEMPLATE_ASSEMBLE_GROUPID" val="60656f644054ed1e2fb80930"/>
-</p:tagLst>
-</file>
-
-<file path=ppt/tags/tag441.xml><?xml version="1.0" encoding="utf-8"?>
-<p:tagLst xmlns:a="http://schemas.openxmlformats.org/drawingml/2006/main" xmlns:r="http://schemas.openxmlformats.org/officeDocument/2006/relationships" xmlns:p="http://schemas.openxmlformats.org/presentationml/2006/main">
-  <p:tag name="KSO_WM_BEAUTIFY_FLAG" val="#wm#"/>
-  <p:tag name="KSO_WM_TEMPLATE_CATEGORY" val="diagram"/>
-  <p:tag name="KSO_WM_TEMPLATE_INDEX" val="20209301"/>
-  <p:tag name="KSO_WM_SLIDE_ID" val="diagram20209301_1"/>
-  <p:tag name="KSO_WM_TEMPLATE_SUBCATEGORY" val="21"/>
-  <p:tag name="KSO_WM_TEMPLATE_MASTER_TYPE" val="0"/>
-  <p:tag name="KSO_WM_TEMPLATE_COLOR_TYPE" val="1"/>
-  <p:tag name="KSO_WM_SLIDE_TYPE" val="text"/>
-  <p:tag name="KSO_WM_SLIDE_SUBTYPE" val="picTxt"/>
-  <p:tag name="KSO_WM_SLIDE_ITEM_CNT" val="0"/>
-  <p:tag name="KSO_WM_SLIDE_INDEX" val="1"/>
-  <p:tag name="KSO_WM_TAG_VERSION" val="1.0"/>
-  <p:tag name="KSO_WM_SLIDE_LAYOUT" val="a_d_f"/>
-  <p:tag name="KSO_WM_SLIDE_LAYOUT_CNT" val="1_1_1"/>
-  <p:tag name="KSO_WM_TEMPLATE_THUMBS_INDEX" val="1、4、7、12、13、14、15、16、17、18、20、24、25、28、33、36、40、43、44"/>
-  <p:tag name="KSO_WM_SLIDE_SIZE" val="912*540"/>
-  <p:tag name="KSO_WM_SLIDE_POSITION" val="0*0"/>
-  <p:tag name="KSO_WM_SLIDE_BACKGROUND" val="[&quot;general&quot;,&quot;leftRight&quot;]"/>
-  <p:tag name="KSO_WM_SLIDE_RATIO" val="1.777778"/>
-  <p:tag name="KSO_WM_CHIP_INFOS" val="{&quot;type&quot;:0,&quot;layout_type&quot;:&quot;leftright&quot;,&quot;layout_feature&quot;:1,&quot;aspect_ratio&quot;:&quot;16:9&quot;,&quot;same_font_size&quot;:false,&quot;diagram&quot;:{&quot;type&quot;:[],&quot;direction&quot;:0,&quot;isSupportDecBetweenItems&quot;:false},&quot;tags&quot;:{&quot;style&quot;:[&quot;商务&quot;,&quot;简约&quot;,&quot;文艺清新&quot;,&quot;中国风&quot;,&quot;卡通&quot;,&quot;欧美风&quot;,&quot;黑板风&quot;,&quot;渐变风&quot;,&quot;党政风&quot;]},&quot;slide_type&quot;:[&quot;text&quot;]}"/>
-  <p:tag name="KSO_WM_CHIP_XID" val="5f0e62ba8050c250ba65b19d"/>
-  <p:tag name="KSO_WM_CHIP_FILLPROP" val="[[{&quot;text_align&quot;:&quot;lm&quot;,&quot;text_direction&quot;:&quot;horizontal&quot;,&quot;support_big_font&quot;:true,&quot;fill_id&quot;:&quot;15d635f685fd4d2491c2cd80a5f3ea4a&quot;,&quot;fill_align&quot;:&quot;lm&quot;,&quot;chip_types&quot;:[&quot;header&quot;]},{&quot;text_align&quot;:&quot;lm&quot;,&quot;text_direction&quot;:&quot;horizontal&quot;,&quot;support_features&quot;:[&quot;collage&quot;,&quot;carousel&quot;,&quot;creativecrop&quot;],&quot;support_big_font&quot;:false,&quot;fill_id&quot;:&quot;9cbd9f1010bd4d7788a004738f3d0e36&quot;,&quot;fill_align&quot;:&quot;lm&quot;,&quot;chip_types&quot;:[&quot;picture&quot;,&quot;chart&quot;,&quot;table&quot;,&quot;video&quot;]},{&quot;text_align&quot;:&quot;lm&quot;,&quot;text_direction&quot;:&quot;horizontal&quot;,&quot;support_big_font&quot;:false,&quot;fill_id&quot;:&quot;2d6de27137194b1b9669246963d33e19&quot;,&quot;fill_align&quot;:&quot;lm&quot;,&quot;chip_types&quot;:[&quot;text&quot;]}],[{&quot;text_align&quot;:&quot;lm&quot;,&quot;text_direction&quot;:&quot;horizontal&quot;,&quot;support_big_font&quot;:true,&quot;fill_id&quot;:&quot;15d635f685fd4d2491c2cd80a5f3ea4a&quot;,&quot;fill_align&quot;:&quot;lm&quot;,&quot;chip_types&quot;:[&quot;header&quot;]},{&quot;text_align&quot;:&quot;lm&quot;,&quot;text_direction&quot;:&quot;horizontal&quot;,&quot;support_big_font&quot;:false,&quot;fill_id&quot;:&quot;9cbd9f1010bd4d7788a004738f3d0e36&quot;,&quot;fill_align&quot;:&quot;lm&quot;,&quot;chip_types&quot;:[&quot;pictext&quot;,&quot;picture&quot;,&quot;chart&quot;,&quot;table&quot;,&quot;video&quot;]},{&quot;text_align&quot;:&quot;lm&quot;,&quot;text_direction&quot;:&quot;horizontal&quot;,&quot;support_features&quot;:[&quot;collage&quot;,&quot;carousel&quot;,&quot;creativecrop&quot;],&quot;support_big_font&quot;:true,&quot;fill_id&quot;:&quot;2d6de27137194b1b9669246963d33e19&quot;,&quot;fill_align&quot;:&quot;lm&quot;,&quot;chip_types&quot;:[&quot;picture&quot;,&quot;chart&quot;,&quot;table&quot;,&quot;video&quot;]}]]"/>
-  <p:tag name="KSO_WM_CHIP_DECFILLPROP" val="[]"/>
-  <p:tag name="KSO_WM_CHIP_GROUPID" val="5f0e62ba8050c250ba65b19c"/>
-  <p:tag name="KSO_WM_SLIDE_BACKGROUND_TYPE" val="leftRight"/>
-  <p:tag name="KSO_WM_SLIDE_SUPPORT_FEATURE_TYPE" val="7"/>
-  <p:tag name="KSO_WM_TEMPLATE_ASSEMBLE_XID" val="60656e8d4054ed1e2fb7fb3f"/>
-  <p:tag name="KSO_WM_TEMPLATE_ASSEMBLE_GROUPID" val="60656e8d4054ed1e2fb7fb3f"/>
-  <p:tag name="FIXED_XID_TMP" val="5f5ee1ca4d6848d78f644aec"/>
-  <p:tag name="KSO_WM_SLIDE_CAN_ADD_NAVIGATION" val="1"/>
-  <p:tag name="KSO_WM_SLIDE_BK_DARK_LIGHT" val="2"/>
-  <p:tag name="KSO_WM_SLIDE_LAYOUT_INFO" val="{&quot;backgroundInfo&quot;:[{&quot;bottom&quot;:0,&quot;bottomAbs&quot;:false,&quot;left&quot;:0,&quot;leftAbs&quot;:false,&quot;right&quot;:0,&quot;rightAbs&quot;:false,&quot;top&quot;:0,&quot;topAbs&quot;:false,&quot;type&quot;:&quot;general&quot;}],&quot;direction&quot;:1,&quot;id&quot;:&quot;2021-04-01T15:05:52&quot;,&quot;maxSize&quot;:{&quot;size1&quot;:37.599602156361414},&quot;minSize&quot;:{&quot;size1&quot;:37.599602156361414},&quot;normalSize&quot;:{&quot;size1&quot;:37.599602156361414},&quot;subLayout&quot;:[{&quot;backgroundInfo&quot;:[{&quot;bottom&quot;:0,&quot;bottomAbs&quot;:false,&quot;left&quot;:0,&quot;leftAbs&quot;:false,&quot;right&quot;:0,&quot;rightAbs&quot;:false,&quot;top&quot;:0,&quot;topAbs&quot;:false,&quot;type&quot;:&quot;leftRight&quot;}],&quot;id&quot;:&quot;2021-04-01T15:05:52&quot;,&quot;margin&quot;:{&quot;bottom&quot;:3.809999942779541,&quot;left&quot;:1.6319999694824219,&quot;right&quot;:0.8730000257492065,&quot;top&quot;:4.691999912261963},&quot;type&quot;:0},{&quot;id&quot;:&quot;2021-04-01T15:05:52&quot;,&quot;maxSize&quot;:{&quot;size1&quot;:57.8},&quot;minSize&quot;:{&quot;size1&quot;:37.8},&quot;normalSize&quot;:{&quot;size1&quot;:52.13333333333333},&quot;subLayout&quot;:[{&quot;id&quot;:&quot;2021-04-01T15:05:52&quot;,&quot;margin&quot;:{&quot;bottom&quot;:0.02600000612437725,&quot;left&quot;:1.6590001583099365,&quot;right&quot;:1.6929999589920044,&quot;top&quot;:1.6929999589920044},&quot;type&quot;:0},{&quot;id&quot;:&quot;2021-04-01T15:05:52&quot;,&quot;margin&quot;:{&quot;bottom&quot;:1.6929999589920044,&quot;left&quot;:1.659999966621399,&quot;right&quot;:1.6929999589920044,&quot;top&quot;:0.8199999928474426},&quot;type&quot;:0}],&quot;type&quot;:0}],&quot;type&quot;:0}"/>
-</p:tagLst>
-</file>
-
-<file path=ppt/tags/tag442.xml><?xml version="1.0" encoding="utf-8"?>
-<p:tagLst xmlns:a="http://schemas.openxmlformats.org/drawingml/2006/main" xmlns:r="http://schemas.openxmlformats.org/officeDocument/2006/relationships" xmlns:p="http://schemas.openxmlformats.org/presentationml/2006/main">
-  <p:tag name="KSO_WM_UNIT_HIGHLIGHT" val="0"/>
-  <p:tag name="KSO_WM_UNIT_COMPATIBLE" val="0"/>
-  <p:tag name="KSO_WM_UNIT_DIAGRAM_ISNUMVISUAL" val="0"/>
-  <p:tag name="KSO_WM_UNIT_DIAGRAM_ISREFERUNIT" val="0"/>
-  <p:tag name="KSO_WM_UNIT_ID" val="diagram20209301_1*i*1"/>
-  <p:tag name="KSO_WM_UNIT_LAYERLEVEL" val="1"/>
-  <p:tag name="KSO_WM_TAG_VERSION" val="1.0"/>
-  <p:tag name="KSO_WM_BEAUTIFY_FLAG" val="#wm#"/>
-  <p:tag name="KSO_WM_UNIT_TYPE" val="i"/>
-  <p:tag name="KSO_WM_UNIT_INDEX" val="1"/>
-  <p:tag name="KSO_WM_UNIT_SUBTYPE" val="h"/>
-  <p:tag name="KSO_WM_SLIDE_BACKGROUND_TYPE" val="leftRight"/>
-  <p:tag name="KSO_WM_SLIDE_BK_DARK_LIGHT" val="2"/>
-  <p:tag name="KSO_WM_UNIT_BK_DARK_LIGHT" val="2"/>
-  <p:tag name="KSO_WM_UNIT_FILL_FORE_SCHEMECOLOR_INDEX_BRIGHTNESS" val="0"/>
-  <p:tag name="KSO_WM_UNIT_FILL_FORE_SCHEMECOLOR_INDEX" val="15"/>
-  <p:tag name="KSO_WM_UNIT_FILL_TYPE" val="1"/>
-  <p:tag name="KSO_WM_UNIT_TEXT_FILL_FORE_SCHEMECOLOR_INDEX_BRIGHTNESS" val="0"/>
-  <p:tag name="KSO_WM_UNIT_TEXT_FILL_FORE_SCHEMECOLOR_INDEX" val="2"/>
-  <p:tag name="KSO_WM_UNIT_TEXT_FILL_TYPE" val="1"/>
-  <p:tag name="KSO_WM_TEMPLATE_CATEGORY" val="diagram"/>
-  <p:tag name="KSO_WM_TEMPLATE_INDEX" val="20209301"/>
-  <p:tag name="KSO_WM_UNIT_VALUE" val="500"/>
-  <p:tag name="KSO_WM_TEMPLATE_ASSEMBLE_XID" val="60656e8d4054ed1e2fb7fb3f"/>
-  <p:tag name="KSO_WM_TEMPLATE_ASSEMBLE_GROUPID" val="60656e8d4054ed1e2fb7fb3f"/>
-</p:tagLst>
-</file>
-
-<file path=ppt/tags/tag443.xml><?xml version="1.0" encoding="utf-8"?>
-<p:tagLst xmlns:a="http://schemas.openxmlformats.org/drawingml/2006/main" xmlns:r="http://schemas.openxmlformats.org/officeDocument/2006/relationships" xmlns:p="http://schemas.openxmlformats.org/presentationml/2006/main">
-  <p:tag name="KSO_WM_UNIT_HIGHLIGHT" val="0"/>
-  <p:tag name="KSO_WM_UNIT_COMPATIBLE" val="0"/>
-  <p:tag name="KSO_WM_UNIT_DIAGRAM_ISNUMVISUAL" val="0"/>
-  <p:tag name="KSO_WM_UNIT_DIAGRAM_ISREFERUNIT" val="0"/>
-  <p:tag name="KSO_WM_UNIT_TYPE" val="i"/>
-  <p:tag name="KSO_WM_UNIT_INDEX" val="2"/>
-  <p:tag name="KSO_WM_UNIT_ID" val="diagram20209301_1*i*2"/>
-  <p:tag name="KSO_WM_TEMPLATE_CATEGORY" val="diagram"/>
-  <p:tag name="KSO_WM_TEMPLATE_INDEX" val="20209301"/>
-  <p:tag name="KSO_WM_UNIT_LAYERLEVEL" val="1"/>
-  <p:tag name="KSO_WM_TAG_VERSION" val="1.0"/>
-  <p:tag name="KSO_WM_BEAUTIFY_FLAG" val="#wm#"/>
-  <p:tag name="KSO_WM_UNIT_BLOCK" val="0"/>
-  <p:tag name="KSO_WM_UNIT_SM_LIMIT_TYPE" val="0"/>
-  <p:tag name="KSO_WM_UNIT_DEC_AREA_ID" val="31bc3d0c79d3463fb830225761ee03e5"/>
-  <p:tag name="KSO_WM_UNIT_DECORATE_INFO" val="{&quot;DecorateInfoH&quot;:{&quot;IsAbs&quot;:true},&quot;DecorateInfoW&quot;:{&quot;IsAbs&quot;:true},&quot;DecorateInfoX&quot;:{&quot;IsAbs&quot;:true,&quot;Pos&quot;:0},&quot;DecorateInfoY&quot;:{&quot;IsAbs&quot;:true,&quot;Pos&quot;:2},&quot;ReferentInfo&quot;:{&quot;Id&quot;:&quot;70db01aa80c74bdfb97857dc8aa0b04e&quot;,&quot;X&quot;:{&quot;Pos&quot;:0},&quot;Y&quot;:{&quot;Pos&quot;:0}},&quot;whChangeMode&quot;:0}"/>
-  <p:tag name="KSO_WM_CHIP_GROUPID" val="5f0e62ba8050c250ba65b19c"/>
-  <p:tag name="KSO_WM_CHIP_XID" val="5f0e62ba8050c250ba65b19d"/>
-  <p:tag name="KSO_WM_TEMPLATE_ASSEMBLE_XID" val="60656e8d4054ed1e2fb7fb3f"/>
-  <p:tag name="KSO_WM_TEMPLATE_ASSEMBLE_GROUPID" val="60656e8d4054ed1e2fb7fb3f"/>
-</p:tagLst>
-</file>
-
-<file path=ppt/tags/tag444.xml><?xml version="1.0" encoding="utf-8"?>
-<p:tagLst xmlns:a="http://schemas.openxmlformats.org/drawingml/2006/main" xmlns:r="http://schemas.openxmlformats.org/officeDocument/2006/relationships" xmlns:p="http://schemas.openxmlformats.org/presentationml/2006/main">
-  <p:tag name="KSO_WM_UNIT_ISCONTENTSTITLE" val="0"/>
-  <p:tag name="KSO_WM_UNIT_ISNUMDGMTITLE" val="0"/>
-  <p:tag name="KSO_WM_UNIT_NOCLEAR" val="0"/>
-  <p:tag name="KSO_WM_UNIT_VALUE" val="8"/>
-  <p:tag name="KSO_WM_UNIT_HIGHLIGHT" val="0"/>
-  <p:tag name="KSO_WM_UNIT_COMPATIBLE" val="0"/>
-  <p:tag name="KSO_WM_UNIT_DIAGRAM_ISNUMVISUAL" val="0"/>
-  <p:tag name="KSO_WM_UNIT_DIAGRAM_ISREFERUNIT" val="0"/>
-  <p:tag name="KSO_WM_UNIT_TYPE" val="a"/>
-  <p:tag name="KSO_WM_UNIT_INDEX" val="1"/>
-  <p:tag name="KSO_WM_UNIT_ID" val="diagram20209301_1*a*1"/>
-  <p:tag name="KSO_WM_TEMPLATE_CATEGORY" val="diagram"/>
-  <p:tag name="KSO_WM_TEMPLATE_INDEX" val="20209301"/>
-  <p:tag name="KSO_WM_UNIT_LAYERLEVEL" val="1"/>
-  <p:tag name="KSO_WM_TAG_VERSION" val="1.0"/>
-  <p:tag name="KSO_WM_BEAUTIFY_FLAG" val="#wm#"/>
-  <p:tag name="KSO_WM_UNIT_PRESET_TEXT" val="添加标题"/>
-  <p:tag name="KSO_WM_UNIT_DEFAULT_FONT" val="24;44;4"/>
-  <p:tag name="KSO_WM_UNIT_BLOCK" val="0"/>
-  <p:tag name="KSO_WM_UNIT_SHOW_EDIT_AREA_INDICATION" val="1"/>
-  <p:tag name="KSO_WM_CHIP_GROUPID" val="5e7881253197e252a37019b5"/>
-  <p:tag name="KSO_WM_CHIP_XID" val="5e7881253197e252a37019b6"/>
-  <p:tag name="KSO_WM_UNIT_DEC_AREA_ID" val="70db01aa80c74bdfb97857dc8aa0b04e"/>
-  <p:tag name="KSO_WM_UNIT_DECORATE_INFO" val="{&quot;ReferentInfo&quot;:{&quot;Id&quot;:&quot;slide&quot;,&quot;X&quot;:{&quot;Pos&quot;:0},&quot;Y&quot;:{&quot;Pos&quot;:0}},&quot;DecorateInfoX&quot;:{&quot;Pos&quot;:0,&quot;IsAbs&quot;:false},&quot;DecorateInfoY&quot;:{&quot;Pos&quot;:0,&quot;IsAbs&quot;:false},&quot;DecorateInfoW&quot;:{&quot;IsAbs&quot;:false},&quot;DecorateInfoH&quot;:{&quot;IsAbs&quot;:false},&quot;whChangeMode&quot;:0}"/>
-  <p:tag name="KSO_WM_UNIT_SM_LIMIT_TYPE" val="2"/>
-  <p:tag name="KSO_WM_CHIP_FILLAREA_FILL_RULE" val="{&quot;fill_align&quot;:&quot;lm&quot;,&quot;fill_mode&quot;:&quot;full&quot;,&quot;sacle_strategy&quot;:&quot;smart&quot;}"/>
-  <p:tag name="KSO_WM_ASSEMBLE_CHIP_INDEX" val="02ecc951d32c41bc9e0c47d9161b4394"/>
-  <p:tag name="KSO_WM_UNIT_SUPPORT_BIG_FONT" val="1"/>
-  <p:tag name="KSO_WM_UNIT_TEXT_FILL_FORE_SCHEMECOLOR_INDEX_BRIGHTNESS" val="0"/>
-  <p:tag name="KSO_WM_UNIT_TEXT_FILL_FORE_SCHEMECOLOR_INDEX" val="13"/>
-  <p:tag name="KSO_WM_UNIT_TEXT_FILL_TYPE" val="1"/>
-  <p:tag name="KSO_WM_TEMPLATE_ASSEMBLE_XID" val="60656e8d4054ed1e2fb7fb3f"/>
-  <p:tag name="KSO_WM_TEMPLATE_ASSEMBLE_GROUPID" val="60656e8d4054ed1e2fb7fb3f"/>
-</p:tagLst>
-</file>
-
-<file path=ppt/tags/tag445.xml><?xml version="1.0" encoding="utf-8"?>
-<p:tagLst xmlns:a="http://schemas.openxmlformats.org/drawingml/2006/main" xmlns:r="http://schemas.openxmlformats.org/officeDocument/2006/relationships" xmlns:p="http://schemas.openxmlformats.org/presentationml/2006/main">
-  <p:tag name="KSO_WM_UNIT_VALUE" val="550*1777"/>
-  <p:tag name="KSO_WM_UNIT_HIGHLIGHT" val="0"/>
-  <p:tag name="KSO_WM_UNIT_COMPATIBLE" val="0"/>
-  <p:tag name="KSO_WM_UNIT_DIAGRAM_ISNUMVISUAL" val="0"/>
-  <p:tag name="KSO_WM_UNIT_DIAGRAM_ISREFERUNIT" val="0"/>
-  <p:tag name="KSO_WM_UNIT_TYPE" val="d"/>
-  <p:tag name="KSO_WM_UNIT_INDEX" val="1"/>
-  <p:tag name="KSO_WM_UNIT_ID" val="diagram20209301_1*d*1"/>
-  <p:tag name="KSO_WM_TEMPLATE_CATEGORY" val="diagram"/>
-  <p:tag name="KSO_WM_TEMPLATE_INDEX" val="20209301"/>
-  <p:tag name="KSO_WM_UNIT_LAYERLEVEL" val="1"/>
-  <p:tag name="KSO_WM_TAG_VERSION" val="1.0"/>
-  <p:tag name="KSO_WM_BEAUTIFY_FLAG" val="#wm#"/>
-  <p:tag name="KSO_WM_CHIP_GROUPID" val="5e7310da9a230a26b9e88a19"/>
-  <p:tag name="KSO_WM_CHIP_XID" val="5e7310da9a230a26b9e88a1a"/>
-  <p:tag name="KSO_WM_UNIT_DEC_AREA_ID" val="9703c038fc014f12a1d2e36fa8a7fd33"/>
-  <p:tag name="KSO_WM_UNIT_DECORATE_INFO" val="{&quot;ReferentInfo&quot;:{&quot;Id&quot;:&quot;slide&quot;,&quot;X&quot;:{&quot;Pos&quot;:0},&quot;Y&quot;:{&quot;Pos&quot;:0}},&quot;DecorateInfoX&quot;:{&quot;Pos&quot;:0,&quot;IsAbs&quot;:false},&quot;DecorateInfoY&quot;:{&quot;Pos&quot;:0,&quot;IsAbs&quot;:false},&quot;DecorateInfoW&quot;:{&quot;IsAbs&quot;:false},&quot;DecorateInfoH&quot;:{&quot;IsAbs&quot;:false},&quot;whChangeMode&quot;:0}"/>
-  <p:tag name="KSO_WM_UNIT_SM_LIMIT_TYPE" val="2"/>
-  <p:tag name="KSO_WM_CHIP_FILLAREA_FILL_RULE" val="{&quot;fill_align&quot;:&quot;lm&quot;,&quot;fill_mode&quot;:&quot;full&quot;,&quot;sacle_strategy&quot;:&quot;smart&quot;}"/>
-  <p:tag name="KSO_WM_ASSEMBLE_CHIP_INDEX" val="5091ac5d3bfc4229a972bdfe8c681926"/>
-  <p:tag name="KSO_WM_UNIT_SUPPORT_UNIT_TYPE" val="[&quot;d&quot;,&quot;α&quot;,&quot;β&quot;,&quot;θ&quot;]"/>
-  <p:tag name="KSO_WM_TEMPLATE_ASSEMBLE_XID" val="60656e8d4054ed1e2fb7fb3f"/>
-  <p:tag name="KSO_WM_TEMPLATE_ASSEMBLE_GROUPID" val="60656e8d4054ed1e2fb7fb3f"/>
-</p:tagLst>
-</file>
-
-<file path=ppt/tags/tag446.xml><?xml version="1.0" encoding="utf-8"?>
-<p:tagLst xmlns:a="http://schemas.openxmlformats.org/drawingml/2006/main" xmlns:r="http://schemas.openxmlformats.org/officeDocument/2006/relationships" xmlns:p="http://schemas.openxmlformats.org/presentationml/2006/main">
-  <p:tag name="KSO_WM_UNIT_TEXT_SUBTYPE" val="a"/>
-  <p:tag name="KSO_WM_UNIT_SUBTYPE" val="a"/>
-  <p:tag name="KSO_WM_UNIT_PRESET_TEXT" val="单击此处添加正文，文字是您思想的提炼，为了演示发布的良好效果，请言简意赅的阐述您的观点。您的内容已经简明扼要，字字珠玑，但信息却千丝万缕、错综复杂，需要用更多的文字来表述；但请您尽可能提炼思想的精髓，否则容易造成观者的阅读压力，适得其反。正如我们都希望改变世界，希望给别人带去光明，但更多时候我们只需要播下一颗种子，自然有微风吹拂，雨露滋养。恰如其分的表达观点，往往事半功倍。当您的内容到达这个限度时，或许已经不纯粹作用于演示，极大可能运用于阅读领域；无论是传播观点、知识分享还是汇报工作，内容的详尽固然重要，但请一定注意信息框架的清晰，这样才能使内容层次分明，页面简洁易读。如果您的内容确实非常重要又难以精简，也请使用分段处理，对内容进行简单的梳理和提炼，这样会使逻辑框架相对清晰。为了能让您有更直观的字数感受，并进一步方便使用，我们设置了文本的最大限度，当您输入的文字到这里时，已濒临页面容纳内容的上限，若还有更多内容。"/>
-  <p:tag name="KSO_WM_UNIT_NOCLEAR" val="0"/>
-  <p:tag name="KSO_WM_UNIT_HIGHLIGHT" val="0"/>
-  <p:tag name="KSO_WM_UNIT_COMPATIBLE" val="0"/>
-  <p:tag name="KSO_WM_UNIT_DIAGRAM_ISNUMVISUAL" val="0"/>
-  <p:tag name="KSO_WM_UNIT_DIAGRAM_ISREFERUNIT" val="0"/>
-  <p:tag name="KSO_WM_UNIT_TYPE" val="f"/>
-  <p:tag name="KSO_WM_UNIT_INDEX" val="1"/>
-  <p:tag name="KSO_WM_UNIT_ID" val="diagram20212713_1*f*1"/>
-  <p:tag name="KSO_WM_TEMPLATE_CATEGORY" val="diagram"/>
-  <p:tag name="KSO_WM_TEMPLATE_INDEX" val="20212713"/>
-  <p:tag name="KSO_WM_UNIT_LAYERLEVEL" val="1"/>
-  <p:tag name="KSO_WM_TAG_VERSION" val="1.0"/>
-  <p:tag name="KSO_WM_BEAUTIFY_FLAG" val="#wm#"/>
-  <p:tag name="KSO_WM_UNIT_DEFAULT_FONT" val="14;20;2"/>
-  <p:tag name="KSO_WM_UNIT_BLOCK" val="0"/>
-  <p:tag name="KSO_WM_UNIT_VALUE" val="440"/>
-  <p:tag name="KSO_WM_UNIT_SHOW_EDIT_AREA_INDICATION" val="1"/>
-  <p:tag name="KSO_WM_CHIP_GROUPID" val="5e6b05596848fb12bee65ac8"/>
-  <p:tag name="KSO_WM_CHIP_XID" val="5e6b05596848fb12bee65aca"/>
-  <p:tag name="KSO_WM_UNIT_DEC_AREA_ID" val="84a6c56b6ff04b3385062ce2c276b31c"/>
-  <p:tag name="KSO_WM_UNIT_DECORATE_INFO" val="{&quot;ReferentInfo&quot;:{&quot;Id&quot;:&quot;slide&quot;,&quot;X&quot;:{&quot;Pos&quot;:0},&quot;Y&quot;:{&quot;Pos&quot;:0}},&quot;DecorateInfoX&quot;:{&quot;Pos&quot;:0,&quot;IsAbs&quot;:false},&quot;DecorateInfoY&quot;:{&quot;Pos&quot;:0,&quot;IsAbs&quot;:false},&quot;DecorateInfoW&quot;:{&quot;IsAbs&quot;:false},&quot;DecorateInfoH&quot;:{&quot;IsAbs&quot;:false},&quot;whChangeMode&quot;:0}"/>
-  <p:tag name="KSO_WM_UNIT_SM_LIMIT_TYPE" val="2"/>
-  <p:tag name="KSO_WM_CHIP_FILLAREA_FILL_RULE" val="{&quot;fill_align&quot;:&quot;cm&quot;,&quot;fill_mode&quot;:&quot;full&quot;,&quot;sacle_strategy&quot;:&quot;smart&quot;}"/>
-  <p:tag name="KSO_WM_ASSEMBLE_CHIP_INDEX" val="a95d889fcf624743b8b9a892c7ba4fc1"/>
-  <p:tag name="KSO_WM_UNIT_SUPPORT_UNIT_TYPE" val="[&quot;l&quot;,&quot;m&quot;,&quot;n&quot;,&quot;o&quot;,&quot;p&quot;,&quot;q&quot;,&quot;r&quot;,&quot;δ&quot;,&quot;ε&quot;,&quot;ζ&quot;,&quot;η&quot;,&quot;d&quot;,&quot;α&quot;,&quot;β&quot;,&quot;θ&quot;]"/>
-  <p:tag name="KSO_WM_UNIT_TEXT_FILL_FORE_SCHEMECOLOR_INDEX_BRIGHTNESS" val="0.25"/>
-  <p:tag name="KSO_WM_UNIT_TEXT_FILL_FORE_SCHEMECOLOR_INDEX" val="13"/>
-  <p:tag name="KSO_WM_UNIT_TEXT_FILL_TYPE" val="1"/>
-  <p:tag name="KSO_WM_TEMPLATE_ASSEMBLE_XID" val="60656f644054ed1e2fb80930"/>
-  <p:tag name="KSO_WM_TEMPLATE_ASSEMBLE_GROUPID" val="60656f644054ed1e2fb80930"/>
-</p:tagLst>
-</file>
-
-<file path=ppt/tags/tag447.xml><?xml version="1.0" encoding="utf-8"?>
 <p:tagLst xmlns:a="http://schemas.openxmlformats.org/drawingml/2006/main" xmlns:r="http://schemas.openxmlformats.org/officeDocument/2006/relationships" xmlns:p="http://schemas.openxmlformats.org/presentationml/2006/main">
   <p:tag name="KSO_WM_UNIT_HIGHLIGHT" val="0"/>
   <p:tag name="KSO_WM_UNIT_COMPATIBLE" val="0"/>
@@ -43379,7 +42732,7 @@
 </p:tagLst>
 </file>
 
-<file path=ppt/tags/tag448.xml><?xml version="1.0" encoding="utf-8"?>
+<file path=ppt/tags/tag438.xml><?xml version="1.0" encoding="utf-8"?>
 <p:tagLst xmlns:a="http://schemas.openxmlformats.org/drawingml/2006/main" xmlns:r="http://schemas.openxmlformats.org/officeDocument/2006/relationships" xmlns:p="http://schemas.openxmlformats.org/presentationml/2006/main">
   <p:tag name="KSO_WM_UNIT_HIGHLIGHT" val="0"/>
   <p:tag name="KSO_WM_UNIT_COMPATIBLE" val="0"/>
@@ -43402,6 +42755,19 @@
   <p:tag name="KSO_WM_UNIT_VALUE" val="3"/>
   <p:tag name="KSO_WM_TEMPLATE_ASSEMBLE_XID" val="60656e8d4054ed1e2fb7fb3f"/>
   <p:tag name="KSO_WM_TEMPLATE_ASSEMBLE_GROUPID" val="60656e8d4054ed1e2fb7fb3f"/>
+</p:tagLst>
+</file>
+
+<file path=ppt/tags/tag44.xml><?xml version="1.0" encoding="utf-8"?>
+<p:tagLst xmlns:a="http://schemas.openxmlformats.org/drawingml/2006/main" xmlns:r="http://schemas.openxmlformats.org/officeDocument/2006/relationships" xmlns:p="http://schemas.openxmlformats.org/presentationml/2006/main">
+  <p:tag name="KSO_WM_UNIT_HIGHLIGHT" val="0"/>
+  <p:tag name="KSO_WM_UNIT_COMPATIBLE" val="0"/>
+  <p:tag name="KSO_WM_UNIT_DIAGRAM_ISNUMVISUAL" val="0"/>
+  <p:tag name="KSO_WM_UNIT_DIAGRAM_ISREFERUNIT" val="0"/>
+  <p:tag name="KSO_WM_UNIT_ID" val="_8**"/>
+  <p:tag name="KSO_WM_UNIT_LAYERLEVEL" val="1"/>
+  <p:tag name="KSO_WM_TAG_VERSION" val="1.0"/>
+  <p:tag name="KSO_WM_BEAUTIFY_FLAG" val="#wm#"/>
 </p:tagLst>
 </file>
 
